--- a/English/6.Visuals/4.The Water Fall.pptx
+++ b/English/6.Visuals/4.The Water Fall.pptx
@@ -21,7 +21,7 @@
   <p:notesSz cx="6858000" cy="9144000"/>
   <p:defaultTextStyle>
     <a:defPPr>
-      <a:defRPr lang="en-US"/>
+      <a:defRPr lang="en"/>
     </a:defPPr>
     <a:lvl1pPr marL="0" algn="l" defTabSz="914400" rtl="0" eaLnBrk="1" latinLnBrk="0" hangingPunct="1">
       <a:defRPr sz="1800" kern="1200">
@@ -204,7 +204,7 @@
           <a:p>
             <a:fld id="{056BA3B8-9F76-4D81-B71D-76CB85363062}" type="datetimeFigureOut">
               <a:rPr lang="en-US" smtClean="0"/>
-              <a:t>1/4/2025</a:t>
+              <a:t>4/3/2025</a:t>
             </a:fld>
             <a:endParaRPr lang="en-US"/>
           </a:p>
@@ -603,7 +603,7 @@
           <a:p>
             <a:fld id="{6F01DA4D-20EA-48D2-973C-0311EC3005D6}" type="datetimeFigureOut">
               <a:rPr lang="en-US" smtClean="0"/>
-              <a:t>1/4/2025</a:t>
+              <a:t>4/3/2025</a:t>
             </a:fld>
             <a:endParaRPr lang="en-US"/>
           </a:p>
@@ -773,7 +773,7 @@
           <a:p>
             <a:fld id="{6F01DA4D-20EA-48D2-973C-0311EC3005D6}" type="datetimeFigureOut">
               <a:rPr lang="en-US" smtClean="0"/>
-              <a:t>1/4/2025</a:t>
+              <a:t>4/3/2025</a:t>
             </a:fld>
             <a:endParaRPr lang="en-US"/>
           </a:p>
@@ -953,7 +953,7 @@
           <a:p>
             <a:fld id="{6F01DA4D-20EA-48D2-973C-0311EC3005D6}" type="datetimeFigureOut">
               <a:rPr lang="en-US" smtClean="0"/>
-              <a:t>1/4/2025</a:t>
+              <a:t>4/3/2025</a:t>
             </a:fld>
             <a:endParaRPr lang="en-US"/>
           </a:p>
@@ -1123,7 +1123,7 @@
           <a:p>
             <a:fld id="{6F01DA4D-20EA-48D2-973C-0311EC3005D6}" type="datetimeFigureOut">
               <a:rPr lang="en-US" smtClean="0"/>
-              <a:t>1/4/2025</a:t>
+              <a:t>4/3/2025</a:t>
             </a:fld>
             <a:endParaRPr lang="en-US"/>
           </a:p>
@@ -1369,7 +1369,7 @@
           <a:p>
             <a:fld id="{6F01DA4D-20EA-48D2-973C-0311EC3005D6}" type="datetimeFigureOut">
               <a:rPr lang="en-US" smtClean="0"/>
-              <a:t>1/4/2025</a:t>
+              <a:t>4/3/2025</a:t>
             </a:fld>
             <a:endParaRPr lang="en-US"/>
           </a:p>
@@ -1601,7 +1601,7 @@
           <a:p>
             <a:fld id="{6F01DA4D-20EA-48D2-973C-0311EC3005D6}" type="datetimeFigureOut">
               <a:rPr lang="en-US" smtClean="0"/>
-              <a:t>1/4/2025</a:t>
+              <a:t>4/3/2025</a:t>
             </a:fld>
             <a:endParaRPr lang="en-US"/>
           </a:p>
@@ -1968,7 +1968,7 @@
           <a:p>
             <a:fld id="{6F01DA4D-20EA-48D2-973C-0311EC3005D6}" type="datetimeFigureOut">
               <a:rPr lang="en-US" smtClean="0"/>
-              <a:t>1/4/2025</a:t>
+              <a:t>4/3/2025</a:t>
             </a:fld>
             <a:endParaRPr lang="en-US"/>
           </a:p>
@@ -2086,7 +2086,7 @@
           <a:p>
             <a:fld id="{6F01DA4D-20EA-48D2-973C-0311EC3005D6}" type="datetimeFigureOut">
               <a:rPr lang="en-US" smtClean="0"/>
-              <a:t>1/4/2025</a:t>
+              <a:t>4/3/2025</a:t>
             </a:fld>
             <a:endParaRPr lang="en-US"/>
           </a:p>
@@ -2181,7 +2181,7 @@
           <a:p>
             <a:fld id="{6F01DA4D-20EA-48D2-973C-0311EC3005D6}" type="datetimeFigureOut">
               <a:rPr lang="en-US" smtClean="0"/>
-              <a:t>1/4/2025</a:t>
+              <a:t>4/3/2025</a:t>
             </a:fld>
             <a:endParaRPr lang="en-US"/>
           </a:p>
@@ -2458,7 +2458,7 @@
           <a:p>
             <a:fld id="{6F01DA4D-20EA-48D2-973C-0311EC3005D6}" type="datetimeFigureOut">
               <a:rPr lang="en-US" smtClean="0"/>
-              <a:t>1/4/2025</a:t>
+              <a:t>4/3/2025</a:t>
             </a:fld>
             <a:endParaRPr lang="en-US"/>
           </a:p>
@@ -2711,7 +2711,7 @@
           <a:p>
             <a:fld id="{6F01DA4D-20EA-48D2-973C-0311EC3005D6}" type="datetimeFigureOut">
               <a:rPr lang="en-US" smtClean="0"/>
-              <a:t>1/4/2025</a:t>
+              <a:t>4/3/2025</a:t>
             </a:fld>
             <a:endParaRPr lang="en-US"/>
           </a:p>
@@ -2924,7 +2924,7 @@
           <a:p>
             <a:fld id="{6F01DA4D-20EA-48D2-973C-0311EC3005D6}" type="datetimeFigureOut">
               <a:rPr lang="en-US" smtClean="0"/>
-              <a:t>1/4/2025</a:t>
+              <a:t>4/3/2025</a:t>
             </a:fld>
             <a:endParaRPr lang="en-US"/>
           </a:p>
@@ -3360,7 +3360,7 @@
           <a:lstStyle/>
           <a:p>
             <a:r>
-              <a:rPr lang="fr-FR" sz="8000" b="1" dirty="0" smtClean="0">
+              <a:rPr lang="en" sz="8000" b="1" dirty="0" smtClean="0">
                 <a:solidFill>
                   <a:srgbClr val="7030A0"/>
                 </a:solidFill>
@@ -3371,7 +3371,7 @@
               <a:t>The </a:t>
             </a:r>
             <a:r>
-              <a:rPr lang="fr-FR" sz="8000" b="1" dirty="0" smtClean="0">
+              <a:rPr lang="en" sz="8000" b="1" dirty="0" err="1" smtClean="0">
                 <a:solidFill>
                   <a:srgbClr val="7030A0"/>
                 </a:solidFill>
@@ -3379,18 +3379,7 @@
                 <a:ea typeface="Verdana" panose="020B0604030504040204" pitchFamily="34" charset="0"/>
                 <a:cs typeface="Segoe UI" panose="020B0502040204020203" pitchFamily="34" charset="0"/>
               </a:rPr>
-              <a:t>Water </a:t>
-            </a:r>
-            <a:r>
-              <a:rPr lang="fr-FR" sz="8000" b="1" dirty="0" err="1" smtClean="0">
-                <a:solidFill>
-                  <a:srgbClr val="7030A0"/>
-                </a:solidFill>
-                <a:latin typeface="Segoe UI" panose="020B0502040204020203" pitchFamily="34" charset="0"/>
-                <a:ea typeface="Verdana" panose="020B0604030504040204" pitchFamily="34" charset="0"/>
-                <a:cs typeface="Segoe UI" panose="020B0502040204020203" pitchFamily="34" charset="0"/>
-              </a:rPr>
-              <a:t>Fall</a:t>
+              <a:t>waterfall</a:t>
             </a:r>
             <a:endParaRPr lang="en-US" sz="8000" b="1" dirty="0">
               <a:solidFill>
@@ -3426,7 +3415,7 @@
           <a:lstStyle/>
           <a:p>
             <a:r>
-              <a:rPr lang="fr-FR" sz="8000" b="1" dirty="0" smtClean="0">
+              <a:rPr lang="en" sz="8000" b="1" dirty="0" smtClean="0">
                 <a:solidFill>
                   <a:schemeClr val="bg1"/>
                 </a:solidFill>
@@ -3437,7 +3426,7 @@
               <a:t>The </a:t>
             </a:r>
             <a:r>
-              <a:rPr lang="fr-FR" sz="8000" b="1" dirty="0" smtClean="0">
+              <a:rPr lang="en" sz="8000" b="1" dirty="0" err="1" smtClean="0">
                 <a:solidFill>
                   <a:schemeClr val="bg1"/>
                 </a:solidFill>
@@ -3445,18 +3434,7 @@
                 <a:ea typeface="Verdana" panose="020B0604030504040204" pitchFamily="34" charset="0"/>
                 <a:cs typeface="Segoe UI" panose="020B0502040204020203" pitchFamily="34" charset="0"/>
               </a:rPr>
-              <a:t>Water </a:t>
-            </a:r>
-            <a:r>
-              <a:rPr lang="fr-FR" sz="8000" b="1" dirty="0" err="1" smtClean="0">
-                <a:solidFill>
-                  <a:schemeClr val="bg1"/>
-                </a:solidFill>
-                <a:latin typeface="Segoe UI" panose="020B0502040204020203" pitchFamily="34" charset="0"/>
-                <a:ea typeface="Verdana" panose="020B0604030504040204" pitchFamily="34" charset="0"/>
-                <a:cs typeface="Segoe UI" panose="020B0502040204020203" pitchFamily="34" charset="0"/>
-              </a:rPr>
-              <a:t>Fall</a:t>
+              <a:t>waterfall</a:t>
             </a:r>
             <a:endParaRPr lang="en-US" sz="8000" b="1" dirty="0">
               <a:solidFill>
@@ -3522,18 +3500,11 @@
           <a:lstStyle/>
           <a:p>
             <a:r>
-              <a:rPr lang="en-US" sz="2400" dirty="0" smtClean="0">
+              <a:rPr lang="en" sz="2400" dirty="0" smtClean="0">
                 <a:latin typeface="Segoe UI" panose="020B0502040204020203" pitchFamily="34" charset="0"/>
                 <a:cs typeface="Segoe UI" panose="020B0502040204020203" pitchFamily="34" charset="0"/>
               </a:rPr>
-              <a:t>The </a:t>
-            </a:r>
-            <a:r>
-              <a:rPr lang="en-US" sz="2400" dirty="0" smtClean="0">
-                <a:latin typeface="Segoe UI" panose="020B0502040204020203" pitchFamily="34" charset="0"/>
-                <a:cs typeface="Segoe UI" panose="020B0502040204020203" pitchFamily="34" charset="0"/>
-              </a:rPr>
-              <a:t>Water Fall</a:t>
+              <a:t>The waterfall</a:t>
             </a:r>
             <a:endParaRPr lang="en-US" sz="2400" dirty="0">
               <a:latin typeface="Segoe UI" panose="020B0502040204020203" pitchFamily="34" charset="0"/>
@@ -3572,23 +3543,23 @@
               </a:spcAft>
             </a:pPr>
             <a:r>
-              <a:rPr lang="en-US" dirty="0" smtClean="0">
-                <a:latin typeface="Segoe UI" panose="020B0502040204020203" pitchFamily="34" charset="0"/>
-                <a:ea typeface="Calibri" panose="020F0502020204030204" pitchFamily="34" charset="0"/>
-                <a:cs typeface="Times New Roman" panose="02020603050405020304" pitchFamily="18" charset="0"/>
-              </a:rPr>
-              <a:t>Add a Water Fall to the scene and try to represent the </a:t>
-            </a:r>
-            <a:r>
-              <a:rPr lang="en-US" b="1" dirty="0" err="1" smtClean="0">
-                <a:latin typeface="Segoe UI" panose="020B0502040204020203" pitchFamily="34" charset="0"/>
-                <a:ea typeface="Calibri" panose="020F0502020204030204" pitchFamily="34" charset="0"/>
-                <a:cs typeface="Times New Roman" panose="02020603050405020304" pitchFamily="18" charset="0"/>
-              </a:rPr>
-              <a:t>SalesQuantity</a:t>
-            </a:r>
-            <a:r>
-              <a:rPr lang="en-US" b="1" dirty="0" smtClean="0">
+              <a:rPr lang="en" dirty="0" smtClean="0">
+                <a:latin typeface="Segoe UI" panose="020B0502040204020203" pitchFamily="34" charset="0"/>
+                <a:ea typeface="Calibri" panose="020F0502020204030204" pitchFamily="34" charset="0"/>
+                <a:cs typeface="Times New Roman" panose="02020603050405020304" pitchFamily="18" charset="0"/>
+              </a:rPr>
+              <a:t>Add a waterfall to the scene and try to represent the </a:t>
+            </a:r>
+            <a:r>
+              <a:rPr lang="en" b="1" dirty="0" err="1" smtClean="0">
+                <a:latin typeface="Segoe UI" panose="020B0502040204020203" pitchFamily="34" charset="0"/>
+                <a:ea typeface="Calibri" panose="020F0502020204030204" pitchFamily="34" charset="0"/>
+                <a:cs typeface="Times New Roman" panose="02020603050405020304" pitchFamily="18" charset="0"/>
+              </a:rPr>
+              <a:t>amount of sales</a:t>
+            </a:r>
+            <a:r>
+              <a:rPr lang="en" b="1" dirty="0" smtClean="0">
                 <a:latin typeface="Segoe UI" panose="020B0502040204020203" pitchFamily="34" charset="0"/>
                 <a:ea typeface="Calibri" panose="020F0502020204030204" pitchFamily="34" charset="0"/>
                 <a:cs typeface="Times New Roman" panose="02020603050405020304" pitchFamily="18" charset="0"/>
@@ -3596,7 +3567,7 @@
               <a:t> </a:t>
             </a:r>
             <a:r>
-              <a:rPr lang="en-US" dirty="0" smtClean="0">
+              <a:rPr lang="en" dirty="0" smtClean="0">
                 <a:latin typeface="Segoe UI" panose="020B0502040204020203" pitchFamily="34" charset="0"/>
                 <a:ea typeface="Calibri" panose="020F0502020204030204" pitchFamily="34" charset="0"/>
                 <a:cs typeface="Times New Roman" panose="02020603050405020304" pitchFamily="18" charset="0"/>
@@ -3604,15 +3575,15 @@
               <a:t>by adding it to the </a:t>
             </a:r>
             <a:r>
-              <a:rPr lang="en-US" b="1" dirty="0" smtClean="0">
-                <a:latin typeface="Segoe UI" panose="020B0502040204020203" pitchFamily="34" charset="0"/>
-                <a:ea typeface="Calibri" panose="020F0502020204030204" pitchFamily="34" charset="0"/>
-                <a:cs typeface="Times New Roman" panose="02020603050405020304" pitchFamily="18" charset="0"/>
-              </a:rPr>
-              <a:t>Y-Axis </a:t>
-            </a:r>
-            <a:r>
-              <a:rPr lang="en-US" dirty="0" smtClean="0">
+              <a:rPr lang="en" b="1" dirty="0" smtClean="0">
+                <a:latin typeface="Segoe UI" panose="020B0502040204020203" pitchFamily="34" charset="0"/>
+                <a:ea typeface="Calibri" panose="020F0502020204030204" pitchFamily="34" charset="0"/>
+                <a:cs typeface="Times New Roman" panose="02020603050405020304" pitchFamily="18" charset="0"/>
+              </a:rPr>
+              <a:t>Y axis </a:t>
+            </a:r>
+            <a:r>
+              <a:rPr lang="en" dirty="0" smtClean="0">
                 <a:latin typeface="Segoe UI" panose="020B0502040204020203" pitchFamily="34" charset="0"/>
                 <a:ea typeface="Calibri" panose="020F0502020204030204" pitchFamily="34" charset="0"/>
                 <a:cs typeface="Times New Roman" panose="02020603050405020304" pitchFamily="18" charset="0"/>
@@ -3620,15 +3591,15 @@
               <a:t>and </a:t>
             </a:r>
             <a:r>
-              <a:rPr lang="en-US" b="1" dirty="0" err="1" smtClean="0">
-                <a:latin typeface="Segoe UI" panose="020B0502040204020203" pitchFamily="34" charset="0"/>
-                <a:ea typeface="Calibri" panose="020F0502020204030204" pitchFamily="34" charset="0"/>
-                <a:cs typeface="Times New Roman" panose="02020603050405020304" pitchFamily="18" charset="0"/>
-              </a:rPr>
-              <a:t>CalendarYear</a:t>
-            </a:r>
-            <a:r>
-              <a:rPr lang="en-US" b="1" dirty="0" smtClean="0">
+              <a:rPr lang="en" b="1" dirty="0" err="1" smtClean="0">
+                <a:latin typeface="Segoe UI" panose="020B0502040204020203" pitchFamily="34" charset="0"/>
+                <a:ea typeface="Calibri" panose="020F0502020204030204" pitchFamily="34" charset="0"/>
+                <a:cs typeface="Times New Roman" panose="02020603050405020304" pitchFamily="18" charset="0"/>
+              </a:rPr>
+              <a:t>the calendar year</a:t>
+            </a:r>
+            <a:r>
+              <a:rPr lang="en" b="1" dirty="0" smtClean="0">
                 <a:latin typeface="Segoe UI" panose="020B0502040204020203" pitchFamily="34" charset="0"/>
                 <a:ea typeface="Calibri" panose="020F0502020204030204" pitchFamily="34" charset="0"/>
                 <a:cs typeface="Times New Roman" panose="02020603050405020304" pitchFamily="18" charset="0"/>
@@ -3636,7 +3607,7 @@
               <a:t> </a:t>
             </a:r>
             <a:r>
-              <a:rPr lang="en-US" dirty="0" smtClean="0">
+              <a:rPr lang="en" dirty="0" smtClean="0">
                 <a:latin typeface="Segoe UI" panose="020B0502040204020203" pitchFamily="34" charset="0"/>
                 <a:ea typeface="Calibri" panose="020F0502020204030204" pitchFamily="34" charset="0"/>
                 <a:cs typeface="Times New Roman" panose="02020603050405020304" pitchFamily="18" charset="0"/>
@@ -3644,7 +3615,7 @@
               <a:t>from </a:t>
             </a:r>
             <a:r>
-              <a:rPr lang="en-US" b="1" dirty="0" err="1" smtClean="0">
+              <a:rPr lang="en" b="1" dirty="0" err="1" smtClean="0">
                 <a:latin typeface="Segoe UI" panose="020B0502040204020203" pitchFamily="34" charset="0"/>
                 <a:ea typeface="Calibri" panose="020F0502020204030204" pitchFamily="34" charset="0"/>
                 <a:cs typeface="Times New Roman" panose="02020603050405020304" pitchFamily="18" charset="0"/>
@@ -3652,7 +3623,7 @@
               <a:t>DimDate</a:t>
             </a:r>
             <a:r>
-              <a:rPr lang="en-US" b="1" dirty="0" smtClean="0">
+              <a:rPr lang="en" b="1" dirty="0" smtClean="0">
                 <a:latin typeface="Segoe UI" panose="020B0502040204020203" pitchFamily="34" charset="0"/>
                 <a:ea typeface="Calibri" panose="020F0502020204030204" pitchFamily="34" charset="0"/>
                 <a:cs typeface="Times New Roman" panose="02020603050405020304" pitchFamily="18" charset="0"/>
@@ -3660,7 +3631,7 @@
               <a:t> </a:t>
             </a:r>
             <a:r>
-              <a:rPr lang="en-US" dirty="0" smtClean="0">
+              <a:rPr lang="en" dirty="0" smtClean="0">
                 <a:latin typeface="Segoe UI" panose="020B0502040204020203" pitchFamily="34" charset="0"/>
                 <a:ea typeface="Calibri" panose="020F0502020204030204" pitchFamily="34" charset="0"/>
                 <a:cs typeface="Times New Roman" panose="02020603050405020304" pitchFamily="18" charset="0"/>
@@ -3668,12 +3639,12 @@
               <a:t>in </a:t>
             </a:r>
             <a:r>
-              <a:rPr lang="en-US" b="1" dirty="0" smtClean="0">
-                <a:latin typeface="Segoe UI" panose="020B0502040204020203" pitchFamily="34" charset="0"/>
-                <a:ea typeface="Calibri" panose="020F0502020204030204" pitchFamily="34" charset="0"/>
-                <a:cs typeface="Times New Roman" panose="02020603050405020304" pitchFamily="18" charset="0"/>
-              </a:rPr>
-              <a:t>Category</a:t>
+              <a:rPr lang="en" b="1" dirty="0" smtClean="0">
+                <a:latin typeface="Segoe UI" panose="020B0502040204020203" pitchFamily="34" charset="0"/>
+                <a:ea typeface="Calibri" panose="020F0502020204030204" pitchFamily="34" charset="0"/>
+                <a:cs typeface="Times New Roman" panose="02020603050405020304" pitchFamily="18" charset="0"/>
+              </a:rPr>
+              <a:t>the category</a:t>
             </a:r>
             <a:endParaRPr lang="en-US" sz="1400" b="1" dirty="0">
               <a:effectLst/>
@@ -3771,18 +3742,11 @@
           <a:lstStyle/>
           <a:p>
             <a:r>
-              <a:rPr lang="en-US" sz="2400" dirty="0" smtClean="0">
+              <a:rPr lang="en" sz="2400" dirty="0" smtClean="0">
                 <a:latin typeface="Segoe UI" panose="020B0502040204020203" pitchFamily="34" charset="0"/>
                 <a:cs typeface="Segoe UI" panose="020B0502040204020203" pitchFamily="34" charset="0"/>
               </a:rPr>
-              <a:t>The </a:t>
-            </a:r>
-            <a:r>
-              <a:rPr lang="en-US" sz="2400" dirty="0" smtClean="0">
-                <a:latin typeface="Segoe UI" panose="020B0502040204020203" pitchFamily="34" charset="0"/>
-                <a:cs typeface="Segoe UI" panose="020B0502040204020203" pitchFamily="34" charset="0"/>
-              </a:rPr>
-              <a:t>Water Fall</a:t>
+              <a:t>The waterfall</a:t>
             </a:r>
             <a:endParaRPr lang="en-US" sz="2400" dirty="0">
               <a:latin typeface="Segoe UI" panose="020B0502040204020203" pitchFamily="34" charset="0"/>
@@ -3821,15 +3785,15 @@
               </a:spcAft>
             </a:pPr>
             <a:r>
-              <a:rPr lang="fr-FR" dirty="0" err="1">
-                <a:latin typeface="Segoe UI" panose="020B0502040204020203" pitchFamily="34" charset="0"/>
-                <a:ea typeface="Calibri" panose="020F0502020204030204" pitchFamily="34" charset="0"/>
-                <a:cs typeface="Times New Roman" panose="02020603050405020304" pitchFamily="18" charset="0"/>
-              </a:rPr>
-              <a:t>Try</a:t>
-            </a:r>
-            <a:r>
-              <a:rPr lang="fr-FR" dirty="0">
+              <a:rPr lang="en" dirty="0" err="1">
+                <a:latin typeface="Segoe UI" panose="020B0502040204020203" pitchFamily="34" charset="0"/>
+                <a:ea typeface="Calibri" panose="020F0502020204030204" pitchFamily="34" charset="0"/>
+                <a:cs typeface="Times New Roman" panose="02020603050405020304" pitchFamily="18" charset="0"/>
+              </a:rPr>
+              <a:t>To try</a:t>
+            </a:r>
+            <a:r>
+              <a:rPr lang="en" dirty="0">
                 <a:latin typeface="Segoe UI" panose="020B0502040204020203" pitchFamily="34" charset="0"/>
                 <a:ea typeface="Calibri" panose="020F0502020204030204" pitchFamily="34" charset="0"/>
                 <a:cs typeface="Times New Roman" panose="02020603050405020304" pitchFamily="18" charset="0"/>
@@ -3837,63 +3801,135 @@
               <a:t> </a:t>
             </a:r>
             <a:r>
-              <a:rPr lang="fr-FR" dirty="0" err="1">
-                <a:latin typeface="Segoe UI" panose="020B0502040204020203" pitchFamily="34" charset="0"/>
-                <a:ea typeface="Calibri" panose="020F0502020204030204" pitchFamily="34" charset="0"/>
-                <a:cs typeface="Times New Roman" panose="02020603050405020304" pitchFamily="18" charset="0"/>
-              </a:rPr>
-              <a:t>hovering</a:t>
-            </a:r>
-            <a:r>
-              <a:rPr lang="fr-FR" dirty="0">
-                <a:latin typeface="Segoe UI" panose="020B0502040204020203" pitchFamily="34" charset="0"/>
-                <a:ea typeface="Calibri" panose="020F0502020204030204" pitchFamily="34" charset="0"/>
-                <a:cs typeface="Times New Roman" panose="02020603050405020304" pitchFamily="18" charset="0"/>
-              </a:rPr>
-              <a:t> over the </a:t>
-            </a:r>
-            <a:r>
-              <a:rPr lang="en-US" dirty="0" smtClean="0">
-                <a:latin typeface="Segoe UI" panose="020B0502040204020203" pitchFamily="34" charset="0"/>
-                <a:ea typeface="Calibri" panose="020F0502020204030204" pitchFamily="34" charset="0"/>
-                <a:cs typeface="Times New Roman" panose="02020603050405020304" pitchFamily="18" charset="0"/>
-              </a:rPr>
-              <a:t>rectangles</a:t>
-            </a:r>
-            <a:r>
-              <a:rPr lang="fr-FR" dirty="0" smtClean="0">
-                <a:latin typeface="Segoe UI" panose="020B0502040204020203" pitchFamily="34" charset="0"/>
+              <a:rPr lang="en" dirty="0" err="1">
+                <a:latin typeface="Segoe UI" panose="020B0502040204020203" pitchFamily="34" charset="0"/>
+                <a:ea typeface="Calibri" panose="020F0502020204030204" pitchFamily="34" charset="0"/>
+                <a:cs typeface="Times New Roman" panose="02020603050405020304" pitchFamily="18" charset="0"/>
+              </a:rPr>
+              <a:t>hovering over </a:t>
+            </a:r>
+            <a:r>
+              <a:rPr lang="en" dirty="0">
+                <a:latin typeface="Segoe UI" panose="020B0502040204020203" pitchFamily="34" charset="0"/>
+                <a:ea typeface="Calibri" panose="020F0502020204030204" pitchFamily="34" charset="0"/>
+                <a:cs typeface="Times New Roman" panose="02020603050405020304" pitchFamily="18" charset="0"/>
+              </a:rPr>
+              <a:t>the </a:t>
+            </a:r>
+            <a:r>
+              <a:rPr lang="en" dirty="0" smtClean="0">
+                <a:latin typeface="Segoe UI" panose="020B0502040204020203" pitchFamily="34" charset="0"/>
+                <a:ea typeface="Calibri" panose="020F0502020204030204" pitchFamily="34" charset="0"/>
+                <a:cs typeface="Times New Roman" panose="02020603050405020304" pitchFamily="18" charset="0"/>
+              </a:rPr>
+              <a:t>rectangles, </a:t>
+            </a:r>
+            <a:r>
+              <a:rPr lang="en" dirty="0" err="1">
+                <a:latin typeface="Segoe UI" panose="020B0502040204020203" pitchFamily="34" charset="0"/>
+                <a:ea typeface="Calibri" panose="020F0502020204030204" pitchFamily="34" charset="0"/>
+                <a:cs typeface="Times New Roman" panose="02020603050405020304" pitchFamily="18" charset="0"/>
+              </a:rPr>
+              <a:t>there </a:t>
+            </a:r>
+            <a:r>
+              <a:rPr lang="en" dirty="0">
+                <a:latin typeface="Segoe UI" panose="020B0502040204020203" pitchFamily="34" charset="0"/>
+                <a:ea typeface="Calibri" panose="020F0502020204030204" pitchFamily="34" charset="0"/>
+                <a:cs typeface="Times New Roman" panose="02020603050405020304" pitchFamily="18" charset="0"/>
+              </a:rPr>
+              <a:t>are </a:t>
+            </a:r>
+            <a:r>
+              <a:rPr lang="en" dirty="0" err="1">
+                <a:latin typeface="Segoe UI" panose="020B0502040204020203" pitchFamily="34" charset="0"/>
+                <a:ea typeface="Calibri" panose="020F0502020204030204" pitchFamily="34" charset="0"/>
+                <a:cs typeface="Times New Roman" panose="02020603050405020304" pitchFamily="18" charset="0"/>
+              </a:rPr>
+              <a:t>two</a:t>
+            </a:r>
+            <a:r>
+              <a:rPr lang="en" dirty="0">
+                <a:latin typeface="Segoe UI" panose="020B0502040204020203" pitchFamily="34" charset="0"/>
+                <a:ea typeface="Calibri" panose="020F0502020204030204" pitchFamily="34" charset="0"/>
+                <a:cs typeface="Times New Roman" panose="02020603050405020304" pitchFamily="18" charset="0"/>
+              </a:rPr>
+              <a:t> </a:t>
+            </a:r>
+            <a:r>
+              <a:rPr lang="en" dirty="0" err="1">
+                <a:latin typeface="Segoe UI" panose="020B0502040204020203" pitchFamily="34" charset="0"/>
+                <a:ea typeface="Calibri" panose="020F0502020204030204" pitchFamily="34" charset="0"/>
+                <a:cs typeface="Times New Roman" panose="02020603050405020304" pitchFamily="18" charset="0"/>
+              </a:rPr>
+              <a:t>categories </a:t>
+            </a:r>
+            <a:r>
+              <a:rPr lang="en" dirty="0">
+                <a:latin typeface="Segoe UI" panose="020B0502040204020203" pitchFamily="34" charset="0"/>
+                <a:ea typeface="Calibri" panose="020F0502020204030204" pitchFamily="34" charset="0"/>
+                <a:cs typeface="Times New Roman" panose="02020603050405020304" pitchFamily="18" charset="0"/>
+              </a:rPr>
+              <a:t>of </a:t>
+            </a:r>
+            <a:r>
+              <a:rPr lang="en" dirty="0" smtClean="0">
+                <a:latin typeface="Segoe UI" panose="020B0502040204020203" pitchFamily="34" charset="0"/>
+                <a:ea typeface="Calibri" panose="020F0502020204030204" pitchFamily="34" charset="0"/>
+                <a:cs typeface="Times New Roman" panose="02020603050405020304" pitchFamily="18" charset="0"/>
+              </a:rPr>
+              <a:t>rectangles </a:t>
+            </a:r>
+            <a:r>
+              <a:rPr lang="en" sz="1400" dirty="0" smtClean="0">
+                <a:latin typeface="Calibri" panose="020F0502020204030204" pitchFamily="34" charset="0"/>
                 <a:ea typeface="Calibri" panose="020F0502020204030204" pitchFamily="34" charset="0"/>
                 <a:cs typeface="Times New Roman" panose="02020603050405020304" pitchFamily="18" charset="0"/>
               </a:rPr>
               <a:t>, </a:t>
             </a:r>
             <a:r>
-              <a:rPr lang="fr-FR" dirty="0" err="1">
-                <a:latin typeface="Segoe UI" panose="020B0502040204020203" pitchFamily="34" charset="0"/>
-                <a:ea typeface="Calibri" panose="020F0502020204030204" pitchFamily="34" charset="0"/>
-                <a:cs typeface="Times New Roman" panose="02020603050405020304" pitchFamily="18" charset="0"/>
-              </a:rPr>
-              <a:t>there</a:t>
-            </a:r>
-            <a:r>
-              <a:rPr lang="fr-FR" dirty="0">
-                <a:latin typeface="Segoe UI" panose="020B0502040204020203" pitchFamily="34" charset="0"/>
-                <a:ea typeface="Calibri" panose="020F0502020204030204" pitchFamily="34" charset="0"/>
-                <a:cs typeface="Times New Roman" panose="02020603050405020304" pitchFamily="18" charset="0"/>
-              </a:rPr>
-              <a:t> are </a:t>
-            </a:r>
-            <a:r>
-              <a:rPr lang="fr-FR" dirty="0" err="1">
-                <a:latin typeface="Segoe UI" panose="020B0502040204020203" pitchFamily="34" charset="0"/>
-                <a:ea typeface="Calibri" panose="020F0502020204030204" pitchFamily="34" charset="0"/>
-                <a:cs typeface="Times New Roman" panose="02020603050405020304" pitchFamily="18" charset="0"/>
-              </a:rPr>
-              <a:t>two</a:t>
-            </a:r>
-            <a:r>
-              <a:rPr lang="fr-FR" dirty="0">
+              <a:rPr lang="en" dirty="0" smtClean="0">
+                <a:latin typeface="Segoe UI" panose="020B0502040204020203" pitchFamily="34" charset="0"/>
+                <a:ea typeface="Calibri" panose="020F0502020204030204" pitchFamily="34" charset="0"/>
+                <a:cs typeface="Times New Roman" panose="02020603050405020304" pitchFamily="18" charset="0"/>
+              </a:rPr>
+              <a:t>there </a:t>
+            </a:r>
+            <a:r>
+              <a:rPr lang="en" dirty="0">
+                <a:latin typeface="Segoe UI" panose="020B0502040204020203" pitchFamily="34" charset="0"/>
+                <a:ea typeface="Calibri" panose="020F0502020204030204" pitchFamily="34" charset="0"/>
+                <a:cs typeface="Times New Roman" panose="02020603050405020304" pitchFamily="18" charset="0"/>
+              </a:rPr>
+              <a:t>are </a:t>
+            </a:r>
+            <a:r>
+              <a:rPr lang="en" dirty="0" err="1">
+                <a:latin typeface="Segoe UI" panose="020B0502040204020203" pitchFamily="34" charset="0"/>
+                <a:ea typeface="Calibri" panose="020F0502020204030204" pitchFamily="34" charset="0"/>
+                <a:cs typeface="Times New Roman" panose="02020603050405020304" pitchFamily="18" charset="0"/>
+              </a:rPr>
+              <a:t>worms </a:t>
+            </a:r>
+            <a:r>
+              <a:rPr lang="en" dirty="0">
+                <a:latin typeface="Segoe UI" panose="020B0502040204020203" pitchFamily="34" charset="0"/>
+                <a:ea typeface="Calibri" panose="020F0502020204030204" pitchFamily="34" charset="0"/>
+                <a:cs typeface="Times New Roman" panose="02020603050405020304" pitchFamily="18" charset="0"/>
+              </a:rPr>
+              <a:t>and </a:t>
+            </a:r>
+            <a:r>
+              <a:rPr lang="en" dirty="0" err="1">
+                <a:latin typeface="Segoe UI" panose="020B0502040204020203" pitchFamily="34" charset="0"/>
+                <a:ea typeface="Calibri" panose="020F0502020204030204" pitchFamily="34" charset="0"/>
+                <a:cs typeface="Times New Roman" panose="02020603050405020304" pitchFamily="18" charset="0"/>
+              </a:rPr>
+              <a:t>there are</a:t>
+            </a:r>
+            <a:r>
+              <a:rPr lang="en" dirty="0">
                 <a:latin typeface="Segoe UI" panose="020B0502040204020203" pitchFamily="34" charset="0"/>
                 <a:ea typeface="Calibri" panose="020F0502020204030204" pitchFamily="34" charset="0"/>
                 <a:cs typeface="Times New Roman" panose="02020603050405020304" pitchFamily="18" charset="0"/>
@@ -3901,79 +3937,15 @@
               <a:t> </a:t>
             </a:r>
             <a:r>
-              <a:rPr lang="fr-FR" dirty="0" err="1">
-                <a:latin typeface="Segoe UI" panose="020B0502040204020203" pitchFamily="34" charset="0"/>
-                <a:ea typeface="Calibri" panose="020F0502020204030204" pitchFamily="34" charset="0"/>
-                <a:cs typeface="Times New Roman" panose="02020603050405020304" pitchFamily="18" charset="0"/>
-              </a:rPr>
-              <a:t>categories</a:t>
-            </a:r>
-            <a:r>
-              <a:rPr lang="fr-FR" dirty="0">
-                <a:latin typeface="Segoe UI" panose="020B0502040204020203" pitchFamily="34" charset="0"/>
-                <a:ea typeface="Calibri" panose="020F0502020204030204" pitchFamily="34" charset="0"/>
-                <a:cs typeface="Times New Roman" panose="02020603050405020304" pitchFamily="18" charset="0"/>
-              </a:rPr>
-              <a:t> of </a:t>
-            </a:r>
-            <a:r>
-              <a:rPr lang="fr-FR" dirty="0" smtClean="0">
-                <a:latin typeface="Segoe UI" panose="020B0502040204020203" pitchFamily="34" charset="0"/>
-                <a:ea typeface="Calibri" panose="020F0502020204030204" pitchFamily="34" charset="0"/>
-                <a:cs typeface="Times New Roman" panose="02020603050405020304" pitchFamily="18" charset="0"/>
-              </a:rPr>
-              <a:t>rectangles</a:t>
-            </a:r>
-            <a:r>
-              <a:rPr lang="en-US" sz="1400" dirty="0" smtClean="0">
-                <a:latin typeface="Calibri" panose="020F0502020204030204" pitchFamily="34" charset="0"/>
-                <a:ea typeface="Calibri" panose="020F0502020204030204" pitchFamily="34" charset="0"/>
-                <a:cs typeface="Times New Roman" panose="02020603050405020304" pitchFamily="18" charset="0"/>
-              </a:rPr>
-              <a:t>, </a:t>
-            </a:r>
-            <a:r>
-              <a:rPr lang="fr-FR" dirty="0" smtClean="0">
-                <a:latin typeface="Segoe UI" panose="020B0502040204020203" pitchFamily="34" charset="0"/>
-                <a:ea typeface="Calibri" panose="020F0502020204030204" pitchFamily="34" charset="0"/>
-                <a:cs typeface="Times New Roman" panose="02020603050405020304" pitchFamily="18" charset="0"/>
-              </a:rPr>
-              <a:t>There </a:t>
-            </a:r>
-            <a:r>
-              <a:rPr lang="fr-FR" dirty="0">
-                <a:latin typeface="Segoe UI" panose="020B0502040204020203" pitchFamily="34" charset="0"/>
-                <a:ea typeface="Calibri" panose="020F0502020204030204" pitchFamily="34" charset="0"/>
-                <a:cs typeface="Times New Roman" panose="02020603050405020304" pitchFamily="18" charset="0"/>
-              </a:rPr>
-              <a:t>are </a:t>
-            </a:r>
-            <a:r>
-              <a:rPr lang="fr-FR" dirty="0" err="1">
-                <a:latin typeface="Segoe UI" panose="020B0502040204020203" pitchFamily="34" charset="0"/>
-                <a:ea typeface="Calibri" panose="020F0502020204030204" pitchFamily="34" charset="0"/>
-                <a:cs typeface="Times New Roman" panose="02020603050405020304" pitchFamily="18" charset="0"/>
-              </a:rPr>
-              <a:t>worms</a:t>
-            </a:r>
-            <a:r>
-              <a:rPr lang="fr-FR" dirty="0">
-                <a:latin typeface="Segoe UI" panose="020B0502040204020203" pitchFamily="34" charset="0"/>
-                <a:ea typeface="Calibri" panose="020F0502020204030204" pitchFamily="34" charset="0"/>
-                <a:cs typeface="Times New Roman" panose="02020603050405020304" pitchFamily="18" charset="0"/>
-              </a:rPr>
-              <a:t> and </a:t>
-            </a:r>
-            <a:r>
-              <a:rPr lang="fr-FR" dirty="0" err="1">
-                <a:latin typeface="Segoe UI" panose="020B0502040204020203" pitchFamily="34" charset="0"/>
-                <a:ea typeface="Calibri" panose="020F0502020204030204" pitchFamily="34" charset="0"/>
-                <a:cs typeface="Times New Roman" panose="02020603050405020304" pitchFamily="18" charset="0"/>
-              </a:rPr>
-              <a:t>there</a:t>
-            </a:r>
-            <a:r>
-              <a:rPr lang="fr-FR" dirty="0">
+              <a:rPr lang="en" dirty="0" err="1">
+                <a:latin typeface="Segoe UI" panose="020B0502040204020203" pitchFamily="34" charset="0"/>
+                <a:ea typeface="Calibri" panose="020F0502020204030204" pitchFamily="34" charset="0"/>
+                <a:cs typeface="Times New Roman" panose="02020603050405020304" pitchFamily="18" charset="0"/>
+              </a:rPr>
+              <a:t>East</a:t>
+            </a:r>
+            <a:r>
+              <a:rPr lang="en" dirty="0">
                 <a:latin typeface="Segoe UI" panose="020B0502040204020203" pitchFamily="34" charset="0"/>
                 <a:ea typeface="Calibri" panose="020F0502020204030204" pitchFamily="34" charset="0"/>
                 <a:cs typeface="Times New Roman" panose="02020603050405020304" pitchFamily="18" charset="0"/>
@@ -3981,15 +3953,31 @@
               <a:t> </a:t>
             </a:r>
             <a:r>
-              <a:rPr lang="fr-FR" dirty="0" err="1">
-                <a:latin typeface="Segoe UI" panose="020B0502040204020203" pitchFamily="34" charset="0"/>
-                <a:ea typeface="Calibri" panose="020F0502020204030204" pitchFamily="34" charset="0"/>
-                <a:cs typeface="Times New Roman" panose="02020603050405020304" pitchFamily="18" charset="0"/>
-              </a:rPr>
-              <a:t>is</a:t>
-            </a:r>
-            <a:r>
-              <a:rPr lang="fr-FR" dirty="0">
+              <a:rPr lang="en" dirty="0" err="1">
+                <a:latin typeface="Segoe UI" panose="020B0502040204020203" pitchFamily="34" charset="0"/>
+                <a:ea typeface="Calibri" panose="020F0502020204030204" pitchFamily="34" charset="0"/>
+                <a:cs typeface="Times New Roman" panose="02020603050405020304" pitchFamily="18" charset="0"/>
+              </a:rPr>
+              <a:t>only </a:t>
+            </a:r>
+            <a:r>
+              <a:rPr lang="en" dirty="0">
+                <a:latin typeface="Segoe UI" panose="020B0502040204020203" pitchFamily="34" charset="0"/>
+                <a:ea typeface="Calibri" panose="020F0502020204030204" pitchFamily="34" charset="0"/>
+                <a:cs typeface="Times New Roman" panose="02020603050405020304" pitchFamily="18" charset="0"/>
+              </a:rPr>
+              <a:t>one </a:t>
+            </a:r>
+            <a:r>
+              <a:rPr lang="en" dirty="0" err="1">
+                <a:latin typeface="Segoe UI" panose="020B0502040204020203" pitchFamily="34" charset="0"/>
+                <a:ea typeface="Calibri" panose="020F0502020204030204" pitchFamily="34" charset="0"/>
+                <a:cs typeface="Times New Roman" panose="02020603050405020304" pitchFamily="18" charset="0"/>
+              </a:rPr>
+              <a:t>who</a:t>
+            </a:r>
+            <a:r>
+              <a:rPr lang="en" dirty="0">
                 <a:latin typeface="Segoe UI" panose="020B0502040204020203" pitchFamily="34" charset="0"/>
                 <a:ea typeface="Calibri" panose="020F0502020204030204" pitchFamily="34" charset="0"/>
                 <a:cs typeface="Times New Roman" panose="02020603050405020304" pitchFamily="18" charset="0"/>
@@ -3997,23 +3985,39 @@
               <a:t> </a:t>
             </a:r>
             <a:r>
-              <a:rPr lang="fr-FR" dirty="0" err="1">
-                <a:latin typeface="Segoe UI" panose="020B0502040204020203" pitchFamily="34" charset="0"/>
-                <a:ea typeface="Calibri" panose="020F0502020204030204" pitchFamily="34" charset="0"/>
-                <a:cs typeface="Times New Roman" panose="02020603050405020304" pitchFamily="18" charset="0"/>
-              </a:rPr>
-              <a:t>only</a:t>
-            </a:r>
-            <a:r>
-              <a:rPr lang="fr-FR" dirty="0">
-                <a:latin typeface="Segoe UI" panose="020B0502040204020203" pitchFamily="34" charset="0"/>
-                <a:ea typeface="Calibri" panose="020F0502020204030204" pitchFamily="34" charset="0"/>
-                <a:cs typeface="Times New Roman" panose="02020603050405020304" pitchFamily="18" charset="0"/>
-              </a:rPr>
-              <a:t> one </a:t>
-            </a:r>
-            <a:r>
-              <a:rPr lang="fr-FR" dirty="0" err="1">
+              <a:rPr lang="en" dirty="0" err="1">
+                <a:latin typeface="Segoe UI" panose="020B0502040204020203" pitchFamily="34" charset="0"/>
+                <a:ea typeface="Calibri" panose="020F0502020204030204" pitchFamily="34" charset="0"/>
+                <a:cs typeface="Times New Roman" panose="02020603050405020304" pitchFamily="18" charset="0"/>
+              </a:rPr>
+              <a:t>East</a:t>
+            </a:r>
+            <a:r>
+              <a:rPr lang="en" dirty="0">
+                <a:latin typeface="Segoe UI" panose="020B0502040204020203" pitchFamily="34" charset="0"/>
+                <a:ea typeface="Calibri" panose="020F0502020204030204" pitchFamily="34" charset="0"/>
+                <a:cs typeface="Times New Roman" panose="02020603050405020304" pitchFamily="18" charset="0"/>
+              </a:rPr>
+              <a:t> </a:t>
+            </a:r>
+            <a:r>
+              <a:rPr lang="en" dirty="0" err="1">
+                <a:latin typeface="Segoe UI" panose="020B0502040204020203" pitchFamily="34" charset="0"/>
+                <a:ea typeface="Calibri" panose="020F0502020204030204" pitchFamily="34" charset="0"/>
+                <a:cs typeface="Times New Roman" panose="02020603050405020304" pitchFamily="18" charset="0"/>
+              </a:rPr>
+              <a:t>blue </a:t>
+            </a:r>
+            <a:r>
+              <a:rPr lang="en" dirty="0">
+                <a:latin typeface="Segoe UI" panose="020B0502040204020203" pitchFamily="34" charset="0"/>
+                <a:ea typeface="Calibri" panose="020F0502020204030204" pitchFamily="34" charset="0"/>
+                <a:cs typeface="Times New Roman" panose="02020603050405020304" pitchFamily="18" charset="0"/>
+              </a:rPr>
+              <a:t>and </a:t>
+            </a:r>
+            <a:r>
+              <a:rPr lang="en" dirty="0" err="1">
                 <a:latin typeface="Segoe UI" panose="020B0502040204020203" pitchFamily="34" charset="0"/>
                 <a:ea typeface="Calibri" panose="020F0502020204030204" pitchFamily="34" charset="0"/>
                 <a:cs typeface="Times New Roman" panose="02020603050405020304" pitchFamily="18" charset="0"/>
@@ -4021,7 +4025,7 @@
               <a:t>that</a:t>
             </a:r>
             <a:r>
-              <a:rPr lang="fr-FR" dirty="0">
+              <a:rPr lang="en" dirty="0">
                 <a:latin typeface="Segoe UI" panose="020B0502040204020203" pitchFamily="34" charset="0"/>
                 <a:ea typeface="Calibri" panose="020F0502020204030204" pitchFamily="34" charset="0"/>
                 <a:cs typeface="Times New Roman" panose="02020603050405020304" pitchFamily="18" charset="0"/>
@@ -4029,68 +4033,20 @@
               <a:t> </a:t>
             </a:r>
             <a:r>
-              <a:rPr lang="fr-FR" dirty="0" err="1">
-                <a:latin typeface="Segoe UI" panose="020B0502040204020203" pitchFamily="34" charset="0"/>
-                <a:ea typeface="Calibri" panose="020F0502020204030204" pitchFamily="34" charset="0"/>
-                <a:cs typeface="Times New Roman" panose="02020603050405020304" pitchFamily="18" charset="0"/>
-              </a:rPr>
-              <a:t>is</a:t>
-            </a:r>
-            <a:r>
-              <a:rPr lang="fr-FR" dirty="0">
-                <a:latin typeface="Segoe UI" panose="020B0502040204020203" pitchFamily="34" charset="0"/>
-                <a:ea typeface="Calibri" panose="020F0502020204030204" pitchFamily="34" charset="0"/>
-                <a:cs typeface="Times New Roman" panose="02020603050405020304" pitchFamily="18" charset="0"/>
-              </a:rPr>
-              <a:t> </a:t>
-            </a:r>
-            <a:r>
-              <a:rPr lang="fr-FR" dirty="0" err="1">
-                <a:latin typeface="Segoe UI" panose="020B0502040204020203" pitchFamily="34" charset="0"/>
-                <a:ea typeface="Calibri" panose="020F0502020204030204" pitchFamily="34" charset="0"/>
-                <a:cs typeface="Times New Roman" panose="02020603050405020304" pitchFamily="18" charset="0"/>
-              </a:rPr>
-              <a:t>blue</a:t>
-            </a:r>
-            <a:r>
-              <a:rPr lang="fr-FR" dirty="0">
-                <a:latin typeface="Segoe UI" panose="020B0502040204020203" pitchFamily="34" charset="0"/>
-                <a:ea typeface="Calibri" panose="020F0502020204030204" pitchFamily="34" charset="0"/>
-                <a:cs typeface="Times New Roman" panose="02020603050405020304" pitchFamily="18" charset="0"/>
-              </a:rPr>
-              <a:t> and </a:t>
-            </a:r>
-            <a:r>
-              <a:rPr lang="fr-FR" dirty="0" err="1">
-                <a:latin typeface="Segoe UI" panose="020B0502040204020203" pitchFamily="34" charset="0"/>
-                <a:ea typeface="Calibri" panose="020F0502020204030204" pitchFamily="34" charset="0"/>
-                <a:cs typeface="Times New Roman" panose="02020603050405020304" pitchFamily="18" charset="0"/>
-              </a:rPr>
-              <a:t>that</a:t>
-            </a:r>
-            <a:r>
-              <a:rPr lang="fr-FR" dirty="0">
-                <a:latin typeface="Segoe UI" panose="020B0502040204020203" pitchFamily="34" charset="0"/>
-                <a:ea typeface="Calibri" panose="020F0502020204030204" pitchFamily="34" charset="0"/>
-                <a:cs typeface="Times New Roman" panose="02020603050405020304" pitchFamily="18" charset="0"/>
-              </a:rPr>
-              <a:t> </a:t>
-            </a:r>
-            <a:r>
-              <a:rPr lang="fr-FR" dirty="0" err="1">
-                <a:latin typeface="Segoe UI" panose="020B0502040204020203" pitchFamily="34" charset="0"/>
-                <a:ea typeface="Calibri" panose="020F0502020204030204" pitchFamily="34" charset="0"/>
-                <a:cs typeface="Times New Roman" panose="02020603050405020304" pitchFamily="18" charset="0"/>
-              </a:rPr>
-              <a:t>represents</a:t>
-            </a:r>
-            <a:r>
-              <a:rPr lang="fr-FR" dirty="0">
-                <a:latin typeface="Segoe UI" panose="020B0502040204020203" pitchFamily="34" charset="0"/>
-                <a:ea typeface="Calibri" panose="020F0502020204030204" pitchFamily="34" charset="0"/>
-                <a:cs typeface="Times New Roman" panose="02020603050405020304" pitchFamily="18" charset="0"/>
-              </a:rPr>
-              <a:t> the total</a:t>
+              <a:rPr lang="en" dirty="0" err="1">
+                <a:latin typeface="Segoe UI" panose="020B0502040204020203" pitchFamily="34" charset="0"/>
+                <a:ea typeface="Calibri" panose="020F0502020204030204" pitchFamily="34" charset="0"/>
+                <a:cs typeface="Times New Roman" panose="02020603050405020304" pitchFamily="18" charset="0"/>
+              </a:rPr>
+              <a:t>represents </a:t>
+            </a:r>
+            <a:r>
+              <a:rPr lang="en" dirty="0">
+                <a:latin typeface="Segoe UI" panose="020B0502040204020203" pitchFamily="34" charset="0"/>
+                <a:ea typeface="Calibri" panose="020F0502020204030204" pitchFamily="34" charset="0"/>
+                <a:cs typeface="Times New Roman" panose="02020603050405020304" pitchFamily="18" charset="0"/>
+              </a:rPr>
+              <a:t>the total</a:t>
             </a:r>
             <a:endParaRPr lang="en-US" sz="1400" dirty="0">
               <a:effectLst/>
@@ -4318,18 +4274,11 @@
           <a:lstStyle/>
           <a:p>
             <a:r>
-              <a:rPr lang="en-US" sz="2400" dirty="0" smtClean="0">
+              <a:rPr lang="en" sz="2400" dirty="0" smtClean="0">
                 <a:latin typeface="Segoe UI" panose="020B0502040204020203" pitchFamily="34" charset="0"/>
                 <a:cs typeface="Segoe UI" panose="020B0502040204020203" pitchFamily="34" charset="0"/>
               </a:rPr>
-              <a:t>The </a:t>
-            </a:r>
-            <a:r>
-              <a:rPr lang="en-US" sz="2400" dirty="0" smtClean="0">
-                <a:latin typeface="Segoe UI" panose="020B0502040204020203" pitchFamily="34" charset="0"/>
-                <a:cs typeface="Segoe UI" panose="020B0502040204020203" pitchFamily="34" charset="0"/>
-              </a:rPr>
-              <a:t>Water Fall</a:t>
+              <a:t>The waterfall</a:t>
             </a:r>
             <a:endParaRPr lang="en-US" sz="2400" dirty="0">
               <a:latin typeface="Segoe UI" panose="020B0502040204020203" pitchFamily="34" charset="0"/>
@@ -4368,12 +4317,12 @@
               </a:spcAft>
             </a:pPr>
             <a:r>
-              <a:rPr lang="en-US" dirty="0" smtClean="0">
-                <a:latin typeface="Segoe UI" panose="020B0502040204020203" pitchFamily="34" charset="0"/>
-                <a:ea typeface="Calibri" panose="020F0502020204030204" pitchFamily="34" charset="0"/>
-                <a:cs typeface="Times New Roman" panose="02020603050405020304" pitchFamily="18" charset="0"/>
-              </a:rPr>
-              <a:t>Click More options and change the order of the years and then the quantities sold</a:t>
+              <a:rPr lang="en" dirty="0" smtClean="0">
+                <a:latin typeface="Segoe UI" panose="020B0502040204020203" pitchFamily="34" charset="0"/>
+                <a:ea typeface="Calibri" panose="020F0502020204030204" pitchFamily="34" charset="0"/>
+                <a:cs typeface="Times New Roman" panose="02020603050405020304" pitchFamily="18" charset="0"/>
+              </a:rPr>
+              <a:t>Click on More options and change the order of the years, then the quantities sold</a:t>
             </a:r>
             <a:endParaRPr lang="en-US" sz="1400" dirty="0">
               <a:effectLst/>
@@ -4573,18 +4522,11 @@
           <a:lstStyle/>
           <a:p>
             <a:r>
-              <a:rPr lang="en-US" sz="2400" dirty="0" smtClean="0">
+              <a:rPr lang="en" sz="2400" dirty="0" smtClean="0">
                 <a:latin typeface="Segoe UI" panose="020B0502040204020203" pitchFamily="34" charset="0"/>
                 <a:cs typeface="Segoe UI" panose="020B0502040204020203" pitchFamily="34" charset="0"/>
               </a:rPr>
-              <a:t>The </a:t>
-            </a:r>
-            <a:r>
-              <a:rPr lang="en-US" sz="2400" dirty="0" smtClean="0">
-                <a:latin typeface="Segoe UI" panose="020B0502040204020203" pitchFamily="34" charset="0"/>
-                <a:cs typeface="Segoe UI" panose="020B0502040204020203" pitchFamily="34" charset="0"/>
-              </a:rPr>
-              <a:t>Water Fall</a:t>
+              <a:t>The waterfall</a:t>
             </a:r>
             <a:endParaRPr lang="en-US" sz="2400" dirty="0">
               <a:latin typeface="Segoe UI" panose="020B0502040204020203" pitchFamily="34" charset="0"/>
@@ -4623,15 +4565,15 @@
               </a:spcAft>
             </a:pPr>
             <a:r>
-              <a:rPr lang="en-US" dirty="0" smtClean="0">
-                <a:latin typeface="Segoe UI" panose="020B0502040204020203" pitchFamily="34" charset="0"/>
-                <a:ea typeface="Calibri" panose="020F0502020204030204" pitchFamily="34" charset="0"/>
-                <a:cs typeface="Times New Roman" panose="02020603050405020304" pitchFamily="18" charset="0"/>
-              </a:rPr>
-              <a:t>Notice the presence of the </a:t>
-            </a:r>
-            <a:r>
-              <a:rPr lang="en-US" b="1" dirty="0" smtClean="0">
+              <a:rPr lang="en" dirty="0" smtClean="0">
+                <a:latin typeface="Segoe UI" panose="020B0502040204020203" pitchFamily="34" charset="0"/>
+                <a:ea typeface="Calibri" panose="020F0502020204030204" pitchFamily="34" charset="0"/>
+                <a:cs typeface="Times New Roman" panose="02020603050405020304" pitchFamily="18" charset="0"/>
+              </a:rPr>
+              <a:t>Note the presence of the </a:t>
+            </a:r>
+            <a:r>
+              <a:rPr lang="en" b="1" dirty="0" smtClean="0">
                 <a:latin typeface="Segoe UI" panose="020B0502040204020203" pitchFamily="34" charset="0"/>
                 <a:ea typeface="Calibri" panose="020F0502020204030204" pitchFamily="34" charset="0"/>
                 <a:cs typeface="Times New Roman" panose="02020603050405020304" pitchFamily="18" charset="0"/>
@@ -4639,7 +4581,7 @@
               <a:t>Breakdown parameter </a:t>
             </a:r>
             <a:r>
-              <a:rPr lang="en-US" dirty="0" smtClean="0">
+              <a:rPr lang="en" dirty="0" smtClean="0">
                 <a:latin typeface="Segoe UI" panose="020B0502040204020203" pitchFamily="34" charset="0"/>
                 <a:ea typeface="Calibri" panose="020F0502020204030204" pitchFamily="34" charset="0"/>
                 <a:cs typeface="Times New Roman" panose="02020603050405020304" pitchFamily="18" charset="0"/>
@@ -4790,18 +4732,11 @@
           <a:lstStyle/>
           <a:p>
             <a:r>
-              <a:rPr lang="en-US" sz="2400" dirty="0" smtClean="0">
+              <a:rPr lang="en" sz="2400" dirty="0" smtClean="0">
                 <a:latin typeface="Segoe UI" panose="020B0502040204020203" pitchFamily="34" charset="0"/>
                 <a:cs typeface="Segoe UI" panose="020B0502040204020203" pitchFamily="34" charset="0"/>
               </a:rPr>
-              <a:t>The </a:t>
-            </a:r>
-            <a:r>
-              <a:rPr lang="en-US" sz="2400" dirty="0" smtClean="0">
-                <a:latin typeface="Segoe UI" panose="020B0502040204020203" pitchFamily="34" charset="0"/>
-                <a:cs typeface="Segoe UI" panose="020B0502040204020203" pitchFamily="34" charset="0"/>
-              </a:rPr>
-              <a:t>Water Fall</a:t>
+              <a:t>The waterfall</a:t>
             </a:r>
             <a:endParaRPr lang="en-US" sz="2400" dirty="0">
               <a:latin typeface="Segoe UI" panose="020B0502040204020203" pitchFamily="34" charset="0"/>
@@ -4840,7 +4775,7 @@
               </a:spcAft>
             </a:pPr>
             <a:r>
-              <a:rPr lang="en-US" dirty="0" smtClean="0">
+              <a:rPr lang="en" dirty="0" smtClean="0">
                 <a:latin typeface="Segoe UI" panose="020B0502040204020203" pitchFamily="34" charset="0"/>
                 <a:ea typeface="Calibri" panose="020F0502020204030204" pitchFamily="34" charset="0"/>
                 <a:cs typeface="Times New Roman" panose="02020603050405020304" pitchFamily="18" charset="0"/>
@@ -4848,7 +4783,7 @@
               <a:t>Add the </a:t>
             </a:r>
             <a:r>
-              <a:rPr lang="en-US" b="1" dirty="0" err="1" smtClean="0">
+              <a:rPr lang="en" b="1" dirty="0" err="1" smtClean="0">
                 <a:latin typeface="Segoe UI" panose="020B0502040204020203" pitchFamily="34" charset="0"/>
                 <a:ea typeface="Calibri" panose="020F0502020204030204" pitchFamily="34" charset="0"/>
                 <a:cs typeface="Times New Roman" panose="02020603050405020304" pitchFamily="18" charset="0"/>
@@ -4856,7 +4791,7 @@
               <a:t>CalendarQuarter</a:t>
             </a:r>
             <a:r>
-              <a:rPr lang="en-US" b="1" dirty="0" smtClean="0">
+              <a:rPr lang="en" b="1" dirty="0" smtClean="0">
                 <a:latin typeface="Segoe UI" panose="020B0502040204020203" pitchFamily="34" charset="0"/>
                 <a:ea typeface="Calibri" panose="020F0502020204030204" pitchFamily="34" charset="0"/>
                 <a:cs typeface="Times New Roman" panose="02020603050405020304" pitchFamily="18" charset="0"/>
@@ -4864,15 +4799,15 @@
               <a:t> </a:t>
             </a:r>
             <a:r>
-              <a:rPr lang="en-US" dirty="0" smtClean="0">
-                <a:latin typeface="Segoe UI" panose="020B0502040204020203" pitchFamily="34" charset="0"/>
-                <a:ea typeface="Calibri" panose="020F0502020204030204" pitchFamily="34" charset="0"/>
-                <a:cs typeface="Times New Roman" panose="02020603050405020304" pitchFamily="18" charset="0"/>
-              </a:rPr>
-              <a:t>of the </a:t>
-            </a:r>
-            <a:r>
-              <a:rPr lang="en-US" b="1" dirty="0" err="1" smtClean="0">
+              <a:rPr lang="en" dirty="0" smtClean="0">
+                <a:latin typeface="Segoe UI" panose="020B0502040204020203" pitchFamily="34" charset="0"/>
+                <a:ea typeface="Calibri" panose="020F0502020204030204" pitchFamily="34" charset="0"/>
+                <a:cs typeface="Times New Roman" panose="02020603050405020304" pitchFamily="18" charset="0"/>
+              </a:rPr>
+              <a:t>from </a:t>
+            </a:r>
+            <a:r>
+              <a:rPr lang="en" b="1" dirty="0" err="1" smtClean="0">
                 <a:latin typeface="Segoe UI" panose="020B0502040204020203" pitchFamily="34" charset="0"/>
                 <a:ea typeface="Calibri" panose="020F0502020204030204" pitchFamily="34" charset="0"/>
                 <a:cs typeface="Times New Roman" panose="02020603050405020304" pitchFamily="18" charset="0"/>
@@ -4880,7 +4815,7 @@
               <a:t>DimDate</a:t>
             </a:r>
             <a:r>
-              <a:rPr lang="en-US" b="1" dirty="0" smtClean="0">
+              <a:rPr lang="en" b="1" dirty="0" smtClean="0">
                 <a:latin typeface="Segoe UI" panose="020B0502040204020203" pitchFamily="34" charset="0"/>
                 <a:ea typeface="Calibri" panose="020F0502020204030204" pitchFamily="34" charset="0"/>
                 <a:cs typeface="Times New Roman" panose="02020603050405020304" pitchFamily="18" charset="0"/>
@@ -4888,15 +4823,15 @@
               <a:t> </a:t>
             </a:r>
             <a:r>
-              <a:rPr lang="en-US" dirty="0" smtClean="0">
-                <a:latin typeface="Segoe UI" panose="020B0502040204020203" pitchFamily="34" charset="0"/>
-                <a:ea typeface="Calibri" panose="020F0502020204030204" pitchFamily="34" charset="0"/>
-                <a:cs typeface="Times New Roman" panose="02020603050405020304" pitchFamily="18" charset="0"/>
-              </a:rPr>
-              <a:t>to</a:t>
-            </a:r>
-            <a:r>
-              <a:rPr lang="en-US" b="1" dirty="0" smtClean="0">
+              <a:rPr lang="en" dirty="0" smtClean="0">
+                <a:latin typeface="Segoe UI" panose="020B0502040204020203" pitchFamily="34" charset="0"/>
+                <a:ea typeface="Calibri" panose="020F0502020204030204" pitchFamily="34" charset="0"/>
+                <a:cs typeface="Times New Roman" panose="02020603050405020304" pitchFamily="18" charset="0"/>
+              </a:rPr>
+              <a:t>has</a:t>
+            </a:r>
+            <a:r>
+              <a:rPr lang="en" b="1" dirty="0" smtClean="0">
                 <a:latin typeface="Segoe UI" panose="020B0502040204020203" pitchFamily="34" charset="0"/>
                 <a:ea typeface="Calibri" panose="020F0502020204030204" pitchFamily="34" charset="0"/>
                 <a:cs typeface="Times New Roman" panose="02020603050405020304" pitchFamily="18" charset="0"/>
@@ -4904,44 +4839,28 @@
               <a:t> </a:t>
             </a:r>
             <a:r>
-              <a:rPr lang="en-US" dirty="0" smtClean="0">
-                <a:latin typeface="Segoe UI" panose="020B0502040204020203" pitchFamily="34" charset="0"/>
-                <a:ea typeface="Calibri" panose="020F0502020204030204" pitchFamily="34" charset="0"/>
-                <a:cs typeface="Times New Roman" panose="02020603050405020304" pitchFamily="18" charset="0"/>
-              </a:rPr>
-              <a:t>the </a:t>
-            </a:r>
-            <a:r>
-              <a:rPr lang="en-US" b="1" dirty="0" smtClean="0">
-                <a:latin typeface="Segoe UI" panose="020B0502040204020203" pitchFamily="34" charset="0"/>
-                <a:ea typeface="Calibri" panose="020F0502020204030204" pitchFamily="34" charset="0"/>
-                <a:cs typeface="Times New Roman" panose="02020603050405020304" pitchFamily="18" charset="0"/>
-              </a:rPr>
-              <a:t>Breakdown </a:t>
-            </a:r>
-            <a:r>
-              <a:rPr lang="en-US" dirty="0" smtClean="0">
-                <a:latin typeface="Segoe UI" panose="020B0502040204020203" pitchFamily="34" charset="0"/>
-                <a:ea typeface="Calibri" panose="020F0502020204030204" pitchFamily="34" charset="0"/>
-                <a:cs typeface="Times New Roman" panose="02020603050405020304" pitchFamily="18" charset="0"/>
-              </a:rPr>
-              <a:t>parameter and notice the participation of each </a:t>
-            </a:r>
-            <a:r>
-              <a:rPr lang="en-US" b="1" dirty="0" smtClean="0">
-                <a:latin typeface="Segoe UI" panose="020B0502040204020203" pitchFamily="34" charset="0"/>
-                <a:ea typeface="Calibri" panose="020F0502020204030204" pitchFamily="34" charset="0"/>
-                <a:cs typeface="Times New Roman" panose="02020603050405020304" pitchFamily="18" charset="0"/>
-              </a:rPr>
-              <a:t>Quarter </a:t>
-            </a:r>
-            <a:r>
-              <a:rPr lang="en-US" dirty="0" smtClean="0">
-                <a:latin typeface="Segoe UI" panose="020B0502040204020203" pitchFamily="34" charset="0"/>
-                <a:ea typeface="Calibri" panose="020F0502020204030204" pitchFamily="34" charset="0"/>
-                <a:cs typeface="Times New Roman" panose="02020603050405020304" pitchFamily="18" charset="0"/>
-              </a:rPr>
-              <a:t>in the sales growth</a:t>
+              <a:rPr lang="en" dirty="0" smtClean="0">
+                <a:latin typeface="Segoe UI" panose="020B0502040204020203" pitchFamily="34" charset="0"/>
+                <a:ea typeface="Calibri" panose="020F0502020204030204" pitchFamily="34" charset="0"/>
+                <a:cs typeface="Times New Roman" panose="02020603050405020304" pitchFamily="18" charset="0"/>
+              </a:rPr>
+              <a:t>the Breakdown parameter </a:t>
+            </a:r>
+            <a:r>
+              <a:rPr lang="en" b="1" dirty="0" smtClean="0">
+                <a:latin typeface="Segoe UI" panose="020B0502040204020203" pitchFamily="34" charset="0"/>
+                <a:ea typeface="Calibri" panose="020F0502020204030204" pitchFamily="34" charset="0"/>
+                <a:cs typeface="Times New Roman" panose="02020603050405020304" pitchFamily="18" charset="0"/>
+              </a:rPr>
+              <a:t>and note each quarter's contribution </a:t>
+            </a:r>
+            <a:r>
+              <a:rPr lang="en" dirty="0" smtClean="0">
+                <a:latin typeface="Segoe UI" panose="020B0502040204020203" pitchFamily="34" charset="0"/>
+                <a:ea typeface="Calibri" panose="020F0502020204030204" pitchFamily="34" charset="0"/>
+                <a:cs typeface="Times New Roman" panose="02020603050405020304" pitchFamily="18" charset="0"/>
+              </a:rPr>
+              <a:t>to sales growth</a:t>
             </a:r>
             <a:endParaRPr lang="en-US" sz="1400" dirty="0">
               <a:effectLst/>
@@ -5121,18 +5040,11 @@
           <a:lstStyle/>
           <a:p>
             <a:r>
-              <a:rPr lang="en-US" sz="2400" dirty="0" smtClean="0">
+              <a:rPr lang="en" sz="2400" dirty="0" smtClean="0">
                 <a:latin typeface="Segoe UI" panose="020B0502040204020203" pitchFamily="34" charset="0"/>
                 <a:cs typeface="Segoe UI" panose="020B0502040204020203" pitchFamily="34" charset="0"/>
               </a:rPr>
-              <a:t>The </a:t>
-            </a:r>
-            <a:r>
-              <a:rPr lang="en-US" sz="2400" dirty="0" smtClean="0">
-                <a:latin typeface="Segoe UI" panose="020B0502040204020203" pitchFamily="34" charset="0"/>
-                <a:cs typeface="Segoe UI" panose="020B0502040204020203" pitchFamily="34" charset="0"/>
-              </a:rPr>
-              <a:t>Water Fall</a:t>
+              <a:t>The waterfall</a:t>
             </a:r>
             <a:endParaRPr lang="en-US" sz="2400" dirty="0">
               <a:latin typeface="Segoe UI" panose="020B0502040204020203" pitchFamily="34" charset="0"/>
@@ -5171,52 +5083,52 @@
               </a:spcAft>
             </a:pPr>
             <a:r>
-              <a:rPr lang="fr-FR" dirty="0">
-                <a:latin typeface="Segoe UI" panose="020B0502040204020203" pitchFamily="34" charset="0"/>
-                <a:ea typeface="Calibri" panose="020F0502020204030204" pitchFamily="34" charset="0"/>
-                <a:cs typeface="Times New Roman" panose="02020603050405020304" pitchFamily="18" charset="0"/>
-              </a:rPr>
-              <a:t>In the case of existence of </a:t>
-            </a:r>
-            <a:r>
-              <a:rPr lang="fr-FR" dirty="0" err="1">
-                <a:latin typeface="Segoe UI" panose="020B0502040204020203" pitchFamily="34" charset="0"/>
-                <a:ea typeface="Calibri" panose="020F0502020204030204" pitchFamily="34" charset="0"/>
-                <a:cs typeface="Times New Roman" panose="02020603050405020304" pitchFamily="18" charset="0"/>
-              </a:rPr>
-              <a:t>depreciations</a:t>
-            </a:r>
-            <a:r>
-              <a:rPr lang="fr-FR" dirty="0">
-                <a:latin typeface="Segoe UI" panose="020B0502040204020203" pitchFamily="34" charset="0"/>
-                <a:ea typeface="Calibri" panose="020F0502020204030204" pitchFamily="34" charset="0"/>
-                <a:cs typeface="Times New Roman" panose="02020603050405020304" pitchFamily="18" charset="0"/>
-              </a:rPr>
-              <a:t> the </a:t>
-            </a:r>
-            <a:r>
-              <a:rPr lang="fr-FR" dirty="0" err="1">
-                <a:latin typeface="Segoe UI" panose="020B0502040204020203" pitchFamily="34" charset="0"/>
-                <a:ea typeface="Calibri" panose="020F0502020204030204" pitchFamily="34" charset="0"/>
-                <a:cs typeface="Times New Roman" panose="02020603050405020304" pitchFamily="18" charset="0"/>
-              </a:rPr>
-              <a:t>color</a:t>
-            </a:r>
-            <a:r>
-              <a:rPr lang="fr-FR" dirty="0">
-                <a:latin typeface="Segoe UI" panose="020B0502040204020203" pitchFamily="34" charset="0"/>
-                <a:ea typeface="Calibri" panose="020F0502020204030204" pitchFamily="34" charset="0"/>
-                <a:cs typeface="Times New Roman" panose="02020603050405020304" pitchFamily="18" charset="0"/>
-              </a:rPr>
-              <a:t> of the rectangles changes to </a:t>
-            </a:r>
-            <a:r>
-              <a:rPr lang="fr-FR" dirty="0" err="1">
-                <a:latin typeface="Segoe UI" panose="020B0502040204020203" pitchFamily="34" charset="0"/>
-                <a:ea typeface="Calibri" panose="020F0502020204030204" pitchFamily="34" charset="0"/>
-                <a:cs typeface="Times New Roman" panose="02020603050405020304" pitchFamily="18" charset="0"/>
-              </a:rPr>
-              <a:t>red</a:t>
+              <a:rPr lang="en" dirty="0">
+                <a:latin typeface="Segoe UI" panose="020B0502040204020203" pitchFamily="34" charset="0"/>
+                <a:ea typeface="Calibri" panose="020F0502020204030204" pitchFamily="34" charset="0"/>
+                <a:cs typeface="Times New Roman" panose="02020603050405020304" pitchFamily="18" charset="0"/>
+              </a:rPr>
+              <a:t>If there is depreciation, </a:t>
+            </a:r>
+            <a:r>
+              <a:rPr lang="en" dirty="0" err="1">
+                <a:latin typeface="Segoe UI" panose="020B0502040204020203" pitchFamily="34" charset="0"/>
+                <a:ea typeface="Calibri" panose="020F0502020204030204" pitchFamily="34" charset="0"/>
+                <a:cs typeface="Times New Roman" panose="02020603050405020304" pitchFamily="18" charset="0"/>
+              </a:rPr>
+              <a:t>the </a:t>
+            </a:r>
+            <a:r>
+              <a:rPr lang="en" dirty="0">
+                <a:latin typeface="Segoe UI" panose="020B0502040204020203" pitchFamily="34" charset="0"/>
+                <a:ea typeface="Calibri" panose="020F0502020204030204" pitchFamily="34" charset="0"/>
+                <a:cs typeface="Times New Roman" panose="02020603050405020304" pitchFamily="18" charset="0"/>
+              </a:rPr>
+              <a:t>color </a:t>
+            </a:r>
+            <a:r>
+              <a:rPr lang="en" dirty="0" err="1">
+                <a:latin typeface="Segoe UI" panose="020B0502040204020203" pitchFamily="34" charset="0"/>
+                <a:ea typeface="Calibri" panose="020F0502020204030204" pitchFamily="34" charset="0"/>
+                <a:cs typeface="Times New Roman" panose="02020603050405020304" pitchFamily="18" charset="0"/>
+              </a:rPr>
+              <a:t>of </a:t>
+            </a:r>
+            <a:r>
+              <a:rPr lang="en" dirty="0">
+                <a:latin typeface="Segoe UI" panose="020B0502040204020203" pitchFamily="34" charset="0"/>
+                <a:ea typeface="Calibri" panose="020F0502020204030204" pitchFamily="34" charset="0"/>
+                <a:cs typeface="Times New Roman" panose="02020603050405020304" pitchFamily="18" charset="0"/>
+              </a:rPr>
+              <a:t>the rectangles turns </a:t>
+            </a:r>
+            <a:r>
+              <a:rPr lang="en" dirty="0" err="1">
+                <a:latin typeface="Segoe UI" panose="020B0502040204020203" pitchFamily="34" charset="0"/>
+                <a:ea typeface="Calibri" panose="020F0502020204030204" pitchFamily="34" charset="0"/>
+                <a:cs typeface="Times New Roman" panose="02020603050405020304" pitchFamily="18" charset="0"/>
+              </a:rPr>
+              <a:t>red.</a:t>
             </a:r>
             <a:endParaRPr lang="en-US" sz="1400" dirty="0">
               <a:effectLst/>
@@ -5257,23 +5169,23 @@
               </a:spcAft>
             </a:pPr>
             <a:r>
-              <a:rPr lang="fr-FR" dirty="0">
-                <a:latin typeface="Segoe UI" panose="020B0502040204020203" pitchFamily="34" charset="0"/>
-                <a:ea typeface="Calibri" panose="020F0502020204030204" pitchFamily="34" charset="0"/>
-                <a:cs typeface="Times New Roman" panose="02020603050405020304" pitchFamily="18" charset="0"/>
-              </a:rPr>
-              <a:t>Substitute </a:t>
-            </a:r>
-            <a:r>
-              <a:rPr lang="fr-FR" b="1" dirty="0" err="1" smtClean="0">
-                <a:latin typeface="Segoe UI" panose="020B0502040204020203" pitchFamily="34" charset="0"/>
-                <a:ea typeface="Calibri" panose="020F0502020204030204" pitchFamily="34" charset="0"/>
-                <a:cs typeface="Times New Roman" panose="02020603050405020304" pitchFamily="18" charset="0"/>
-              </a:rPr>
-              <a:t>CalendarQuarter</a:t>
-            </a:r>
-            <a:r>
-              <a:rPr lang="fr-FR" b="1" dirty="0" smtClean="0">
+              <a:rPr lang="en" dirty="0">
+                <a:latin typeface="Segoe UI" panose="020B0502040204020203" pitchFamily="34" charset="0"/>
+                <a:ea typeface="Calibri" panose="020F0502020204030204" pitchFamily="34" charset="0"/>
+                <a:cs typeface="Times New Roman" panose="02020603050405020304" pitchFamily="18" charset="0"/>
+              </a:rPr>
+              <a:t>Replacement </a:t>
+            </a:r>
+            <a:r>
+              <a:rPr lang="en" b="1" dirty="0" err="1" smtClean="0">
+                <a:latin typeface="Segoe UI" panose="020B0502040204020203" pitchFamily="34" charset="0"/>
+                <a:ea typeface="Calibri" panose="020F0502020204030204" pitchFamily="34" charset="0"/>
+                <a:cs typeface="Times New Roman" panose="02020603050405020304" pitchFamily="18" charset="0"/>
+              </a:rPr>
+              <a:t>schedule Quarter</a:t>
+            </a:r>
+            <a:r>
+              <a:rPr lang="en" b="1" dirty="0" smtClean="0">
                 <a:latin typeface="Segoe UI" panose="020B0502040204020203" pitchFamily="34" charset="0"/>
                 <a:ea typeface="Calibri" panose="020F0502020204030204" pitchFamily="34" charset="0"/>
                 <a:cs typeface="Times New Roman" panose="02020603050405020304" pitchFamily="18" charset="0"/>
@@ -5281,7 +5193,7 @@
               <a:t> </a:t>
             </a:r>
             <a:r>
-              <a:rPr lang="fr-FR" dirty="0" err="1">
+              <a:rPr lang="en" dirty="0" err="1">
                 <a:latin typeface="Segoe UI" panose="020B0502040204020203" pitchFamily="34" charset="0"/>
                 <a:ea typeface="Calibri" panose="020F0502020204030204" pitchFamily="34" charset="0"/>
                 <a:cs typeface="Times New Roman" panose="02020603050405020304" pitchFamily="18" charset="0"/>
@@ -5289,7 +5201,7 @@
               <a:t>with</a:t>
             </a:r>
             <a:r>
-              <a:rPr lang="fr-FR" dirty="0">
+              <a:rPr lang="en" dirty="0">
                 <a:latin typeface="Segoe UI" panose="020B0502040204020203" pitchFamily="34" charset="0"/>
                 <a:ea typeface="Calibri" panose="020F0502020204030204" pitchFamily="34" charset="0"/>
                 <a:cs typeface="Times New Roman" panose="02020603050405020304" pitchFamily="18" charset="0"/>
@@ -5297,7 +5209,7 @@
               <a:t> </a:t>
             </a:r>
             <a:r>
-              <a:rPr lang="fr-FR" b="1" dirty="0" err="1" smtClean="0">
+              <a:rPr lang="en" b="1" dirty="0" err="1" smtClean="0">
                 <a:latin typeface="Segoe UI" panose="020B0502040204020203" pitchFamily="34" charset="0"/>
                 <a:ea typeface="Calibri" panose="020F0502020204030204" pitchFamily="34" charset="0"/>
                 <a:cs typeface="Times New Roman" panose="02020603050405020304" pitchFamily="18" charset="0"/>
@@ -5305,7 +5217,7 @@
               <a:t>CalendarSemester</a:t>
             </a:r>
             <a:r>
-              <a:rPr lang="fr-FR" b="1" dirty="0" smtClean="0">
+              <a:rPr lang="en" b="1" dirty="0" smtClean="0">
                 <a:latin typeface="Segoe UI" panose="020B0502040204020203" pitchFamily="34" charset="0"/>
                 <a:ea typeface="Calibri" panose="020F0502020204030204" pitchFamily="34" charset="0"/>
                 <a:cs typeface="Times New Roman" panose="02020603050405020304" pitchFamily="18" charset="0"/>
@@ -5313,7 +5225,7 @@
               <a:t> </a:t>
             </a:r>
             <a:r>
-              <a:rPr lang="fr-FR" dirty="0">
+              <a:rPr lang="en" dirty="0">
                 <a:latin typeface="Segoe UI" panose="020B0502040204020203" pitchFamily="34" charset="0"/>
                 <a:ea typeface="Calibri" panose="020F0502020204030204" pitchFamily="34" charset="0"/>
                 <a:cs typeface="Times New Roman" panose="02020603050405020304" pitchFamily="18" charset="0"/>
@@ -5321,36 +5233,36 @@
               <a:t>and </a:t>
             </a:r>
             <a:r>
-              <a:rPr lang="fr-FR" dirty="0" err="1">
-                <a:latin typeface="Segoe UI" panose="020B0502040204020203" pitchFamily="34" charset="0"/>
-                <a:ea typeface="Calibri" panose="020F0502020204030204" pitchFamily="34" charset="0"/>
-                <a:cs typeface="Times New Roman" panose="02020603050405020304" pitchFamily="18" charset="0"/>
-              </a:rPr>
-              <a:t>try</a:t>
-            </a:r>
-            <a:r>
-              <a:rPr lang="fr-FR" dirty="0">
-                <a:latin typeface="Segoe UI" panose="020B0502040204020203" pitchFamily="34" charset="0"/>
-                <a:ea typeface="Calibri" panose="020F0502020204030204" pitchFamily="34" charset="0"/>
-                <a:cs typeface="Times New Roman" panose="02020603050405020304" pitchFamily="18" charset="0"/>
-              </a:rPr>
-              <a:t> to </a:t>
-            </a:r>
-            <a:r>
-              <a:rPr lang="fr-FR" dirty="0" err="1">
-                <a:latin typeface="Segoe UI" panose="020B0502040204020203" pitchFamily="34" charset="0"/>
-                <a:ea typeface="Calibri" panose="020F0502020204030204" pitchFamily="34" charset="0"/>
-                <a:cs typeface="Times New Roman" panose="02020603050405020304" pitchFamily="18" charset="0"/>
-              </a:rPr>
-              <a:t>analyze</a:t>
-            </a:r>
-            <a:r>
-              <a:rPr lang="fr-FR" dirty="0">
-                <a:latin typeface="Segoe UI" panose="020B0502040204020203" pitchFamily="34" charset="0"/>
-                <a:ea typeface="Calibri" panose="020F0502020204030204" pitchFamily="34" charset="0"/>
-                <a:cs typeface="Times New Roman" panose="02020603050405020304" pitchFamily="18" charset="0"/>
-              </a:rPr>
-              <a:t> the data</a:t>
+              <a:rPr lang="en" dirty="0" err="1">
+                <a:latin typeface="Segoe UI" panose="020B0502040204020203" pitchFamily="34" charset="0"/>
+                <a:ea typeface="Calibri" panose="020F0502020204030204" pitchFamily="34" charset="0"/>
+                <a:cs typeface="Times New Roman" panose="02020603050405020304" pitchFamily="18" charset="0"/>
+              </a:rPr>
+              <a:t>try </a:t>
+            </a:r>
+            <a:r>
+              <a:rPr lang="en" dirty="0">
+                <a:latin typeface="Segoe UI" panose="020B0502040204020203" pitchFamily="34" charset="0"/>
+                <a:ea typeface="Calibri" panose="020F0502020204030204" pitchFamily="34" charset="0"/>
+                <a:cs typeface="Times New Roman" panose="02020603050405020304" pitchFamily="18" charset="0"/>
+              </a:rPr>
+              <a:t>to </a:t>
+            </a:r>
+            <a:r>
+              <a:rPr lang="en" dirty="0" err="1">
+                <a:latin typeface="Segoe UI" panose="020B0502040204020203" pitchFamily="34" charset="0"/>
+                <a:ea typeface="Calibri" panose="020F0502020204030204" pitchFamily="34" charset="0"/>
+                <a:cs typeface="Times New Roman" panose="02020603050405020304" pitchFamily="18" charset="0"/>
+              </a:rPr>
+              <a:t>analyze </a:t>
+            </a:r>
+            <a:r>
+              <a:rPr lang="en" dirty="0">
+                <a:latin typeface="Segoe UI" panose="020B0502040204020203" pitchFamily="34" charset="0"/>
+                <a:ea typeface="Calibri" panose="020F0502020204030204" pitchFamily="34" charset="0"/>
+                <a:cs typeface="Times New Roman" panose="02020603050405020304" pitchFamily="18" charset="0"/>
+              </a:rPr>
+              <a:t>the data</a:t>
             </a:r>
             <a:endParaRPr lang="en-US" sz="1400" dirty="0">
               <a:effectLst/>
@@ -5480,7 +5392,7 @@
         </p:nvSpPr>
         <p:spPr>
           <a:xfrm>
-            <a:off x="2916199" y="2162433"/>
+            <a:off x="2579315" y="2403064"/>
             <a:ext cx="6230360" cy="1569660"/>
           </a:xfrm>
           <a:prstGeom prst="rect">
@@ -5524,7 +5436,7 @@
         </p:nvSpPr>
         <p:spPr>
           <a:xfrm>
-            <a:off x="2990336" y="2217861"/>
+            <a:off x="2653452" y="2458492"/>
             <a:ext cx="6230360" cy="1569660"/>
           </a:xfrm>
           <a:prstGeom prst="rect">

--- a/English/6.Visuals/4.The Water Fall.pptx
+++ b/English/6.Visuals/4.The Water Fall.pptx
@@ -5,17 +5,20 @@
     <p:sldMasterId id="2147483648" r:id="rId1"/>
   </p:sldMasterIdLst>
   <p:notesMasterIdLst>
-    <p:notesMasterId r:id="rId10"/>
+    <p:notesMasterId r:id="rId13"/>
   </p:notesMasterIdLst>
   <p:sldIdLst>
     <p:sldId id="256" r:id="rId2"/>
     <p:sldId id="257" r:id="rId3"/>
-    <p:sldId id="264" r:id="rId4"/>
-    <p:sldId id="265" r:id="rId5"/>
-    <p:sldId id="261" r:id="rId6"/>
-    <p:sldId id="266" r:id="rId7"/>
-    <p:sldId id="263" r:id="rId8"/>
-    <p:sldId id="258" r:id="rId9"/>
+    <p:sldId id="267" r:id="rId4"/>
+    <p:sldId id="268" r:id="rId5"/>
+    <p:sldId id="264" r:id="rId6"/>
+    <p:sldId id="269" r:id="rId7"/>
+    <p:sldId id="270" r:id="rId8"/>
+    <p:sldId id="271" r:id="rId9"/>
+    <p:sldId id="272" r:id="rId10"/>
+    <p:sldId id="273" r:id="rId11"/>
+    <p:sldId id="258" r:id="rId12"/>
   </p:sldIdLst>
   <p:sldSz cx="12192000" cy="6858000"/>
   <p:notesSz cx="6858000" cy="9144000"/>
@@ -204,7 +207,7 @@
           <a:p>
             <a:fld id="{056BA3B8-9F76-4D81-B71D-76CB85363062}" type="datetimeFigureOut">
               <a:rPr lang="en-US" smtClean="0"/>
-              <a:t>4/3/2025</a:t>
+              <a:t>4/6/2025</a:t>
             </a:fld>
             <a:endParaRPr lang="en-US"/>
           </a:p>
@@ -603,7 +606,7 @@
           <a:p>
             <a:fld id="{6F01DA4D-20EA-48D2-973C-0311EC3005D6}" type="datetimeFigureOut">
               <a:rPr lang="en-US" smtClean="0"/>
-              <a:t>4/3/2025</a:t>
+              <a:t>4/6/2025</a:t>
             </a:fld>
             <a:endParaRPr lang="en-US"/>
           </a:p>
@@ -773,7 +776,7 @@
           <a:p>
             <a:fld id="{6F01DA4D-20EA-48D2-973C-0311EC3005D6}" type="datetimeFigureOut">
               <a:rPr lang="en-US" smtClean="0"/>
-              <a:t>4/3/2025</a:t>
+              <a:t>4/6/2025</a:t>
             </a:fld>
             <a:endParaRPr lang="en-US"/>
           </a:p>
@@ -953,7 +956,7 @@
           <a:p>
             <a:fld id="{6F01DA4D-20EA-48D2-973C-0311EC3005D6}" type="datetimeFigureOut">
               <a:rPr lang="en-US" smtClean="0"/>
-              <a:t>4/3/2025</a:t>
+              <a:t>4/6/2025</a:t>
             </a:fld>
             <a:endParaRPr lang="en-US"/>
           </a:p>
@@ -1123,7 +1126,7 @@
           <a:p>
             <a:fld id="{6F01DA4D-20EA-48D2-973C-0311EC3005D6}" type="datetimeFigureOut">
               <a:rPr lang="en-US" smtClean="0"/>
-              <a:t>4/3/2025</a:t>
+              <a:t>4/6/2025</a:t>
             </a:fld>
             <a:endParaRPr lang="en-US"/>
           </a:p>
@@ -1369,7 +1372,7 @@
           <a:p>
             <a:fld id="{6F01DA4D-20EA-48D2-973C-0311EC3005D6}" type="datetimeFigureOut">
               <a:rPr lang="en-US" smtClean="0"/>
-              <a:t>4/3/2025</a:t>
+              <a:t>4/6/2025</a:t>
             </a:fld>
             <a:endParaRPr lang="en-US"/>
           </a:p>
@@ -1601,7 +1604,7 @@
           <a:p>
             <a:fld id="{6F01DA4D-20EA-48D2-973C-0311EC3005D6}" type="datetimeFigureOut">
               <a:rPr lang="en-US" smtClean="0"/>
-              <a:t>4/3/2025</a:t>
+              <a:t>4/6/2025</a:t>
             </a:fld>
             <a:endParaRPr lang="en-US"/>
           </a:p>
@@ -1968,7 +1971,7 @@
           <a:p>
             <a:fld id="{6F01DA4D-20EA-48D2-973C-0311EC3005D6}" type="datetimeFigureOut">
               <a:rPr lang="en-US" smtClean="0"/>
-              <a:t>4/3/2025</a:t>
+              <a:t>4/6/2025</a:t>
             </a:fld>
             <a:endParaRPr lang="en-US"/>
           </a:p>
@@ -2086,7 +2089,7 @@
           <a:p>
             <a:fld id="{6F01DA4D-20EA-48D2-973C-0311EC3005D6}" type="datetimeFigureOut">
               <a:rPr lang="en-US" smtClean="0"/>
-              <a:t>4/3/2025</a:t>
+              <a:t>4/6/2025</a:t>
             </a:fld>
             <a:endParaRPr lang="en-US"/>
           </a:p>
@@ -2181,7 +2184,7 @@
           <a:p>
             <a:fld id="{6F01DA4D-20EA-48D2-973C-0311EC3005D6}" type="datetimeFigureOut">
               <a:rPr lang="en-US" smtClean="0"/>
-              <a:t>4/3/2025</a:t>
+              <a:t>4/6/2025</a:t>
             </a:fld>
             <a:endParaRPr lang="en-US"/>
           </a:p>
@@ -2458,7 +2461,7 @@
           <a:p>
             <a:fld id="{6F01DA4D-20EA-48D2-973C-0311EC3005D6}" type="datetimeFigureOut">
               <a:rPr lang="en-US" smtClean="0"/>
-              <a:t>4/3/2025</a:t>
+              <a:t>4/6/2025</a:t>
             </a:fld>
             <a:endParaRPr lang="en-US"/>
           </a:p>
@@ -2711,7 +2714,7 @@
           <a:p>
             <a:fld id="{6F01DA4D-20EA-48D2-973C-0311EC3005D6}" type="datetimeFigureOut">
               <a:rPr lang="en-US" smtClean="0"/>
-              <a:t>4/3/2025</a:t>
+              <a:t>4/6/2025</a:t>
             </a:fld>
             <a:endParaRPr lang="en-US"/>
           </a:p>
@@ -2924,7 +2927,7 @@
           <a:p>
             <a:fld id="{6F01DA4D-20EA-48D2-973C-0311EC3005D6}" type="datetimeFigureOut">
               <a:rPr lang="en-US" smtClean="0"/>
-              <a:t>4/3/2025</a:t>
+              <a:t>4/6/2025</a:t>
             </a:fld>
             <a:endParaRPr lang="en-US"/>
           </a:p>
@@ -3460,6 +3463,314 @@
 </p:sld>
 </file>
 
+<file path=ppt/slides/slide10.xml><?xml version="1.0" encoding="utf-8"?>
+<p:sld xmlns:a="http://schemas.openxmlformats.org/drawingml/2006/main" xmlns:r="http://schemas.openxmlformats.org/officeDocument/2006/relationships" xmlns:p="http://schemas.openxmlformats.org/presentationml/2006/main">
+  <p:cSld>
+    <p:spTree>
+      <p:nvGrpSpPr>
+        <p:cNvPr id="1" name=""/>
+        <p:cNvGrpSpPr/>
+        <p:nvPr/>
+      </p:nvGrpSpPr>
+      <p:grpSpPr>
+        <a:xfrm>
+          <a:off x="0" y="0"/>
+          <a:ext cx="0" cy="0"/>
+          <a:chOff x="0" y="0"/>
+          <a:chExt cx="0" cy="0"/>
+        </a:xfrm>
+      </p:grpSpPr>
+      <p:sp>
+        <p:nvSpPr>
+          <p:cNvPr id="2" name="TextBox 1"/>
+          <p:cNvSpPr txBox="1"/>
+          <p:nvPr/>
+        </p:nvSpPr>
+        <p:spPr>
+          <a:xfrm>
+            <a:off x="323133" y="192505"/>
+            <a:ext cx="2100640" cy="461665"/>
+          </a:xfrm>
+          <a:prstGeom prst="rect">
+            <a:avLst/>
+          </a:prstGeom>
+          <a:noFill/>
+        </p:spPr>
+        <p:txBody>
+          <a:bodyPr wrap="none" rtlCol="0">
+            <a:spAutoFit/>
+          </a:bodyPr>
+          <a:lstStyle/>
+          <a:p>
+            <a:r>
+              <a:rPr lang="en" sz="2400" dirty="0" smtClean="0">
+                <a:latin typeface="Segoe UI" panose="020B0502040204020203" pitchFamily="34" charset="0"/>
+                <a:cs typeface="Segoe UI" panose="020B0502040204020203" pitchFamily="34" charset="0"/>
+              </a:rPr>
+              <a:t>The waterfall</a:t>
+            </a:r>
+            <a:endParaRPr lang="en-US" sz="2400" dirty="0">
+              <a:latin typeface="Segoe UI" panose="020B0502040204020203" pitchFamily="34" charset="0"/>
+              <a:cs typeface="Segoe UI" panose="020B0502040204020203" pitchFamily="34" charset="0"/>
+            </a:endParaRPr>
+          </a:p>
+        </p:txBody>
+      </p:sp>
+      <p:sp>
+        <p:nvSpPr>
+          <p:cNvPr id="3" name="Rectangle 2"/>
+          <p:cNvSpPr/>
+          <p:nvPr/>
+        </p:nvSpPr>
+        <p:spPr>
+          <a:xfrm>
+            <a:off x="437882" y="831061"/>
+            <a:ext cx="1840760" cy="369332"/>
+          </a:xfrm>
+          <a:prstGeom prst="rect">
+            <a:avLst/>
+          </a:prstGeom>
+        </p:spPr>
+        <p:txBody>
+          <a:bodyPr wrap="none">
+            <a:spAutoFit/>
+          </a:bodyPr>
+          <a:lstStyle/>
+          <a:p>
+            <a:r>
+              <a:rPr lang="fr-FR" dirty="0" smtClean="0"/>
+              <a:t>The </a:t>
+            </a:r>
+            <a:r>
+              <a:rPr lang="fr-FR" dirty="0" err="1" smtClean="0"/>
+              <a:t>result</a:t>
+            </a:r>
+            <a:r>
+              <a:rPr lang="fr-FR" dirty="0" smtClean="0"/>
+              <a:t> </a:t>
+            </a:r>
+            <a:r>
+              <a:rPr lang="fr-FR" dirty="0" err="1" smtClean="0"/>
+              <a:t>will</a:t>
+            </a:r>
+            <a:r>
+              <a:rPr lang="fr-FR" dirty="0" smtClean="0"/>
+              <a:t> </a:t>
+            </a:r>
+            <a:r>
+              <a:rPr lang="fr-FR" dirty="0" err="1" smtClean="0"/>
+              <a:t>be</a:t>
+            </a:r>
+            <a:r>
+              <a:rPr lang="fr-FR" dirty="0" smtClean="0"/>
+              <a:t> </a:t>
+            </a:r>
+            <a:endParaRPr lang="en-US" dirty="0"/>
+          </a:p>
+        </p:txBody>
+      </p:sp>
+      <p:pic>
+        <p:nvPicPr>
+          <p:cNvPr id="5" name="Picture 4"/>
+          <p:cNvPicPr>
+            <a:picLocks noChangeAspect="1"/>
+          </p:cNvPicPr>
+          <p:nvPr/>
+        </p:nvPicPr>
+        <p:blipFill>
+          <a:blip r:embed="rId2"/>
+          <a:stretch>
+            <a:fillRect/>
+          </a:stretch>
+        </p:blipFill>
+        <p:spPr>
+          <a:xfrm>
+            <a:off x="532612" y="1439614"/>
+            <a:ext cx="8211696" cy="3896269"/>
+          </a:xfrm>
+          <a:prstGeom prst="rect">
+            <a:avLst/>
+          </a:prstGeom>
+        </p:spPr>
+      </p:pic>
+    </p:spTree>
+    <p:extLst>
+      <p:ext uri="{BB962C8B-B14F-4D97-AF65-F5344CB8AC3E}">
+        <p14:creationId xmlns:p14="http://schemas.microsoft.com/office/powerpoint/2010/main" val="1125551555"/>
+      </p:ext>
+    </p:extLst>
+  </p:cSld>
+  <p:clrMapOvr>
+    <a:masterClrMapping/>
+  </p:clrMapOvr>
+</p:sld>
+</file>
+
+<file path=ppt/slides/slide11.xml><?xml version="1.0" encoding="utf-8"?>
+<p:sld xmlns:a="http://schemas.openxmlformats.org/drawingml/2006/main" xmlns:r="http://schemas.openxmlformats.org/officeDocument/2006/relationships" xmlns:p="http://schemas.openxmlformats.org/presentationml/2006/main">
+  <p:cSld>
+    <p:bg>
+      <p:bgPr>
+        <a:solidFill>
+          <a:srgbClr val="FFC000"/>
+        </a:solidFill>
+        <a:effectLst/>
+      </p:bgPr>
+    </p:bg>
+    <p:spTree>
+      <p:nvGrpSpPr>
+        <p:cNvPr id="1" name=""/>
+        <p:cNvGrpSpPr/>
+        <p:nvPr/>
+      </p:nvGrpSpPr>
+      <p:grpSpPr>
+        <a:xfrm>
+          <a:off x="0" y="0"/>
+          <a:ext cx="0" cy="0"/>
+          <a:chOff x="0" y="0"/>
+          <a:chExt cx="0" cy="0"/>
+        </a:xfrm>
+      </p:grpSpPr>
+      <p:sp>
+        <p:nvSpPr>
+          <p:cNvPr id="2" name="AutoShape 2" descr="Minimalistic illustration in black and white on a white background with the text 'Thank You' elegantly styled below. The design features simple, clean icons such as a handshake or a ribbon to symbolize gratitude, with a professional and modern aesthetic suitable for a presentation closing slide."/>
+          <p:cNvSpPr>
+            <a:spLocks noChangeAspect="1" noChangeArrowheads="1"/>
+          </p:cNvSpPr>
+          <p:nvPr/>
+        </p:nvSpPr>
+        <p:spPr bwMode="auto">
+          <a:xfrm>
+            <a:off x="155575" y="-144463"/>
+            <a:ext cx="304800" cy="304801"/>
+          </a:xfrm>
+          <a:prstGeom prst="rect">
+            <a:avLst/>
+          </a:prstGeom>
+          <a:noFill/>
+          <a:extLst>
+            <a:ext uri="{909E8E84-426E-40DD-AFC4-6F175D3DCCD1}">
+              <a14:hiddenFill xmlns:a14="http://schemas.microsoft.com/office/drawing/2010/main">
+                <a:solidFill>
+                  <a:srgbClr val="FFFFFF"/>
+                </a:solidFill>
+              </a14:hiddenFill>
+            </a:ext>
+          </a:extLst>
+        </p:spPr>
+        <p:txBody>
+          <a:bodyPr vert="horz" wrap="square" lIns="91440" tIns="45720" rIns="91440" bIns="45720" numCol="1" anchor="t" anchorCtr="0" compatLnSpc="1">
+            <a:prstTxWarp prst="textNoShape">
+              <a:avLst/>
+            </a:prstTxWarp>
+          </a:bodyPr>
+          <a:lstStyle/>
+          <a:p>
+            <a:endParaRPr lang="en-US"/>
+          </a:p>
+        </p:txBody>
+      </p:sp>
+      <p:sp>
+        <p:nvSpPr>
+          <p:cNvPr id="5" name="TextBox 4"/>
+          <p:cNvSpPr txBox="1"/>
+          <p:nvPr/>
+        </p:nvSpPr>
+        <p:spPr>
+          <a:xfrm>
+            <a:off x="2579315" y="2403064"/>
+            <a:ext cx="6230360" cy="1569660"/>
+          </a:xfrm>
+          <a:prstGeom prst="rect">
+            <a:avLst/>
+          </a:prstGeom>
+          <a:noFill/>
+        </p:spPr>
+        <p:txBody>
+          <a:bodyPr wrap="none" rtlCol="0">
+            <a:spAutoFit/>
+          </a:bodyPr>
+          <a:lstStyle/>
+          <a:p>
+            <a:r>
+              <a:rPr lang="en-US" sz="9600" b="1" dirty="0" smtClean="0">
+                <a:solidFill>
+                  <a:srgbClr val="7030A0"/>
+                </a:solidFill>
+                <a:latin typeface="Segoe UI" panose="020B0502040204020203" pitchFamily="34" charset="0"/>
+                <a:ea typeface="Verdana" panose="020B0604030504040204" pitchFamily="34" charset="0"/>
+                <a:cs typeface="Segoe UI" panose="020B0502040204020203" pitchFamily="34" charset="0"/>
+              </a:rPr>
+              <a:t>Thank you</a:t>
+            </a:r>
+            <a:endParaRPr lang="en-US" sz="9600" b="1" dirty="0">
+              <a:solidFill>
+                <a:srgbClr val="7030A0"/>
+              </a:solidFill>
+              <a:latin typeface="Segoe UI" panose="020B0502040204020203" pitchFamily="34" charset="0"/>
+              <a:ea typeface="Verdana" panose="020B0604030504040204" pitchFamily="34" charset="0"/>
+              <a:cs typeface="Segoe UI" panose="020B0502040204020203" pitchFamily="34" charset="0"/>
+            </a:endParaRPr>
+          </a:p>
+        </p:txBody>
+      </p:sp>
+      <p:sp>
+        <p:nvSpPr>
+          <p:cNvPr id="6" name="TextBox 5"/>
+          <p:cNvSpPr txBox="1"/>
+          <p:nvPr/>
+        </p:nvSpPr>
+        <p:spPr>
+          <a:xfrm>
+            <a:off x="2653452" y="2458492"/>
+            <a:ext cx="6230360" cy="1569660"/>
+          </a:xfrm>
+          <a:prstGeom prst="rect">
+            <a:avLst/>
+          </a:prstGeom>
+          <a:noFill/>
+        </p:spPr>
+        <p:txBody>
+          <a:bodyPr wrap="none" rtlCol="0">
+            <a:spAutoFit/>
+          </a:bodyPr>
+          <a:lstStyle/>
+          <a:p>
+            <a:r>
+              <a:rPr lang="en-US" sz="9600" b="1" dirty="0" smtClean="0">
+                <a:solidFill>
+                  <a:schemeClr val="bg1"/>
+                </a:solidFill>
+                <a:latin typeface="Segoe UI" panose="020B0502040204020203" pitchFamily="34" charset="0"/>
+                <a:ea typeface="Verdana" panose="020B0604030504040204" pitchFamily="34" charset="0"/>
+                <a:cs typeface="Segoe UI" panose="020B0502040204020203" pitchFamily="34" charset="0"/>
+              </a:rPr>
+              <a:t>Thank you</a:t>
+            </a:r>
+            <a:endParaRPr lang="en-US" sz="9600" b="1" dirty="0">
+              <a:solidFill>
+                <a:schemeClr val="bg1"/>
+              </a:solidFill>
+              <a:latin typeface="Segoe UI" panose="020B0502040204020203" pitchFamily="34" charset="0"/>
+              <a:ea typeface="Verdana" panose="020B0604030504040204" pitchFamily="34" charset="0"/>
+              <a:cs typeface="Segoe UI" panose="020B0502040204020203" pitchFamily="34" charset="0"/>
+            </a:endParaRPr>
+          </a:p>
+        </p:txBody>
+      </p:sp>
+    </p:spTree>
+    <p:extLst>
+      <p:ext uri="{BB962C8B-B14F-4D97-AF65-F5344CB8AC3E}">
+        <p14:creationId xmlns:p14="http://schemas.microsoft.com/office/powerpoint/2010/main" val="3494127604"/>
+      </p:ext>
+    </p:extLst>
+  </p:cSld>
+  <p:clrMapOvr>
+    <a:masterClrMapping/>
+  </p:clrMapOvr>
+</p:sld>
+</file>
+
 <file path=ppt/slides/slide2.xml><?xml version="1.0" encoding="utf-8"?>
 <p:sld xmlns:a="http://schemas.openxmlformats.org/drawingml/2006/main" xmlns:r="http://schemas.openxmlformats.org/officeDocument/2006/relationships" xmlns:p="http://schemas.openxmlformats.org/presentationml/2006/main">
   <p:cSld>
@@ -3522,7 +3833,7 @@
         <p:spPr>
           <a:xfrm>
             <a:off x="323132" y="855107"/>
-            <a:ext cx="11144681" cy="685059"/>
+            <a:ext cx="11144681" cy="388696"/>
           </a:xfrm>
           <a:prstGeom prst="rect">
             <a:avLst/>
@@ -3543,20 +3854,20 @@
               </a:spcAft>
             </a:pPr>
             <a:r>
+              <a:rPr lang="en" b="1" dirty="0" smtClean="0">
+                <a:latin typeface="Segoe UI" panose="020B0502040204020203" pitchFamily="34" charset="0"/>
+                <a:ea typeface="Calibri" panose="020F0502020204030204" pitchFamily="34" charset="0"/>
+                <a:cs typeface="Times New Roman" panose="02020603050405020304" pitchFamily="18" charset="0"/>
+              </a:rPr>
+              <a:t>Note: </a:t>
+            </a:r>
+            <a:r>
               <a:rPr lang="en" dirty="0" smtClean="0">
                 <a:latin typeface="Segoe UI" panose="020B0502040204020203" pitchFamily="34" charset="0"/>
                 <a:ea typeface="Calibri" panose="020F0502020204030204" pitchFamily="34" charset="0"/>
                 <a:cs typeface="Times New Roman" panose="02020603050405020304" pitchFamily="18" charset="0"/>
               </a:rPr>
-              <a:t>Add a waterfall to the scene and try to represent the </a:t>
-            </a:r>
-            <a:r>
-              <a:rPr lang="en" b="1" dirty="0" err="1" smtClean="0">
-                <a:latin typeface="Segoe UI" panose="020B0502040204020203" pitchFamily="34" charset="0"/>
-                <a:ea typeface="Calibri" panose="020F0502020204030204" pitchFamily="34" charset="0"/>
-                <a:cs typeface="Times New Roman" panose="02020603050405020304" pitchFamily="18" charset="0"/>
-              </a:rPr>
-              <a:t>amount of sales</a:t>
+              <a:t>This workshop is using </a:t>
             </a:r>
             <a:r>
               <a:rPr lang="en" b="1" dirty="0" smtClean="0">
@@ -3564,7 +3875,7 @@
                 <a:ea typeface="Calibri" panose="020F0502020204030204" pitchFamily="34" charset="0"/>
                 <a:cs typeface="Times New Roman" panose="02020603050405020304" pitchFamily="18" charset="0"/>
               </a:rPr>
-              <a:t> </a:t>
+              <a:t>Sales.xls</a:t>
             </a:r>
             <a:r>
               <a:rPr lang="en" dirty="0" smtClean="0">
@@ -3572,7 +3883,7 @@
                 <a:ea typeface="Calibri" panose="020F0502020204030204" pitchFamily="34" charset="0"/>
                 <a:cs typeface="Times New Roman" panose="02020603050405020304" pitchFamily="18" charset="0"/>
               </a:rPr>
-              <a:t>by adding it to the </a:t>
+              <a:t> of Excel </a:t>
             </a:r>
             <a:r>
               <a:rPr lang="en" b="1" dirty="0" smtClean="0">
@@ -3580,84 +3891,125 @@
                 <a:ea typeface="Calibri" panose="020F0502020204030204" pitchFamily="34" charset="0"/>
                 <a:cs typeface="Times New Roman" panose="02020603050405020304" pitchFamily="18" charset="0"/>
               </a:rPr>
-              <a:t>Y axis </a:t>
-            </a:r>
-            <a:r>
-              <a:rPr lang="en" dirty="0" smtClean="0">
+              <a:t>Sources</a:t>
+            </a:r>
+          </a:p>
+        </p:txBody>
+      </p:sp>
+      <p:sp>
+        <p:nvSpPr>
+          <p:cNvPr id="3" name="Rectangle 2"/>
+          <p:cNvSpPr/>
+          <p:nvPr/>
+        </p:nvSpPr>
+        <p:spPr>
+          <a:xfrm>
+            <a:off x="323131" y="1422939"/>
+            <a:ext cx="9611516" cy="369332"/>
+          </a:xfrm>
+          <a:prstGeom prst="rect">
+            <a:avLst/>
+          </a:prstGeom>
+        </p:spPr>
+        <p:txBody>
+          <a:bodyPr wrap="square">
+            <a:spAutoFit/>
+          </a:bodyPr>
+          <a:lstStyle/>
+          <a:p>
+            <a:r>
+              <a:rPr lang="en-US" dirty="0">
                 <a:latin typeface="Segoe UI" panose="020B0502040204020203" pitchFamily="34" charset="0"/>
-                <a:ea typeface="Calibri" panose="020F0502020204030204" pitchFamily="34" charset="0"/>
-                <a:cs typeface="Times New Roman" panose="02020603050405020304" pitchFamily="18" charset="0"/>
+                <a:cs typeface="Segoe UI" panose="020B0502040204020203" pitchFamily="34" charset="0"/>
               </a:rPr>
-              <a:t>and </a:t>
-            </a:r>
-            <a:r>
-              <a:rPr lang="en" b="1" dirty="0" err="1" smtClean="0">
+              <a:t>In Power BI, click the </a:t>
+            </a:r>
+            <a:r>
+              <a:rPr lang="en-US" b="1" dirty="0">
                 <a:latin typeface="Segoe UI" panose="020B0502040204020203" pitchFamily="34" charset="0"/>
-                <a:ea typeface="Calibri" panose="020F0502020204030204" pitchFamily="34" charset="0"/>
-                <a:cs typeface="Times New Roman" panose="02020603050405020304" pitchFamily="18" charset="0"/>
+                <a:cs typeface="Segoe UI" panose="020B0502040204020203" pitchFamily="34" charset="0"/>
               </a:rPr>
-              <a:t>the calendar year</a:t>
-            </a:r>
-            <a:r>
-              <a:rPr lang="en" b="1" dirty="0" smtClean="0">
+              <a:t>Waterfall chart icon</a:t>
+            </a:r>
+            <a:r>
+              <a:rPr lang="en-US" dirty="0">
                 <a:latin typeface="Segoe UI" panose="020B0502040204020203" pitchFamily="34" charset="0"/>
-                <a:ea typeface="Calibri" panose="020F0502020204030204" pitchFamily="34" charset="0"/>
-                <a:cs typeface="Times New Roman" panose="02020603050405020304" pitchFamily="18" charset="0"/>
+                <a:cs typeface="Segoe UI" panose="020B0502040204020203" pitchFamily="34" charset="0"/>
+              </a:rPr>
+              <a:t> in the Visualizations pane. Drag it to the canvas</a:t>
+            </a:r>
+          </a:p>
+        </p:txBody>
+      </p:sp>
+      <p:sp>
+        <p:nvSpPr>
+          <p:cNvPr id="6" name="Rectangle 5"/>
+          <p:cNvSpPr/>
+          <p:nvPr/>
+        </p:nvSpPr>
+        <p:spPr>
+          <a:xfrm>
+            <a:off x="387302" y="1914709"/>
+            <a:ext cx="9451091" cy="369332"/>
+          </a:xfrm>
+          <a:prstGeom prst="rect">
+            <a:avLst/>
+          </a:prstGeom>
+        </p:spPr>
+        <p:txBody>
+          <a:bodyPr wrap="square">
+            <a:spAutoFit/>
+          </a:bodyPr>
+          <a:lstStyle/>
+          <a:p>
+            <a:r>
+              <a:rPr lang="en-US" dirty="0">
+                <a:latin typeface="Segoe UI" panose="020B0502040204020203" pitchFamily="34" charset="0"/>
+                <a:cs typeface="Segoe UI" panose="020B0502040204020203" pitchFamily="34" charset="0"/>
+              </a:rPr>
+              <a:t>Let’s </a:t>
+            </a:r>
+            <a:r>
+              <a:rPr lang="en-US" dirty="0" err="1" smtClean="0">
+                <a:latin typeface="Segoe UI" panose="020B0502040204020203" pitchFamily="34" charset="0"/>
+                <a:cs typeface="Segoe UI" panose="020B0502040204020203" pitchFamily="34" charset="0"/>
+              </a:rPr>
+              <a:t>analyse</a:t>
+            </a:r>
+            <a:r>
+              <a:rPr lang="en-US" dirty="0" smtClean="0">
+                <a:latin typeface="Segoe UI" panose="020B0502040204020203" pitchFamily="34" charset="0"/>
+                <a:cs typeface="Segoe UI" panose="020B0502040204020203" pitchFamily="34" charset="0"/>
+              </a:rPr>
+              <a:t> how sales quantities</a:t>
+            </a:r>
+            <a:r>
+              <a:rPr lang="en-US" b="1" dirty="0" smtClean="0">
+                <a:latin typeface="Segoe UI" panose="020B0502040204020203" pitchFamily="34" charset="0"/>
+                <a:cs typeface="Segoe UI" panose="020B0502040204020203" pitchFamily="34" charset="0"/>
               </a:rPr>
               <a:t> </a:t>
             </a:r>
             <a:r>
-              <a:rPr lang="en" dirty="0" smtClean="0">
+              <a:rPr lang="en-US" b="1" dirty="0">
                 <a:latin typeface="Segoe UI" panose="020B0502040204020203" pitchFamily="34" charset="0"/>
-                <a:ea typeface="Calibri" panose="020F0502020204030204" pitchFamily="34" charset="0"/>
-                <a:cs typeface="Times New Roman" panose="02020603050405020304" pitchFamily="18" charset="0"/>
+                <a:cs typeface="Segoe UI" panose="020B0502040204020203" pitchFamily="34" charset="0"/>
               </a:rPr>
-              <a:t>from </a:t>
-            </a:r>
-            <a:r>
-              <a:rPr lang="en" b="1" dirty="0" err="1" smtClean="0">
+              <a:t>changed by year</a:t>
+            </a:r>
+            <a:r>
+              <a:rPr lang="en-US" dirty="0">
                 <a:latin typeface="Segoe UI" panose="020B0502040204020203" pitchFamily="34" charset="0"/>
-                <a:ea typeface="Calibri" panose="020F0502020204030204" pitchFamily="34" charset="0"/>
-                <a:cs typeface="Times New Roman" panose="02020603050405020304" pitchFamily="18" charset="0"/>
+                <a:cs typeface="Segoe UI" panose="020B0502040204020203" pitchFamily="34" charset="0"/>
               </a:rPr>
-              <a:t>DimDate</a:t>
-            </a:r>
-            <a:r>
-              <a:rPr lang="en" b="1" dirty="0" smtClean="0">
-                <a:latin typeface="Segoe UI" panose="020B0502040204020203" pitchFamily="34" charset="0"/>
-                <a:ea typeface="Calibri" panose="020F0502020204030204" pitchFamily="34" charset="0"/>
-                <a:cs typeface="Times New Roman" panose="02020603050405020304" pitchFamily="18" charset="0"/>
-              </a:rPr>
-              <a:t> </a:t>
-            </a:r>
-            <a:r>
-              <a:rPr lang="en" dirty="0" smtClean="0">
-                <a:latin typeface="Segoe UI" panose="020B0502040204020203" pitchFamily="34" charset="0"/>
-                <a:ea typeface="Calibri" panose="020F0502020204030204" pitchFamily="34" charset="0"/>
-                <a:cs typeface="Times New Roman" panose="02020603050405020304" pitchFamily="18" charset="0"/>
-              </a:rPr>
-              <a:t>in </a:t>
-            </a:r>
-            <a:r>
-              <a:rPr lang="en" b="1" dirty="0" smtClean="0">
-                <a:latin typeface="Segoe UI" panose="020B0502040204020203" pitchFamily="34" charset="0"/>
-                <a:ea typeface="Calibri" panose="020F0502020204030204" pitchFamily="34" charset="0"/>
-                <a:cs typeface="Times New Roman" panose="02020603050405020304" pitchFamily="18" charset="0"/>
-              </a:rPr>
-              <a:t>the category</a:t>
-            </a:r>
-            <a:endParaRPr lang="en-US" sz="1400" b="1" dirty="0">
-              <a:effectLst/>
-              <a:latin typeface="Calibri" panose="020F0502020204030204" pitchFamily="34" charset="0"/>
-              <a:ea typeface="Calibri" panose="020F0502020204030204" pitchFamily="34" charset="0"/>
-              <a:cs typeface="Times New Roman" panose="02020603050405020304" pitchFamily="18" charset="0"/>
-            </a:endParaRPr>
+              <a:t>. </a:t>
+            </a:r>
           </a:p>
         </p:txBody>
       </p:sp>
       <p:pic>
         <p:nvPicPr>
-          <p:cNvPr id="7" name="Picture 6"/>
+          <p:cNvPr id="8" name="Picture 7"/>
           <p:cNvPicPr>
             <a:picLocks noChangeAspect="1"/>
           </p:cNvPicPr>
@@ -3671,24 +4023,134 @@
         </p:blipFill>
         <p:spPr>
           <a:xfrm>
-            <a:off x="489148" y="1741103"/>
-            <a:ext cx="5443550" cy="4590946"/>
+            <a:off x="461660" y="2477723"/>
+            <a:ext cx="6367279" cy="3029303"/>
           </a:xfrm>
           <a:prstGeom prst="rect">
             <a:avLst/>
           </a:prstGeom>
+        </p:spPr>
+      </p:pic>
+      <p:pic>
+        <p:nvPicPr>
+          <p:cNvPr id="9" name="Picture 8"/>
+          <p:cNvPicPr>
+            <a:picLocks noChangeAspect="1"/>
+          </p:cNvPicPr>
+          <p:nvPr/>
+        </p:nvPicPr>
+        <p:blipFill>
+          <a:blip r:embed="rId3"/>
+          <a:stretch>
+            <a:fillRect/>
+          </a:stretch>
+        </p:blipFill>
+        <p:spPr>
+          <a:xfrm>
+            <a:off x="7063796" y="2561039"/>
+            <a:ext cx="3497416" cy="2897859"/>
+          </a:xfrm>
+          <a:prstGeom prst="rect">
+            <a:avLst/>
+          </a:prstGeom>
+        </p:spPr>
+      </p:pic>
+      <p:sp>
+        <p:nvSpPr>
+          <p:cNvPr id="10" name="Rectangle 9"/>
+          <p:cNvSpPr/>
+          <p:nvPr/>
+        </p:nvSpPr>
+        <p:spPr>
+          <a:xfrm>
+            <a:off x="7177696" y="2928830"/>
+            <a:ext cx="3306966" cy="288758"/>
+          </a:xfrm>
+          <a:prstGeom prst="rect">
+            <a:avLst/>
+          </a:prstGeom>
+          <a:solidFill>
+            <a:srgbClr val="FF0000">
+              <a:alpha val="30000"/>
+            </a:srgbClr>
+          </a:solidFill>
           <a:ln>
             <a:noFill/>
           </a:ln>
-          <a:effectLst>
-            <a:outerShdw blurRad="292100" dist="139700" dir="2700000" algn="tl" rotWithShape="0">
-              <a:srgbClr val="333333">
-                <a:alpha val="65000"/>
-              </a:srgbClr>
-            </a:outerShdw>
-          </a:effectLst>
-        </p:spPr>
-      </p:pic>
+        </p:spPr>
+        <p:style>
+          <a:lnRef idx="2">
+            <a:schemeClr val="accent1">
+              <a:shade val="50000"/>
+            </a:schemeClr>
+          </a:lnRef>
+          <a:fillRef idx="1">
+            <a:schemeClr val="accent1"/>
+          </a:fillRef>
+          <a:effectRef idx="0">
+            <a:schemeClr val="accent1"/>
+          </a:effectRef>
+          <a:fontRef idx="minor">
+            <a:schemeClr val="lt1"/>
+          </a:fontRef>
+        </p:style>
+        <p:txBody>
+          <a:bodyPr rtlCol="0" anchor="ctr"/>
+          <a:lstStyle/>
+          <a:p>
+            <a:pPr algn="ctr"/>
+            <a:endParaRPr lang="en-US"/>
+          </a:p>
+        </p:txBody>
+      </p:sp>
+      <p:sp>
+        <p:nvSpPr>
+          <p:cNvPr id="11" name="Rectangle 10"/>
+          <p:cNvSpPr/>
+          <p:nvPr/>
+        </p:nvSpPr>
+        <p:spPr>
+          <a:xfrm>
+            <a:off x="7177696" y="4318764"/>
+            <a:ext cx="3306966" cy="288758"/>
+          </a:xfrm>
+          <a:prstGeom prst="rect">
+            <a:avLst/>
+          </a:prstGeom>
+          <a:solidFill>
+            <a:srgbClr val="FF0000">
+              <a:alpha val="30000"/>
+            </a:srgbClr>
+          </a:solidFill>
+          <a:ln>
+            <a:noFill/>
+          </a:ln>
+        </p:spPr>
+        <p:style>
+          <a:lnRef idx="2">
+            <a:schemeClr val="accent1">
+              <a:shade val="50000"/>
+            </a:schemeClr>
+          </a:lnRef>
+          <a:fillRef idx="1">
+            <a:schemeClr val="accent1"/>
+          </a:fillRef>
+          <a:effectRef idx="0">
+            <a:schemeClr val="accent1"/>
+          </a:effectRef>
+          <a:fontRef idx="minor">
+            <a:schemeClr val="lt1"/>
+          </a:fontRef>
+        </p:style>
+        <p:txBody>
+          <a:bodyPr rtlCol="0" anchor="ctr"/>
+          <a:lstStyle/>
+          <a:p>
+            <a:pPr algn="ctr"/>
+            <a:endParaRPr lang="en-US"/>
+          </a:p>
+        </p:txBody>
+      </p:sp>
     </p:spTree>
     <p:extLst>
       <p:ext uri="{BB962C8B-B14F-4D97-AF65-F5344CB8AC3E}">
@@ -3757,14 +4219,14 @@
       </p:sp>
       <p:sp>
         <p:nvSpPr>
-          <p:cNvPr id="3" name="Rectangle 2"/>
+          <p:cNvPr id="5" name="Rectangle 4"/>
           <p:cNvSpPr/>
           <p:nvPr/>
         </p:nvSpPr>
         <p:spPr>
           <a:xfrm>
-            <a:off x="394177" y="816928"/>
-            <a:ext cx="10908632" cy="685059"/>
+            <a:off x="306214" y="848232"/>
+            <a:ext cx="11144681" cy="366895"/>
           </a:xfrm>
           <a:prstGeom prst="rect">
             <a:avLst/>
@@ -3781,276 +4243,19 @@
                 <a:spcPct val="107000"/>
               </a:lnSpc>
               <a:spcAft>
-                <a:spcPts val="0"/>
+                <a:spcPts val="800"/>
               </a:spcAft>
             </a:pPr>
-            <a:r>
-              <a:rPr lang="en" dirty="0" err="1">
-                <a:latin typeface="Segoe UI" panose="020B0502040204020203" pitchFamily="34" charset="0"/>
-                <a:ea typeface="Calibri" panose="020F0502020204030204" pitchFamily="34" charset="0"/>
-                <a:cs typeface="Times New Roman" panose="02020603050405020304" pitchFamily="18" charset="0"/>
-              </a:rPr>
-              <a:t>To try</a:t>
-            </a:r>
-            <a:r>
-              <a:rPr lang="en" dirty="0">
-                <a:latin typeface="Segoe UI" panose="020B0502040204020203" pitchFamily="34" charset="0"/>
-                <a:ea typeface="Calibri" panose="020F0502020204030204" pitchFamily="34" charset="0"/>
-                <a:cs typeface="Times New Roman" panose="02020603050405020304" pitchFamily="18" charset="0"/>
-              </a:rPr>
-              <a:t> </a:t>
-            </a:r>
-            <a:r>
-              <a:rPr lang="en" dirty="0" err="1">
-                <a:latin typeface="Segoe UI" panose="020B0502040204020203" pitchFamily="34" charset="0"/>
-                <a:ea typeface="Calibri" panose="020F0502020204030204" pitchFamily="34" charset="0"/>
-                <a:cs typeface="Times New Roman" panose="02020603050405020304" pitchFamily="18" charset="0"/>
-              </a:rPr>
-              <a:t>hovering over </a:t>
-            </a:r>
-            <a:r>
-              <a:rPr lang="en" dirty="0">
-                <a:latin typeface="Segoe UI" panose="020B0502040204020203" pitchFamily="34" charset="0"/>
-                <a:ea typeface="Calibri" panose="020F0502020204030204" pitchFamily="34" charset="0"/>
-                <a:cs typeface="Times New Roman" panose="02020603050405020304" pitchFamily="18" charset="0"/>
-              </a:rPr>
-              <a:t>the </a:t>
-            </a:r>
             <a:r>
               <a:rPr lang="en" dirty="0" smtClean="0">
                 <a:latin typeface="Segoe UI" panose="020B0502040204020203" pitchFamily="34" charset="0"/>
                 <a:ea typeface="Calibri" panose="020F0502020204030204" pitchFamily="34" charset="0"/>
                 <a:cs typeface="Times New Roman" panose="02020603050405020304" pitchFamily="18" charset="0"/>
               </a:rPr>
-              <a:t>rectangles, </a:t>
-            </a:r>
-            <a:r>
-              <a:rPr lang="en" dirty="0" err="1">
-                <a:latin typeface="Segoe UI" panose="020B0502040204020203" pitchFamily="34" charset="0"/>
-                <a:ea typeface="Calibri" panose="020F0502020204030204" pitchFamily="34" charset="0"/>
-                <a:cs typeface="Times New Roman" panose="02020603050405020304" pitchFamily="18" charset="0"/>
-              </a:rPr>
-              <a:t>there </a:t>
-            </a:r>
-            <a:r>
-              <a:rPr lang="en" dirty="0">
-                <a:latin typeface="Segoe UI" panose="020B0502040204020203" pitchFamily="34" charset="0"/>
-                <a:ea typeface="Calibri" panose="020F0502020204030204" pitchFamily="34" charset="0"/>
-                <a:cs typeface="Times New Roman" panose="02020603050405020304" pitchFamily="18" charset="0"/>
-              </a:rPr>
-              <a:t>are </a:t>
-            </a:r>
-            <a:r>
-              <a:rPr lang="en" dirty="0" err="1">
-                <a:latin typeface="Segoe UI" panose="020B0502040204020203" pitchFamily="34" charset="0"/>
-                <a:ea typeface="Calibri" panose="020F0502020204030204" pitchFamily="34" charset="0"/>
-                <a:cs typeface="Times New Roman" panose="02020603050405020304" pitchFamily="18" charset="0"/>
-              </a:rPr>
-              <a:t>two</a:t>
-            </a:r>
-            <a:r>
-              <a:rPr lang="en" dirty="0">
-                <a:latin typeface="Segoe UI" panose="020B0502040204020203" pitchFamily="34" charset="0"/>
-                <a:ea typeface="Calibri" panose="020F0502020204030204" pitchFamily="34" charset="0"/>
-                <a:cs typeface="Times New Roman" panose="02020603050405020304" pitchFamily="18" charset="0"/>
-              </a:rPr>
-              <a:t> </a:t>
-            </a:r>
-            <a:r>
-              <a:rPr lang="en" dirty="0" err="1">
-                <a:latin typeface="Segoe UI" panose="020B0502040204020203" pitchFamily="34" charset="0"/>
-                <a:ea typeface="Calibri" panose="020F0502020204030204" pitchFamily="34" charset="0"/>
-                <a:cs typeface="Times New Roman" panose="02020603050405020304" pitchFamily="18" charset="0"/>
-              </a:rPr>
-              <a:t>categories </a:t>
-            </a:r>
-            <a:r>
-              <a:rPr lang="en" dirty="0">
-                <a:latin typeface="Segoe UI" panose="020B0502040204020203" pitchFamily="34" charset="0"/>
-                <a:ea typeface="Calibri" panose="020F0502020204030204" pitchFamily="34" charset="0"/>
-                <a:cs typeface="Times New Roman" panose="02020603050405020304" pitchFamily="18" charset="0"/>
-              </a:rPr>
-              <a:t>of </a:t>
-            </a:r>
-            <a:r>
-              <a:rPr lang="en" dirty="0" smtClean="0">
-                <a:latin typeface="Segoe UI" panose="020B0502040204020203" pitchFamily="34" charset="0"/>
-                <a:ea typeface="Calibri" panose="020F0502020204030204" pitchFamily="34" charset="0"/>
-                <a:cs typeface="Times New Roman" panose="02020603050405020304" pitchFamily="18" charset="0"/>
-              </a:rPr>
-              <a:t>rectangles </a:t>
-            </a:r>
-            <a:r>
-              <a:rPr lang="en" sz="1400" dirty="0" smtClean="0">
-                <a:latin typeface="Calibri" panose="020F0502020204030204" pitchFamily="34" charset="0"/>
-                <a:ea typeface="Calibri" panose="020F0502020204030204" pitchFamily="34" charset="0"/>
-                <a:cs typeface="Times New Roman" panose="02020603050405020304" pitchFamily="18" charset="0"/>
-              </a:rPr>
-              <a:t>, </a:t>
-            </a:r>
-            <a:r>
-              <a:rPr lang="en" dirty="0" smtClean="0">
-                <a:latin typeface="Segoe UI" panose="020B0502040204020203" pitchFamily="34" charset="0"/>
-                <a:ea typeface="Calibri" panose="020F0502020204030204" pitchFamily="34" charset="0"/>
-                <a:cs typeface="Times New Roman" panose="02020603050405020304" pitchFamily="18" charset="0"/>
-              </a:rPr>
-              <a:t>there </a:t>
-            </a:r>
-            <a:r>
-              <a:rPr lang="en" dirty="0">
-                <a:latin typeface="Segoe UI" panose="020B0502040204020203" pitchFamily="34" charset="0"/>
-                <a:ea typeface="Calibri" panose="020F0502020204030204" pitchFamily="34" charset="0"/>
-                <a:cs typeface="Times New Roman" panose="02020603050405020304" pitchFamily="18" charset="0"/>
-              </a:rPr>
-              <a:t>are </a:t>
-            </a:r>
-            <a:r>
-              <a:rPr lang="en" dirty="0" err="1">
-                <a:latin typeface="Segoe UI" panose="020B0502040204020203" pitchFamily="34" charset="0"/>
-                <a:ea typeface="Calibri" panose="020F0502020204030204" pitchFamily="34" charset="0"/>
-                <a:cs typeface="Times New Roman" panose="02020603050405020304" pitchFamily="18" charset="0"/>
-              </a:rPr>
-              <a:t>worms </a:t>
-            </a:r>
-            <a:r>
-              <a:rPr lang="en" dirty="0">
-                <a:latin typeface="Segoe UI" panose="020B0502040204020203" pitchFamily="34" charset="0"/>
-                <a:ea typeface="Calibri" panose="020F0502020204030204" pitchFamily="34" charset="0"/>
-                <a:cs typeface="Times New Roman" panose="02020603050405020304" pitchFamily="18" charset="0"/>
-              </a:rPr>
-              <a:t>and </a:t>
-            </a:r>
-            <a:r>
-              <a:rPr lang="en" dirty="0" err="1">
-                <a:latin typeface="Segoe UI" panose="020B0502040204020203" pitchFamily="34" charset="0"/>
-                <a:ea typeface="Calibri" panose="020F0502020204030204" pitchFamily="34" charset="0"/>
-                <a:cs typeface="Times New Roman" panose="02020603050405020304" pitchFamily="18" charset="0"/>
-              </a:rPr>
-              <a:t>there are</a:t>
-            </a:r>
-            <a:r>
-              <a:rPr lang="en" dirty="0">
-                <a:latin typeface="Segoe UI" panose="020B0502040204020203" pitchFamily="34" charset="0"/>
-                <a:ea typeface="Calibri" panose="020F0502020204030204" pitchFamily="34" charset="0"/>
-                <a:cs typeface="Times New Roman" panose="02020603050405020304" pitchFamily="18" charset="0"/>
-              </a:rPr>
-              <a:t> </a:t>
-            </a:r>
-            <a:r>
-              <a:rPr lang="en" dirty="0" err="1">
-                <a:latin typeface="Segoe UI" panose="020B0502040204020203" pitchFamily="34" charset="0"/>
-                <a:ea typeface="Calibri" panose="020F0502020204030204" pitchFamily="34" charset="0"/>
-                <a:cs typeface="Times New Roman" panose="02020603050405020304" pitchFamily="18" charset="0"/>
-              </a:rPr>
-              <a:t>East</a:t>
-            </a:r>
-            <a:r>
-              <a:rPr lang="en" dirty="0">
-                <a:latin typeface="Segoe UI" panose="020B0502040204020203" pitchFamily="34" charset="0"/>
-                <a:ea typeface="Calibri" panose="020F0502020204030204" pitchFamily="34" charset="0"/>
-                <a:cs typeface="Times New Roman" panose="02020603050405020304" pitchFamily="18" charset="0"/>
-              </a:rPr>
-              <a:t> </a:t>
-            </a:r>
-            <a:r>
-              <a:rPr lang="en" dirty="0" err="1">
-                <a:latin typeface="Segoe UI" panose="020B0502040204020203" pitchFamily="34" charset="0"/>
-                <a:ea typeface="Calibri" panose="020F0502020204030204" pitchFamily="34" charset="0"/>
-                <a:cs typeface="Times New Roman" panose="02020603050405020304" pitchFamily="18" charset="0"/>
-              </a:rPr>
-              <a:t>only </a:t>
-            </a:r>
-            <a:r>
-              <a:rPr lang="en" dirty="0">
-                <a:latin typeface="Segoe UI" panose="020B0502040204020203" pitchFamily="34" charset="0"/>
-                <a:ea typeface="Calibri" panose="020F0502020204030204" pitchFamily="34" charset="0"/>
-                <a:cs typeface="Times New Roman" panose="02020603050405020304" pitchFamily="18" charset="0"/>
-              </a:rPr>
-              <a:t>one </a:t>
-            </a:r>
-            <a:r>
-              <a:rPr lang="en" dirty="0" err="1">
-                <a:latin typeface="Segoe UI" panose="020B0502040204020203" pitchFamily="34" charset="0"/>
-                <a:ea typeface="Calibri" panose="020F0502020204030204" pitchFamily="34" charset="0"/>
-                <a:cs typeface="Times New Roman" panose="02020603050405020304" pitchFamily="18" charset="0"/>
-              </a:rPr>
-              <a:t>who</a:t>
-            </a:r>
-            <a:r>
-              <a:rPr lang="en" dirty="0">
-                <a:latin typeface="Segoe UI" panose="020B0502040204020203" pitchFamily="34" charset="0"/>
-                <a:ea typeface="Calibri" panose="020F0502020204030204" pitchFamily="34" charset="0"/>
-                <a:cs typeface="Times New Roman" panose="02020603050405020304" pitchFamily="18" charset="0"/>
-              </a:rPr>
-              <a:t> </a:t>
-            </a:r>
-            <a:r>
-              <a:rPr lang="en" dirty="0" err="1">
-                <a:latin typeface="Segoe UI" panose="020B0502040204020203" pitchFamily="34" charset="0"/>
-                <a:ea typeface="Calibri" panose="020F0502020204030204" pitchFamily="34" charset="0"/>
-                <a:cs typeface="Times New Roman" panose="02020603050405020304" pitchFamily="18" charset="0"/>
-              </a:rPr>
-              <a:t>East</a:t>
-            </a:r>
-            <a:r>
-              <a:rPr lang="en" dirty="0">
-                <a:latin typeface="Segoe UI" panose="020B0502040204020203" pitchFamily="34" charset="0"/>
-                <a:ea typeface="Calibri" panose="020F0502020204030204" pitchFamily="34" charset="0"/>
-                <a:cs typeface="Times New Roman" panose="02020603050405020304" pitchFamily="18" charset="0"/>
-              </a:rPr>
-              <a:t> </a:t>
-            </a:r>
-            <a:r>
-              <a:rPr lang="en" dirty="0" err="1">
-                <a:latin typeface="Segoe UI" panose="020B0502040204020203" pitchFamily="34" charset="0"/>
-                <a:ea typeface="Calibri" panose="020F0502020204030204" pitchFamily="34" charset="0"/>
-                <a:cs typeface="Times New Roman" panose="02020603050405020304" pitchFamily="18" charset="0"/>
-              </a:rPr>
-              <a:t>blue </a:t>
-            </a:r>
-            <a:r>
-              <a:rPr lang="en" dirty="0">
-                <a:latin typeface="Segoe UI" panose="020B0502040204020203" pitchFamily="34" charset="0"/>
-                <a:ea typeface="Calibri" panose="020F0502020204030204" pitchFamily="34" charset="0"/>
-                <a:cs typeface="Times New Roman" panose="02020603050405020304" pitchFamily="18" charset="0"/>
-              </a:rPr>
-              <a:t>and </a:t>
-            </a:r>
-            <a:r>
-              <a:rPr lang="en" dirty="0" err="1">
-                <a:latin typeface="Segoe UI" panose="020B0502040204020203" pitchFamily="34" charset="0"/>
-                <a:ea typeface="Calibri" panose="020F0502020204030204" pitchFamily="34" charset="0"/>
-                <a:cs typeface="Times New Roman" panose="02020603050405020304" pitchFamily="18" charset="0"/>
-              </a:rPr>
-              <a:t>that</a:t>
-            </a:r>
-            <a:r>
-              <a:rPr lang="en" dirty="0">
-                <a:latin typeface="Segoe UI" panose="020B0502040204020203" pitchFamily="34" charset="0"/>
-                <a:ea typeface="Calibri" panose="020F0502020204030204" pitchFamily="34" charset="0"/>
-                <a:cs typeface="Times New Roman" panose="02020603050405020304" pitchFamily="18" charset="0"/>
-              </a:rPr>
-              <a:t> </a:t>
-            </a:r>
-            <a:r>
-              <a:rPr lang="en" dirty="0" err="1">
-                <a:latin typeface="Segoe UI" panose="020B0502040204020203" pitchFamily="34" charset="0"/>
-                <a:ea typeface="Calibri" panose="020F0502020204030204" pitchFamily="34" charset="0"/>
-                <a:cs typeface="Times New Roman" panose="02020603050405020304" pitchFamily="18" charset="0"/>
-              </a:rPr>
-              <a:t>represents </a:t>
-            </a:r>
-            <a:r>
-              <a:rPr lang="en" dirty="0">
-                <a:latin typeface="Segoe UI" panose="020B0502040204020203" pitchFamily="34" charset="0"/>
-                <a:ea typeface="Calibri" panose="020F0502020204030204" pitchFamily="34" charset="0"/>
-                <a:cs typeface="Times New Roman" panose="02020603050405020304" pitchFamily="18" charset="0"/>
-              </a:rPr>
-              <a:t>the total</a:t>
-            </a:r>
-            <a:endParaRPr lang="en-US" sz="1400" dirty="0">
-              <a:effectLst/>
-              <a:latin typeface="Calibri" panose="020F0502020204030204" pitchFamily="34" charset="0"/>
+              <a:t>Note: If the year values are not displayed in theincreasing order then it is possible to change the order</a:t>
+            </a:r>
+            <a:endParaRPr lang="en" b="1" dirty="0" smtClean="0">
+              <a:latin typeface="Segoe UI" panose="020B0502040204020203" pitchFamily="34" charset="0"/>
               <a:ea typeface="Calibri" panose="020F0502020204030204" pitchFamily="34" charset="0"/>
               <a:cs typeface="Times New Roman" panose="02020603050405020304" pitchFamily="18" charset="0"/>
             </a:endParaRPr>
@@ -4059,7 +4264,7 @@
       </p:sp>
       <p:pic>
         <p:nvPicPr>
-          <p:cNvPr id="5" name="Picture 4"/>
+          <p:cNvPr id="4" name="Picture 3"/>
           <p:cNvPicPr>
             <a:picLocks noChangeAspect="1"/>
           </p:cNvPicPr>
@@ -4073,76 +4278,53 @@
         </p:blipFill>
         <p:spPr>
           <a:xfrm>
-            <a:off x="545095" y="1583099"/>
-            <a:ext cx="4260121" cy="3580167"/>
+            <a:off x="374966" y="1409189"/>
+            <a:ext cx="10784247" cy="3570943"/>
           </a:xfrm>
           <a:prstGeom prst="rect">
             <a:avLst/>
           </a:prstGeom>
-          <a:ln>
-            <a:noFill/>
-          </a:ln>
-          <a:effectLst>
-            <a:outerShdw blurRad="292100" dist="139700" dir="2700000" algn="tl" rotWithShape="0">
-              <a:srgbClr val="333333">
-                <a:alpha val="65000"/>
-              </a:srgbClr>
-            </a:outerShdw>
-          </a:effectLst>
         </p:spPr>
       </p:pic>
       <p:pic>
         <p:nvPicPr>
-          <p:cNvPr id="8" name="Picture 7"/>
+          <p:cNvPr id="12" name="Picture 11"/>
           <p:cNvPicPr>
             <a:picLocks noChangeAspect="1"/>
           </p:cNvPicPr>
           <p:nvPr/>
         </p:nvPicPr>
-        <p:blipFill>
-          <a:blip r:embed="rId3"/>
-          <a:stretch>
-            <a:fillRect/>
-          </a:stretch>
+        <p:blipFill rotWithShape="1">
+          <a:blip r:embed="rId2"/>
+          <a:srcRect l="69365" b="30683"/>
+          <a:stretch/>
         </p:blipFill>
         <p:spPr>
           <a:xfrm>
-            <a:off x="5289481" y="1501987"/>
-            <a:ext cx="4680069" cy="3661279"/>
+            <a:off x="3430719" y="2694851"/>
+            <a:ext cx="4558249" cy="3415162"/>
           </a:xfrm>
           <a:prstGeom prst="rect">
             <a:avLst/>
           </a:prstGeom>
-          <a:ln>
-            <a:noFill/>
-          </a:ln>
-          <a:effectLst>
-            <a:outerShdw blurRad="292100" dist="139700" dir="2700000" algn="tl" rotWithShape="0">
-              <a:srgbClr val="333333">
-                <a:alpha val="65000"/>
-              </a:srgbClr>
-            </a:outerShdw>
-          </a:effectLst>
         </p:spPr>
       </p:pic>
       <p:sp>
         <p:nvSpPr>
-          <p:cNvPr id="9" name="Rectangle 8"/>
+          <p:cNvPr id="7" name="Oval 6"/>
           <p:cNvSpPr/>
           <p:nvPr/>
         </p:nvSpPr>
         <p:spPr>
           <a:xfrm>
-            <a:off x="1931928" y="3265714"/>
-            <a:ext cx="2007555" cy="206256"/>
-          </a:xfrm>
-          <a:prstGeom prst="rect">
+            <a:off x="2646947" y="2229873"/>
+            <a:ext cx="385011" cy="364385"/>
+          </a:xfrm>
+          <a:prstGeom prst="ellipse">
             <a:avLst/>
           </a:prstGeom>
           <a:solidFill>
-            <a:srgbClr val="FF0000">
-              <a:alpha val="18000"/>
-            </a:srgbClr>
+            <a:srgbClr val="FF0000"/>
           </a:solidFill>
           <a:ln>
             <a:noFill/>
@@ -4169,28 +4351,30 @@
           <a:lstStyle/>
           <a:p>
             <a:pPr algn="ctr"/>
-            <a:endParaRPr lang="en-US"/>
-          </a:p>
-        </p:txBody>
-      </p:sp>
-      <p:sp>
-        <p:nvSpPr>
-          <p:cNvPr id="10" name="Rectangle 9"/>
+            <a:r>
+              <a:rPr lang="fr-FR" b="1" dirty="0" smtClean="0"/>
+              <a:t>1</a:t>
+            </a:r>
+            <a:endParaRPr lang="en-US" b="1" dirty="0"/>
+          </a:p>
+        </p:txBody>
+      </p:sp>
+      <p:sp>
+        <p:nvSpPr>
+          <p:cNvPr id="13" name="Oval 12"/>
           <p:cNvSpPr/>
           <p:nvPr/>
         </p:nvSpPr>
         <p:spPr>
           <a:xfrm>
-            <a:off x="7446975" y="2331835"/>
-            <a:ext cx="2130162" cy="205109"/>
-          </a:xfrm>
-          <a:prstGeom prst="rect">
+            <a:off x="4971906" y="4402432"/>
+            <a:ext cx="385011" cy="364385"/>
+          </a:xfrm>
+          <a:prstGeom prst="ellipse">
             <a:avLst/>
           </a:prstGeom>
           <a:solidFill>
-            <a:srgbClr val="FF0000">
-              <a:alpha val="18000"/>
-            </a:srgbClr>
+            <a:srgbClr val="FF0000"/>
           </a:solidFill>
           <a:ln>
             <a:noFill/>
@@ -4217,14 +4401,250 @@
           <a:lstStyle/>
           <a:p>
             <a:pPr algn="ctr"/>
-            <a:endParaRPr lang="en-US"/>
+            <a:r>
+              <a:rPr lang="fr-FR" b="1" dirty="0" smtClean="0"/>
+              <a:t>2</a:t>
+            </a:r>
+            <a:endParaRPr lang="en-US" b="1" dirty="0"/>
+          </a:p>
+        </p:txBody>
+      </p:sp>
+      <p:sp>
+        <p:nvSpPr>
+          <p:cNvPr id="14" name="Oval 13"/>
+          <p:cNvSpPr/>
+          <p:nvPr/>
+        </p:nvSpPr>
+        <p:spPr>
+          <a:xfrm>
+            <a:off x="6898104" y="4404836"/>
+            <a:ext cx="385011" cy="364385"/>
+          </a:xfrm>
+          <a:prstGeom prst="ellipse">
+            <a:avLst/>
+          </a:prstGeom>
+          <a:solidFill>
+            <a:srgbClr val="FF0000"/>
+          </a:solidFill>
+          <a:ln>
+            <a:noFill/>
+          </a:ln>
+        </p:spPr>
+        <p:style>
+          <a:lnRef idx="2">
+            <a:schemeClr val="accent1">
+              <a:shade val="50000"/>
+            </a:schemeClr>
+          </a:lnRef>
+          <a:fillRef idx="1">
+            <a:schemeClr val="accent1"/>
+          </a:fillRef>
+          <a:effectRef idx="0">
+            <a:schemeClr val="accent1"/>
+          </a:effectRef>
+          <a:fontRef idx="minor">
+            <a:schemeClr val="lt1"/>
+          </a:fontRef>
+        </p:style>
+        <p:txBody>
+          <a:bodyPr rtlCol="0" anchor="ctr"/>
+          <a:lstStyle/>
+          <a:p>
+            <a:pPr algn="ctr"/>
+            <a:r>
+              <a:rPr lang="fr-FR" b="1" dirty="0" smtClean="0"/>
+              <a:t>3</a:t>
+            </a:r>
+            <a:endParaRPr lang="en-US" b="1" dirty="0"/>
+          </a:p>
+        </p:txBody>
+      </p:sp>
+      <p:sp>
+        <p:nvSpPr>
+          <p:cNvPr id="15" name="Oval 14"/>
+          <p:cNvSpPr/>
+          <p:nvPr/>
+        </p:nvSpPr>
+        <p:spPr>
+          <a:xfrm>
+            <a:off x="7404577" y="5372067"/>
+            <a:ext cx="378135" cy="364385"/>
+          </a:xfrm>
+          <a:prstGeom prst="ellipse">
+            <a:avLst/>
+          </a:prstGeom>
+          <a:solidFill>
+            <a:srgbClr val="FF0000"/>
+          </a:solidFill>
+          <a:ln>
+            <a:noFill/>
+          </a:ln>
+        </p:spPr>
+        <p:style>
+          <a:lnRef idx="2">
+            <a:schemeClr val="accent1">
+              <a:shade val="50000"/>
+            </a:schemeClr>
+          </a:lnRef>
+          <a:fillRef idx="1">
+            <a:schemeClr val="accent1"/>
+          </a:fillRef>
+          <a:effectRef idx="0">
+            <a:schemeClr val="accent1"/>
+          </a:effectRef>
+          <a:fontRef idx="minor">
+            <a:schemeClr val="lt1"/>
+          </a:fontRef>
+        </p:style>
+        <p:txBody>
+          <a:bodyPr rtlCol="0" anchor="ctr"/>
+          <a:lstStyle/>
+          <a:p>
+            <a:pPr algn="ctr"/>
+            <a:r>
+              <a:rPr lang="fr-FR" b="1" dirty="0" smtClean="0"/>
+              <a:t>4</a:t>
+            </a:r>
+            <a:endParaRPr lang="en-US" b="1" dirty="0"/>
+          </a:p>
+        </p:txBody>
+      </p:sp>
+      <p:sp>
+        <p:nvSpPr>
+          <p:cNvPr id="16" name="Rectangle 15"/>
+          <p:cNvSpPr/>
+          <p:nvPr/>
+        </p:nvSpPr>
+        <p:spPr>
+          <a:xfrm>
+            <a:off x="2986170" y="2239250"/>
+            <a:ext cx="1985736" cy="307777"/>
+          </a:xfrm>
+          <a:prstGeom prst="rect">
+            <a:avLst/>
+          </a:prstGeom>
+        </p:spPr>
+        <p:txBody>
+          <a:bodyPr wrap="none">
+            <a:spAutoFit/>
+          </a:bodyPr>
+          <a:lstStyle/>
+          <a:p>
+            <a:r>
+              <a:rPr lang="en" sz="1400" b="1" dirty="0" smtClean="0">
+                <a:latin typeface="Segoe UI" panose="020B0502040204020203" pitchFamily="34" charset="0"/>
+                <a:ea typeface="Calibri" panose="020F0502020204030204" pitchFamily="34" charset="0"/>
+                <a:cs typeface="Times New Roman" panose="02020603050405020304" pitchFamily="18" charset="0"/>
+              </a:rPr>
+              <a:t>Click the three points</a:t>
+            </a:r>
+            <a:endParaRPr lang="en-US" sz="1400" b="1" dirty="0"/>
+          </a:p>
+        </p:txBody>
+      </p:sp>
+      <p:sp>
+        <p:nvSpPr>
+          <p:cNvPr id="17" name="Rectangle 16"/>
+          <p:cNvSpPr/>
+          <p:nvPr/>
+        </p:nvSpPr>
+        <p:spPr>
+          <a:xfrm>
+            <a:off x="3727859" y="4746267"/>
+            <a:ext cx="1775230" cy="307777"/>
+          </a:xfrm>
+          <a:prstGeom prst="rect">
+            <a:avLst/>
+          </a:prstGeom>
+        </p:spPr>
+        <p:txBody>
+          <a:bodyPr wrap="none">
+            <a:spAutoFit/>
+          </a:bodyPr>
+          <a:lstStyle/>
+          <a:p>
+            <a:r>
+              <a:rPr lang="en" sz="1400" b="1" dirty="0" smtClean="0">
+                <a:latin typeface="Segoe UI" panose="020B0502040204020203" pitchFamily="34" charset="0"/>
+                <a:ea typeface="Calibri" panose="020F0502020204030204" pitchFamily="34" charset="0"/>
+                <a:cs typeface="Times New Roman" panose="02020603050405020304" pitchFamily="18" charset="0"/>
+              </a:rPr>
+              <a:t>Chose the sort axis</a:t>
+            </a:r>
+            <a:endParaRPr lang="en-US" sz="1400" b="1" dirty="0"/>
+          </a:p>
+        </p:txBody>
+      </p:sp>
+      <p:sp>
+        <p:nvSpPr>
+          <p:cNvPr id="18" name="Rectangle 17"/>
+          <p:cNvSpPr/>
+          <p:nvPr/>
+        </p:nvSpPr>
+        <p:spPr>
+          <a:xfrm>
+            <a:off x="7326589" y="4449516"/>
+            <a:ext cx="2902013" cy="307777"/>
+          </a:xfrm>
+          <a:prstGeom prst="rect">
+            <a:avLst/>
+          </a:prstGeom>
+        </p:spPr>
+        <p:txBody>
+          <a:bodyPr wrap="none">
+            <a:spAutoFit/>
+          </a:bodyPr>
+          <a:lstStyle/>
+          <a:p>
+            <a:r>
+              <a:rPr lang="en" sz="1400" b="1" dirty="0" smtClean="0">
+                <a:latin typeface="Segoe UI" panose="020B0502040204020203" pitchFamily="34" charset="0"/>
+                <a:ea typeface="Calibri" panose="020F0502020204030204" pitchFamily="34" charset="0"/>
+                <a:cs typeface="Times New Roman" panose="02020603050405020304" pitchFamily="18" charset="0"/>
+              </a:rPr>
+              <a:t>Chose the year as sorting critera</a:t>
+            </a:r>
+            <a:endParaRPr lang="en-US" sz="1400" b="1" dirty="0"/>
+          </a:p>
+        </p:txBody>
+      </p:sp>
+      <p:sp>
+        <p:nvSpPr>
+          <p:cNvPr id="19" name="Rectangle 18"/>
+          <p:cNvSpPr/>
+          <p:nvPr/>
+        </p:nvSpPr>
+        <p:spPr>
+          <a:xfrm>
+            <a:off x="7798860" y="5391184"/>
+            <a:ext cx="2099549" cy="307777"/>
+          </a:xfrm>
+          <a:prstGeom prst="rect">
+            <a:avLst/>
+          </a:prstGeom>
+        </p:spPr>
+        <p:txBody>
+          <a:bodyPr wrap="none">
+            <a:spAutoFit/>
+          </a:bodyPr>
+          <a:lstStyle/>
+          <a:p>
+            <a:r>
+              <a:rPr lang="en" sz="1400" b="1" dirty="0" smtClean="0">
+                <a:latin typeface="Segoe UI" panose="020B0502040204020203" pitchFamily="34" charset="0"/>
+                <a:ea typeface="Calibri" panose="020F0502020204030204" pitchFamily="34" charset="0"/>
+                <a:cs typeface="Times New Roman" panose="02020603050405020304" pitchFamily="18" charset="0"/>
+              </a:rPr>
+              <a:t>Chose ascending order</a:t>
+            </a:r>
+            <a:endParaRPr lang="en-US" sz="1400" b="1" dirty="0"/>
           </a:p>
         </p:txBody>
       </p:sp>
     </p:spTree>
     <p:extLst>
       <p:ext uri="{BB962C8B-B14F-4D97-AF65-F5344CB8AC3E}">
-        <p14:creationId xmlns:p14="http://schemas.microsoft.com/office/powerpoint/2010/main" val="2940535648"/>
+        <p14:creationId xmlns:p14="http://schemas.microsoft.com/office/powerpoint/2010/main" val="1007299270"/>
       </p:ext>
     </p:extLst>
   </p:cSld>
@@ -4287,55 +4707,9 @@
           </a:p>
         </p:txBody>
       </p:sp>
-      <p:sp>
-        <p:nvSpPr>
-          <p:cNvPr id="4" name="Rectangle 3"/>
-          <p:cNvSpPr/>
-          <p:nvPr/>
-        </p:nvSpPr>
-        <p:spPr>
-          <a:xfrm>
-            <a:off x="490429" y="877670"/>
-            <a:ext cx="10200488" cy="373692"/>
-          </a:xfrm>
-          <a:prstGeom prst="rect">
-            <a:avLst/>
-          </a:prstGeom>
-        </p:spPr>
-        <p:txBody>
-          <a:bodyPr wrap="square">
-            <a:spAutoFit/>
-          </a:bodyPr>
-          <a:lstStyle/>
-          <a:p>
-            <a:pPr lvl="0">
-              <a:lnSpc>
-                <a:spcPct val="107000"/>
-              </a:lnSpc>
-              <a:spcAft>
-                <a:spcPts val="800"/>
-              </a:spcAft>
-            </a:pPr>
-            <a:r>
-              <a:rPr lang="en" dirty="0" smtClean="0">
-                <a:latin typeface="Segoe UI" panose="020B0502040204020203" pitchFamily="34" charset="0"/>
-                <a:ea typeface="Calibri" panose="020F0502020204030204" pitchFamily="34" charset="0"/>
-                <a:cs typeface="Times New Roman" panose="02020603050405020304" pitchFamily="18" charset="0"/>
-              </a:rPr>
-              <a:t>Click on More options and change the order of the years, then the quantities sold</a:t>
-            </a:r>
-            <a:endParaRPr lang="en-US" sz="1400" dirty="0">
-              <a:effectLst/>
-              <a:latin typeface="Calibri" panose="020F0502020204030204" pitchFamily="34" charset="0"/>
-              <a:ea typeface="Calibri" panose="020F0502020204030204" pitchFamily="34" charset="0"/>
-              <a:cs typeface="Times New Roman" panose="02020603050405020304" pitchFamily="18" charset="0"/>
-            </a:endParaRPr>
-          </a:p>
-        </p:txBody>
-      </p:sp>
       <p:pic>
         <p:nvPicPr>
-          <p:cNvPr id="3" name="Picture 2"/>
+          <p:cNvPr id="6" name="Picture 5"/>
           <p:cNvPicPr>
             <a:picLocks noChangeAspect="1"/>
           </p:cNvPicPr>
@@ -4349,130 +4723,18 @@
         </p:blipFill>
         <p:spPr>
           <a:xfrm>
-            <a:off x="641815" y="1553792"/>
-            <a:ext cx="4286748" cy="3361967"/>
+            <a:off x="323133" y="819858"/>
+            <a:ext cx="6173061" cy="3705742"/>
           </a:xfrm>
           <a:prstGeom prst="rect">
             <a:avLst/>
           </a:prstGeom>
-          <a:ln>
-            <a:noFill/>
-          </a:ln>
-          <a:effectLst>
-            <a:outerShdw blurRad="292100" dist="139700" dir="2700000" algn="tl" rotWithShape="0">
-              <a:srgbClr val="333333">
-                <a:alpha val="65000"/>
-              </a:srgbClr>
-            </a:outerShdw>
-          </a:effectLst>
-        </p:spPr>
-      </p:pic>
-      <p:pic>
-        <p:nvPicPr>
-          <p:cNvPr id="5" name="Picture 4"/>
-          <p:cNvPicPr>
-            <a:picLocks noChangeAspect="1"/>
-          </p:cNvPicPr>
-          <p:nvPr/>
-        </p:nvPicPr>
-        <p:blipFill>
-          <a:blip r:embed="rId3"/>
-          <a:stretch>
-            <a:fillRect/>
-          </a:stretch>
-        </p:blipFill>
-        <p:spPr>
-          <a:xfrm>
-            <a:off x="3435415" y="1379166"/>
-            <a:ext cx="1724266" cy="1390844"/>
-          </a:xfrm>
-          <a:prstGeom prst="rect">
-            <a:avLst/>
-          </a:prstGeom>
-          <a:ln>
-            <a:noFill/>
-          </a:ln>
-          <a:effectLst>
-            <a:outerShdw blurRad="292100" dist="139700" dir="2700000" algn="tl" rotWithShape="0">
-              <a:srgbClr val="333333">
-                <a:alpha val="65000"/>
-              </a:srgbClr>
-            </a:outerShdw>
-          </a:effectLst>
-        </p:spPr>
-      </p:pic>
-      <p:pic>
-        <p:nvPicPr>
-          <p:cNvPr id="8" name="Picture 7"/>
-          <p:cNvPicPr>
-            <a:picLocks noChangeAspect="1"/>
-          </p:cNvPicPr>
-          <p:nvPr/>
-        </p:nvPicPr>
-        <p:blipFill>
-          <a:blip r:embed="rId4"/>
-          <a:stretch>
-            <a:fillRect/>
-          </a:stretch>
-        </p:blipFill>
-        <p:spPr>
-          <a:xfrm>
-            <a:off x="5159681" y="2584613"/>
-            <a:ext cx="1743318" cy="905001"/>
-          </a:xfrm>
-          <a:prstGeom prst="rect">
-            <a:avLst/>
-          </a:prstGeom>
-          <a:ln>
-            <a:noFill/>
-          </a:ln>
-          <a:effectLst>
-            <a:outerShdw blurRad="292100" dist="139700" dir="2700000" algn="tl" rotWithShape="0">
-              <a:srgbClr val="333333">
-                <a:alpha val="65000"/>
-              </a:srgbClr>
-            </a:outerShdw>
-          </a:effectLst>
-        </p:spPr>
-      </p:pic>
-      <p:pic>
-        <p:nvPicPr>
-          <p:cNvPr id="9" name="Picture 8"/>
-          <p:cNvPicPr>
-            <a:picLocks noChangeAspect="1"/>
-          </p:cNvPicPr>
-          <p:nvPr/>
-        </p:nvPicPr>
-        <p:blipFill>
-          <a:blip r:embed="rId5"/>
-          <a:stretch>
-            <a:fillRect/>
-          </a:stretch>
-        </p:blipFill>
-        <p:spPr>
-          <a:xfrm>
-            <a:off x="7284040" y="1495456"/>
-            <a:ext cx="4084645" cy="3478638"/>
-          </a:xfrm>
-          <a:prstGeom prst="rect">
-            <a:avLst/>
-          </a:prstGeom>
-          <a:ln>
-            <a:noFill/>
-          </a:ln>
-          <a:effectLst>
-            <a:outerShdw blurRad="292100" dist="139700" dir="2700000" algn="tl" rotWithShape="0">
-              <a:srgbClr val="333333">
-                <a:alpha val="65000"/>
-              </a:srgbClr>
-            </a:outerShdw>
-          </a:effectLst>
         </p:spPr>
       </p:pic>
     </p:spTree>
     <p:extLst>
       <p:ext uri="{BB962C8B-B14F-4D97-AF65-F5344CB8AC3E}">
-        <p14:creationId xmlns:p14="http://schemas.microsoft.com/office/powerpoint/2010/main" val="3073395988"/>
+        <p14:creationId xmlns:p14="http://schemas.microsoft.com/office/powerpoint/2010/main" val="201341295"/>
       </p:ext>
     </p:extLst>
   </p:cSld>
@@ -4537,14 +4799,14 @@
       </p:sp>
       <p:sp>
         <p:nvSpPr>
-          <p:cNvPr id="6" name="Rectangle 5"/>
+          <p:cNvPr id="3" name="Rectangle 2"/>
           <p:cNvSpPr/>
           <p:nvPr/>
         </p:nvSpPr>
         <p:spPr>
           <a:xfrm>
-            <a:off x="405633" y="799910"/>
-            <a:ext cx="9054623" cy="373692"/>
+            <a:off x="394177" y="816928"/>
+            <a:ext cx="10908632" cy="373692"/>
           </a:xfrm>
           <a:prstGeom prst="rect">
             <a:avLst/>
@@ -4561,7 +4823,7 @@
                 <a:spcPct val="107000"/>
               </a:lnSpc>
               <a:spcAft>
-                <a:spcPts val="800"/>
+                <a:spcPts val="0"/>
               </a:spcAft>
             </a:pPr>
             <a:r>
@@ -4570,7 +4832,7 @@
                 <a:ea typeface="Calibri" panose="020F0502020204030204" pitchFamily="34" charset="0"/>
                 <a:cs typeface="Times New Roman" panose="02020603050405020304" pitchFamily="18" charset="0"/>
               </a:rPr>
-              <a:t>Note the presence of the </a:t>
+              <a:t>Add </a:t>
             </a:r>
             <a:r>
               <a:rPr lang="en" b="1" dirty="0" smtClean="0">
@@ -4578,7 +4840,7 @@
                 <a:ea typeface="Calibri" panose="020F0502020204030204" pitchFamily="34" charset="0"/>
                 <a:cs typeface="Times New Roman" panose="02020603050405020304" pitchFamily="18" charset="0"/>
               </a:rPr>
-              <a:t>Breakdown parameter </a:t>
+              <a:t>Month</a:t>
             </a:r>
             <a:r>
               <a:rPr lang="en" dirty="0" smtClean="0">
@@ -4586,9 +4848,41 @@
                 <a:ea typeface="Calibri" panose="020F0502020204030204" pitchFamily="34" charset="0"/>
                 <a:cs typeface="Times New Roman" panose="02020603050405020304" pitchFamily="18" charset="0"/>
               </a:rPr>
-              <a:t>in the fields section</a:t>
-            </a:r>
-            <a:endParaRPr lang="en-US" sz="1400" dirty="0">
+              <a:t> from </a:t>
+            </a:r>
+            <a:r>
+              <a:rPr lang="en" b="1" dirty="0" smtClean="0">
+                <a:latin typeface="Segoe UI" panose="020B0502040204020203" pitchFamily="34" charset="0"/>
+                <a:ea typeface="Calibri" panose="020F0502020204030204" pitchFamily="34" charset="0"/>
+                <a:cs typeface="Times New Roman" panose="02020603050405020304" pitchFamily="18" charset="0"/>
+              </a:rPr>
+              <a:t>DimDate</a:t>
+            </a:r>
+            <a:r>
+              <a:rPr lang="en" dirty="0" smtClean="0">
+                <a:latin typeface="Segoe UI" panose="020B0502040204020203" pitchFamily="34" charset="0"/>
+                <a:ea typeface="Calibri" panose="020F0502020204030204" pitchFamily="34" charset="0"/>
+                <a:cs typeface="Times New Roman" panose="02020603050405020304" pitchFamily="18" charset="0"/>
+              </a:rPr>
+              <a:t> to the </a:t>
+            </a:r>
+            <a:r>
+              <a:rPr lang="en" b="1" dirty="0" smtClean="0">
+                <a:latin typeface="Segoe UI" panose="020B0502040204020203" pitchFamily="34" charset="0"/>
+                <a:ea typeface="Calibri" panose="020F0502020204030204" pitchFamily="34" charset="0"/>
+                <a:cs typeface="Times New Roman" panose="02020603050405020304" pitchFamily="18" charset="0"/>
+              </a:rPr>
+              <a:t>Break Down </a:t>
+            </a:r>
+            <a:r>
+              <a:rPr lang="en" dirty="0" smtClean="0">
+                <a:latin typeface="Segoe UI" panose="020B0502040204020203" pitchFamily="34" charset="0"/>
+                <a:ea typeface="Calibri" panose="020F0502020204030204" pitchFamily="34" charset="0"/>
+                <a:cs typeface="Times New Roman" panose="02020603050405020304" pitchFamily="18" charset="0"/>
+              </a:rPr>
+              <a:t>to break down the evolution of the trend through months </a:t>
+            </a:r>
+            <a:endParaRPr lang="en-US" sz="1400" b="1" dirty="0">
               <a:effectLst/>
               <a:latin typeface="Calibri" panose="020F0502020204030204" pitchFamily="34" charset="0"/>
               <a:ea typeface="Calibri" panose="020F0502020204030204" pitchFamily="34" charset="0"/>
@@ -4599,7 +4893,7 @@
       </p:sp>
       <p:pic>
         <p:nvPicPr>
-          <p:cNvPr id="8" name="Picture 7"/>
+          <p:cNvPr id="4" name="Picture 3"/>
           <p:cNvPicPr>
             <a:picLocks noChangeAspect="1"/>
           </p:cNvPicPr>
@@ -4613,41 +4907,55 @@
         </p:blipFill>
         <p:spPr>
           <a:xfrm>
-            <a:off x="546065" y="1496032"/>
-            <a:ext cx="2121507" cy="3248935"/>
+            <a:off x="494056" y="1485135"/>
+            <a:ext cx="8068801" cy="3791479"/>
           </a:xfrm>
           <a:prstGeom prst="rect">
             <a:avLst/>
           </a:prstGeom>
-          <a:ln>
-            <a:noFill/>
-          </a:ln>
-          <a:effectLst>
-            <a:outerShdw blurRad="292100" dist="139700" dir="2700000" algn="tl" rotWithShape="0">
-              <a:srgbClr val="333333">
-                <a:alpha val="65000"/>
-              </a:srgbClr>
-            </a:outerShdw>
-          </a:effectLst>
         </p:spPr>
       </p:pic>
-      <p:sp>
-        <p:nvSpPr>
-          <p:cNvPr id="9" name="Rectangle 8"/>
+      <p:pic>
+        <p:nvPicPr>
+          <p:cNvPr id="6" name="Picture 5"/>
+          <p:cNvPicPr>
+            <a:picLocks noChangeAspect="1"/>
+          </p:cNvPicPr>
+          <p:nvPr/>
+        </p:nvPicPr>
+        <p:blipFill>
+          <a:blip r:embed="rId3"/>
+          <a:stretch>
+            <a:fillRect/>
+          </a:stretch>
+        </p:blipFill>
+        <p:spPr>
+          <a:xfrm>
+            <a:off x="8634034" y="2071270"/>
+            <a:ext cx="2857899" cy="1876687"/>
+          </a:xfrm>
+          <a:prstGeom prst="rect">
+            <a:avLst/>
+          </a:prstGeom>
+        </p:spPr>
+      </p:pic>
+      <p:sp>
+        <p:nvSpPr>
+          <p:cNvPr id="11" name="Rectangle 10"/>
           <p:cNvSpPr/>
           <p:nvPr/>
         </p:nvSpPr>
         <p:spPr>
           <a:xfrm>
-            <a:off x="594192" y="2412354"/>
-            <a:ext cx="2121507" cy="708145"/>
+            <a:off x="8634034" y="3009613"/>
+            <a:ext cx="2857899" cy="288758"/>
           </a:xfrm>
           <a:prstGeom prst="rect">
             <a:avLst/>
           </a:prstGeom>
           <a:solidFill>
             <a:srgbClr val="FF0000">
-              <a:alpha val="18000"/>
+              <a:alpha val="30000"/>
             </a:srgbClr>
           </a:solidFill>
           <a:ln>
@@ -4679,10 +4987,82 @@
           </a:p>
         </p:txBody>
       </p:sp>
+      <p:cxnSp>
+        <p:nvCxnSpPr>
+          <p:cNvPr id="12" name="Straight Arrow Connector 11"/>
+          <p:cNvCxnSpPr/>
+          <p:nvPr/>
+        </p:nvCxnSpPr>
+        <p:spPr>
+          <a:xfrm>
+            <a:off x="4021985" y="2071270"/>
+            <a:ext cx="302508" cy="493175"/>
+          </a:xfrm>
+          <a:prstGeom prst="straightConnector1">
+            <a:avLst/>
+          </a:prstGeom>
+          <a:ln>
+            <a:solidFill>
+              <a:srgbClr val="FF0000"/>
+            </a:solidFill>
+            <a:tailEnd type="triangle"/>
+          </a:ln>
+        </p:spPr>
+        <p:style>
+          <a:lnRef idx="3">
+            <a:schemeClr val="accent2"/>
+          </a:lnRef>
+          <a:fillRef idx="0">
+            <a:schemeClr val="accent2"/>
+          </a:fillRef>
+          <a:effectRef idx="2">
+            <a:schemeClr val="accent2"/>
+          </a:effectRef>
+          <a:fontRef idx="minor">
+            <a:schemeClr val="tx1"/>
+          </a:fontRef>
+        </p:style>
+      </p:cxnSp>
+      <p:cxnSp>
+        <p:nvCxnSpPr>
+          <p:cNvPr id="14" name="Straight Arrow Connector 13"/>
+          <p:cNvCxnSpPr/>
+          <p:nvPr/>
+        </p:nvCxnSpPr>
+        <p:spPr>
+          <a:xfrm>
+            <a:off x="5848493" y="1824682"/>
+            <a:ext cx="302508" cy="493175"/>
+          </a:xfrm>
+          <a:prstGeom prst="straightConnector1">
+            <a:avLst/>
+          </a:prstGeom>
+          <a:ln>
+            <a:solidFill>
+              <a:srgbClr val="FF0000"/>
+            </a:solidFill>
+            <a:tailEnd type="triangle"/>
+          </a:ln>
+        </p:spPr>
+        <p:style>
+          <a:lnRef idx="3">
+            <a:schemeClr val="accent2"/>
+          </a:lnRef>
+          <a:fillRef idx="0">
+            <a:schemeClr val="accent2"/>
+          </a:fillRef>
+          <a:effectRef idx="2">
+            <a:schemeClr val="accent2"/>
+          </a:effectRef>
+          <a:fontRef idx="minor">
+            <a:schemeClr val="tx1"/>
+          </a:fontRef>
+        </p:style>
+      </p:cxnSp>
     </p:spTree>
     <p:extLst>
       <p:ext uri="{BB962C8B-B14F-4D97-AF65-F5344CB8AC3E}">
-        <p14:creationId xmlns:p14="http://schemas.microsoft.com/office/powerpoint/2010/main" val="2144580798"/>
+        <p14:creationId xmlns:p14="http://schemas.microsoft.com/office/powerpoint/2010/main" val="2940535648"/>
       </p:ext>
     </p:extLst>
   </p:cSld>
@@ -4747,133 +5127,134 @@
       </p:sp>
       <p:sp>
         <p:nvSpPr>
+          <p:cNvPr id="5" name="Rectangle 4"/>
+          <p:cNvSpPr/>
+          <p:nvPr/>
+        </p:nvSpPr>
+        <p:spPr>
+          <a:xfrm>
+            <a:off x="396998" y="769266"/>
+            <a:ext cx="3120278" cy="369332"/>
+          </a:xfrm>
+          <a:prstGeom prst="rect">
+            <a:avLst/>
+          </a:prstGeom>
+        </p:spPr>
+        <p:txBody>
+          <a:bodyPr wrap="none">
+            <a:spAutoFit/>
+          </a:bodyPr>
+          <a:lstStyle/>
+          <a:p>
+            <a:r>
+              <a:rPr lang="en-US" dirty="0"/>
+              <a:t>What Does the Breakdown Do?</a:t>
+            </a:r>
+          </a:p>
+        </p:txBody>
+      </p:sp>
+      <p:sp>
+        <p:nvSpPr>
           <p:cNvPr id="7" name="Rectangle 6"/>
           <p:cNvSpPr/>
           <p:nvPr/>
         </p:nvSpPr>
         <p:spPr>
           <a:xfrm>
-            <a:off x="323133" y="770656"/>
-            <a:ext cx="11220309" cy="685059"/>
+            <a:off x="396998" y="1253694"/>
+            <a:ext cx="5286768" cy="369332"/>
           </a:xfrm>
           <a:prstGeom prst="rect">
             <a:avLst/>
           </a:prstGeom>
         </p:spPr>
         <p:txBody>
+          <a:bodyPr wrap="none">
+            <a:spAutoFit/>
+          </a:bodyPr>
+          <a:lstStyle/>
+          <a:p>
+            <a:r>
+              <a:rPr lang="en-US" dirty="0" smtClean="0"/>
+              <a:t>It </a:t>
+            </a:r>
+            <a:r>
+              <a:rPr lang="en-US" b="1" dirty="0"/>
+              <a:t>decomposes</a:t>
+            </a:r>
+            <a:r>
+              <a:rPr lang="en-US" dirty="0"/>
+              <a:t> each year’s change by </a:t>
+            </a:r>
+            <a:r>
+              <a:rPr lang="en-US" dirty="0" smtClean="0"/>
+              <a:t>the</a:t>
+            </a:r>
+            <a:r>
+              <a:rPr lang="en-US" b="1" dirty="0" smtClean="0"/>
+              <a:t> Month </a:t>
+            </a:r>
+            <a:r>
+              <a:rPr lang="en-US" dirty="0" smtClean="0"/>
+              <a:t>field</a:t>
+            </a:r>
+            <a:endParaRPr lang="en-US" dirty="0"/>
+          </a:p>
+        </p:txBody>
+      </p:sp>
+      <p:sp>
+        <p:nvSpPr>
+          <p:cNvPr id="8" name="Rectangle 7"/>
+          <p:cNvSpPr/>
+          <p:nvPr/>
+        </p:nvSpPr>
+        <p:spPr>
+          <a:xfrm>
+            <a:off x="396998" y="1738122"/>
+            <a:ext cx="9675152" cy="646331"/>
+          </a:xfrm>
+          <a:prstGeom prst="rect">
+            <a:avLst/>
+          </a:prstGeom>
+        </p:spPr>
+        <p:txBody>
           <a:bodyPr wrap="square">
             <a:spAutoFit/>
           </a:bodyPr>
           <a:lstStyle/>
           <a:p>
-            <a:pPr lvl="0">
-              <a:lnSpc>
-                <a:spcPct val="107000"/>
-              </a:lnSpc>
-              <a:spcAft>
-                <a:spcPts val="800"/>
-              </a:spcAft>
+            <a:r>
+              <a:rPr lang="en-US" dirty="0"/>
+              <a:t>Now, for each year (2018, 2019, 2020...), Power BI shows:</a:t>
+            </a:r>
+          </a:p>
+          <a:p>
+            <a:pPr>
+              <a:buFont typeface="Arial" panose="020B0604020202020204" pitchFamily="34" charset="0"/>
+              <a:buChar char="•"/>
             </a:pPr>
             <a:r>
-              <a:rPr lang="en" dirty="0" smtClean="0">
-                <a:latin typeface="Segoe UI" panose="020B0502040204020203" pitchFamily="34" charset="0"/>
-                <a:ea typeface="Calibri" panose="020F0502020204030204" pitchFamily="34" charset="0"/>
-                <a:cs typeface="Times New Roman" panose="02020603050405020304" pitchFamily="18" charset="0"/>
-              </a:rPr>
-              <a:t>Add the </a:t>
-            </a:r>
-            <a:r>
-              <a:rPr lang="en" b="1" dirty="0" err="1" smtClean="0">
-                <a:latin typeface="Segoe UI" panose="020B0502040204020203" pitchFamily="34" charset="0"/>
-                <a:ea typeface="Calibri" panose="020F0502020204030204" pitchFamily="34" charset="0"/>
-                <a:cs typeface="Times New Roman" panose="02020603050405020304" pitchFamily="18" charset="0"/>
-              </a:rPr>
-              <a:t>CalendarQuarter</a:t>
-            </a:r>
-            <a:r>
-              <a:rPr lang="en" b="1" dirty="0" smtClean="0">
-                <a:latin typeface="Segoe UI" panose="020B0502040204020203" pitchFamily="34" charset="0"/>
-                <a:ea typeface="Calibri" panose="020F0502020204030204" pitchFamily="34" charset="0"/>
-                <a:cs typeface="Times New Roman" panose="02020603050405020304" pitchFamily="18" charset="0"/>
-              </a:rPr>
+              <a:rPr lang="en-US" dirty="0"/>
+              <a:t>How each </a:t>
+            </a:r>
+            <a:r>
+              <a:rPr lang="en-US" b="1" dirty="0" smtClean="0"/>
+              <a:t>Month</a:t>
+            </a:r>
+            <a:r>
+              <a:rPr lang="en-US" dirty="0" smtClean="0"/>
               <a:t> </a:t>
             </a:r>
             <a:r>
-              <a:rPr lang="en" dirty="0" smtClean="0">
-                <a:latin typeface="Segoe UI" panose="020B0502040204020203" pitchFamily="34" charset="0"/>
-                <a:ea typeface="Calibri" panose="020F0502020204030204" pitchFamily="34" charset="0"/>
-                <a:cs typeface="Times New Roman" panose="02020603050405020304" pitchFamily="18" charset="0"/>
-              </a:rPr>
-              <a:t>from </a:t>
-            </a:r>
-            <a:r>
-              <a:rPr lang="en" b="1" dirty="0" err="1" smtClean="0">
-                <a:latin typeface="Segoe UI" panose="020B0502040204020203" pitchFamily="34" charset="0"/>
-                <a:ea typeface="Calibri" panose="020F0502020204030204" pitchFamily="34" charset="0"/>
-                <a:cs typeface="Times New Roman" panose="02020603050405020304" pitchFamily="18" charset="0"/>
-              </a:rPr>
-              <a:t>DimDate</a:t>
-            </a:r>
-            <a:r>
-              <a:rPr lang="en" b="1" dirty="0" smtClean="0">
-                <a:latin typeface="Segoe UI" panose="020B0502040204020203" pitchFamily="34" charset="0"/>
-                <a:ea typeface="Calibri" panose="020F0502020204030204" pitchFamily="34" charset="0"/>
-                <a:cs typeface="Times New Roman" panose="02020603050405020304" pitchFamily="18" charset="0"/>
-              </a:rPr>
-              <a:t> </a:t>
-            </a:r>
-            <a:r>
-              <a:rPr lang="en" dirty="0" smtClean="0">
-                <a:latin typeface="Segoe UI" panose="020B0502040204020203" pitchFamily="34" charset="0"/>
-                <a:ea typeface="Calibri" panose="020F0502020204030204" pitchFamily="34" charset="0"/>
-                <a:cs typeface="Times New Roman" panose="02020603050405020304" pitchFamily="18" charset="0"/>
-              </a:rPr>
-              <a:t>has</a:t>
-            </a:r>
-            <a:r>
-              <a:rPr lang="en" b="1" dirty="0" smtClean="0">
-                <a:latin typeface="Segoe UI" panose="020B0502040204020203" pitchFamily="34" charset="0"/>
-                <a:ea typeface="Calibri" panose="020F0502020204030204" pitchFamily="34" charset="0"/>
-                <a:cs typeface="Times New Roman" panose="02020603050405020304" pitchFamily="18" charset="0"/>
-              </a:rPr>
-              <a:t> </a:t>
-            </a:r>
-            <a:r>
-              <a:rPr lang="en" dirty="0" smtClean="0">
-                <a:latin typeface="Segoe UI" panose="020B0502040204020203" pitchFamily="34" charset="0"/>
-                <a:ea typeface="Calibri" panose="020F0502020204030204" pitchFamily="34" charset="0"/>
-                <a:cs typeface="Times New Roman" panose="02020603050405020304" pitchFamily="18" charset="0"/>
-              </a:rPr>
-              <a:t>the Breakdown parameter </a:t>
-            </a:r>
-            <a:r>
-              <a:rPr lang="en" b="1" dirty="0" smtClean="0">
-                <a:latin typeface="Segoe UI" panose="020B0502040204020203" pitchFamily="34" charset="0"/>
-                <a:ea typeface="Calibri" panose="020F0502020204030204" pitchFamily="34" charset="0"/>
-                <a:cs typeface="Times New Roman" panose="02020603050405020304" pitchFamily="18" charset="0"/>
-              </a:rPr>
-              <a:t>and note each quarter's contribution </a:t>
-            </a:r>
-            <a:r>
-              <a:rPr lang="en" dirty="0" smtClean="0">
-                <a:latin typeface="Segoe UI" panose="020B0502040204020203" pitchFamily="34" charset="0"/>
-                <a:ea typeface="Calibri" panose="020F0502020204030204" pitchFamily="34" charset="0"/>
-                <a:cs typeface="Times New Roman" panose="02020603050405020304" pitchFamily="18" charset="0"/>
-              </a:rPr>
-              <a:t>to sales growth</a:t>
-            </a:r>
-            <a:endParaRPr lang="en-US" sz="1400" dirty="0">
-              <a:effectLst/>
-              <a:latin typeface="Calibri" panose="020F0502020204030204" pitchFamily="34" charset="0"/>
-              <a:ea typeface="Calibri" panose="020F0502020204030204" pitchFamily="34" charset="0"/>
-              <a:cs typeface="Times New Roman" panose="02020603050405020304" pitchFamily="18" charset="0"/>
-            </a:endParaRPr>
+              <a:rPr lang="en-US" dirty="0"/>
+              <a:t>contributed to the increase/decrease in Total Sales for that year.</a:t>
+            </a:r>
           </a:p>
         </p:txBody>
       </p:sp>
       <p:pic>
         <p:nvPicPr>
-          <p:cNvPr id="3" name="Picture 2"/>
+          <p:cNvPr id="13" name="Picture 12"/>
           <p:cNvPicPr>
             <a:picLocks noChangeAspect="1"/>
           </p:cNvPicPr>
@@ -4887,110 +5268,18 @@
         </p:blipFill>
         <p:spPr>
           <a:xfrm>
-            <a:off x="568478" y="1843354"/>
-            <a:ext cx="2154096" cy="2421765"/>
+            <a:off x="625642" y="2581445"/>
+            <a:ext cx="7096415" cy="3334561"/>
           </a:xfrm>
           <a:prstGeom prst="rect">
             <a:avLst/>
           </a:prstGeom>
-          <a:ln>
-            <a:noFill/>
-          </a:ln>
-          <a:effectLst>
-            <a:outerShdw blurRad="292100" dist="139700" dir="2700000" algn="tl" rotWithShape="0">
-              <a:srgbClr val="333333">
-                <a:alpha val="65000"/>
-              </a:srgbClr>
-            </a:outerShdw>
-          </a:effectLst>
         </p:spPr>
       </p:pic>
-      <p:pic>
-        <p:nvPicPr>
-          <p:cNvPr id="4" name="Picture 3"/>
-          <p:cNvPicPr>
-            <a:picLocks noChangeAspect="1"/>
-          </p:cNvPicPr>
-          <p:nvPr/>
-        </p:nvPicPr>
-        <p:blipFill>
-          <a:blip r:embed="rId3"/>
-          <a:stretch>
-            <a:fillRect/>
-          </a:stretch>
-        </p:blipFill>
-        <p:spPr>
-          <a:xfrm>
-            <a:off x="3537554" y="1843354"/>
-            <a:ext cx="5182323" cy="3705742"/>
-          </a:xfrm>
-          <a:prstGeom prst="rect">
-            <a:avLst/>
-          </a:prstGeom>
-          <a:ln>
-            <a:noFill/>
-          </a:ln>
-          <a:effectLst>
-            <a:outerShdw blurRad="292100" dist="139700" dir="2700000" algn="tl" rotWithShape="0">
-              <a:srgbClr val="333333">
-                <a:alpha val="65000"/>
-              </a:srgbClr>
-            </a:outerShdw>
-          </a:effectLst>
-        </p:spPr>
-      </p:pic>
-      <p:sp>
-        <p:nvSpPr>
-          <p:cNvPr id="10" name="Rectangle 9"/>
-          <p:cNvSpPr/>
-          <p:nvPr/>
-        </p:nvSpPr>
-        <p:spPr>
-          <a:xfrm>
-            <a:off x="601067" y="2756114"/>
-            <a:ext cx="2121507" cy="708145"/>
-          </a:xfrm>
-          <a:prstGeom prst="rect">
-            <a:avLst/>
-          </a:prstGeom>
-          <a:solidFill>
-            <a:srgbClr val="FF0000">
-              <a:alpha val="18000"/>
-            </a:srgbClr>
-          </a:solidFill>
-          <a:ln>
-            <a:noFill/>
-          </a:ln>
-        </p:spPr>
-        <p:style>
-          <a:lnRef idx="2">
-            <a:schemeClr val="accent1">
-              <a:shade val="50000"/>
-            </a:schemeClr>
-          </a:lnRef>
-          <a:fillRef idx="1">
-            <a:schemeClr val="accent1"/>
-          </a:fillRef>
-          <a:effectRef idx="0">
-            <a:schemeClr val="accent1"/>
-          </a:effectRef>
-          <a:fontRef idx="minor">
-            <a:schemeClr val="lt1"/>
-          </a:fontRef>
-        </p:style>
-        <p:txBody>
-          <a:bodyPr rtlCol="0" anchor="ctr"/>
-          <a:lstStyle/>
-          <a:p>
-            <a:pPr algn="ctr"/>
-            <a:endParaRPr lang="en-US"/>
-          </a:p>
-        </p:txBody>
-      </p:sp>
     </p:spTree>
     <p:extLst>
       <p:ext uri="{BB962C8B-B14F-4D97-AF65-F5344CB8AC3E}">
-        <p14:creationId xmlns:p14="http://schemas.microsoft.com/office/powerpoint/2010/main" val="3857985417"/>
+        <p14:creationId xmlns:p14="http://schemas.microsoft.com/office/powerpoint/2010/main" val="2005146074"/>
       </p:ext>
     </p:extLst>
   </p:cSld>
@@ -5061,214 +5350,587 @@
         </p:nvSpPr>
         <p:spPr>
           <a:xfrm>
-            <a:off x="82502" y="913911"/>
-            <a:ext cx="10464036" cy="388696"/>
+            <a:off x="441716" y="796767"/>
+            <a:ext cx="2563330" cy="369332"/>
           </a:xfrm>
           <a:prstGeom prst="rect">
             <a:avLst/>
           </a:prstGeom>
         </p:spPr>
         <p:txBody>
+          <a:bodyPr wrap="none">
+            <a:spAutoFit/>
+          </a:bodyPr>
+          <a:lstStyle/>
+          <a:p>
+            <a:r>
+              <a:rPr lang="en-US" dirty="0"/>
+              <a:t>Tips for Using Breakdown</a:t>
+            </a:r>
+          </a:p>
+        </p:txBody>
+      </p:sp>
+      <p:sp>
+        <p:nvSpPr>
+          <p:cNvPr id="4" name="Rectangle 1"/>
+          <p:cNvSpPr>
+            <a:spLocks noChangeArrowheads="1"/>
+          </p:cNvSpPr>
+          <p:nvPr/>
+        </p:nvSpPr>
+        <p:spPr bwMode="auto">
+          <a:xfrm>
+            <a:off x="441716" y="1308696"/>
+            <a:ext cx="8135369" cy="2031325"/>
+          </a:xfrm>
+          <a:prstGeom prst="rect">
+            <a:avLst/>
+          </a:prstGeom>
+          <a:noFill/>
+          <a:ln>
+            <a:noFill/>
+          </a:ln>
+          <a:effectLst/>
+          <a:extLst>
+            <a:ext uri="{909E8E84-426E-40DD-AFC4-6F175D3DCCD1}">
+              <a14:hiddenFill xmlns:a14="http://schemas.microsoft.com/office/drawing/2010/main">
+                <a:solidFill>
+                  <a:schemeClr val="accent1"/>
+                </a:solidFill>
+              </a14:hiddenFill>
+            </a:ext>
+            <a:ext uri="{91240B29-F687-4F45-9708-019B960494DF}">
+              <a14:hiddenLine xmlns:a14="http://schemas.microsoft.com/office/drawing/2010/main" w="9525">
+                <a:solidFill>
+                  <a:schemeClr val="tx1"/>
+                </a:solidFill>
+                <a:miter lim="800000"/>
+                <a:headEnd/>
+                <a:tailEnd/>
+              </a14:hiddenLine>
+            </a:ext>
+            <a:ext uri="{AF507438-7753-43E0-B8FC-AC1667EBCBE1}">
+              <a14:hiddenEffects xmlns:a14="http://schemas.microsoft.com/office/drawing/2010/main">
+                <a:effectLst>
+                  <a:outerShdw dist="35921" dir="2700000" algn="ctr" rotWithShape="0">
+                    <a:schemeClr val="bg2"/>
+                  </a:outerShdw>
+                </a:effectLst>
+              </a14:hiddenEffects>
+            </a:ext>
+          </a:extLst>
+        </p:spPr>
+        <p:txBody>
+          <a:bodyPr vert="horz" wrap="none" lIns="91440" tIns="45720" rIns="91440" bIns="45720" numCol="1" anchor="ctr" anchorCtr="0" compatLnSpc="1">
+            <a:prstTxWarp prst="textNoShape">
+              <a:avLst/>
+            </a:prstTxWarp>
+            <a:spAutoFit/>
+          </a:bodyPr>
+          <a:lstStyle/>
+          <a:p>
+            <a:pPr marL="0" marR="0" lvl="0" indent="0" algn="l" defTabSz="914400" rtl="0" eaLnBrk="0" fontAlgn="base" latinLnBrk="0" hangingPunct="0">
+              <a:lnSpc>
+                <a:spcPct val="100000"/>
+              </a:lnSpc>
+              <a:spcBef>
+                <a:spcPct val="0"/>
+              </a:spcBef>
+              <a:spcAft>
+                <a:spcPct val="0"/>
+              </a:spcAft>
+              <a:buClrTx/>
+              <a:buSzTx/>
+              <a:buFontTx/>
+              <a:buChar char="•"/>
+              <a:tabLst/>
+            </a:pPr>
+            <a:r>
+              <a:rPr kumimoji="0" lang="en-US" altLang="en-US" sz="1800" b="0" i="0" u="none" strike="noStrike" cap="none" normalizeH="0" baseline="0" dirty="0" smtClean="0">
+                <a:ln>
+                  <a:noFill/>
+                </a:ln>
+                <a:solidFill>
+                  <a:schemeClr val="tx1"/>
+                </a:solidFill>
+                <a:effectLst/>
+                <a:latin typeface="Segoe UI" panose="020B0502040204020203" pitchFamily="34" charset="0"/>
+                <a:cs typeface="Segoe UI" panose="020B0502040204020203" pitchFamily="34" charset="0"/>
+              </a:rPr>
+              <a:t>Keep breakdown fields max ~5-10, otherwise it becomes cluttered.</a:t>
+            </a:r>
+          </a:p>
+          <a:p>
+            <a:pPr marL="0" marR="0" lvl="0" indent="0" algn="l" defTabSz="914400" rtl="0" eaLnBrk="0" fontAlgn="base" latinLnBrk="0" hangingPunct="0">
+              <a:lnSpc>
+                <a:spcPct val="100000"/>
+              </a:lnSpc>
+              <a:spcBef>
+                <a:spcPct val="0"/>
+              </a:spcBef>
+              <a:spcAft>
+                <a:spcPct val="0"/>
+              </a:spcAft>
+              <a:buClrTx/>
+              <a:buSzTx/>
+              <a:buFontTx/>
+              <a:buChar char="•"/>
+              <a:tabLst/>
+            </a:pPr>
+            <a:endParaRPr kumimoji="0" lang="en-US" altLang="en-US" sz="1800" b="0" i="0" u="none" strike="noStrike" cap="none" normalizeH="0" baseline="0" dirty="0" smtClean="0">
+              <a:ln>
+                <a:noFill/>
+              </a:ln>
+              <a:solidFill>
+                <a:schemeClr val="tx1"/>
+              </a:solidFill>
+              <a:effectLst/>
+              <a:latin typeface="Segoe UI" panose="020B0502040204020203" pitchFamily="34" charset="0"/>
+              <a:cs typeface="Segoe UI" panose="020B0502040204020203" pitchFamily="34" charset="0"/>
+            </a:endParaRPr>
+          </a:p>
+          <a:p>
+            <a:pPr marL="0" marR="0" lvl="0" indent="0" algn="l" defTabSz="914400" rtl="0" eaLnBrk="0" fontAlgn="base" latinLnBrk="0" hangingPunct="0">
+              <a:lnSpc>
+                <a:spcPct val="100000"/>
+              </a:lnSpc>
+              <a:spcBef>
+                <a:spcPct val="0"/>
+              </a:spcBef>
+              <a:spcAft>
+                <a:spcPct val="0"/>
+              </a:spcAft>
+              <a:buClrTx/>
+              <a:buSzTx/>
+              <a:buFontTx/>
+              <a:buChar char="•"/>
+              <a:tabLst/>
+            </a:pPr>
+            <a:r>
+              <a:rPr kumimoji="0" lang="en-US" altLang="en-US" sz="1800" b="0" i="0" u="none" strike="noStrike" cap="none" normalizeH="0" baseline="0" dirty="0" smtClean="0">
+                <a:ln>
+                  <a:noFill/>
+                </a:ln>
+                <a:solidFill>
+                  <a:schemeClr val="tx1"/>
+                </a:solidFill>
+                <a:effectLst/>
+                <a:latin typeface="Segoe UI" panose="020B0502040204020203" pitchFamily="34" charset="0"/>
+                <a:cs typeface="Segoe UI" panose="020B0502040204020203" pitchFamily="34" charset="0"/>
+              </a:rPr>
+              <a:t> Make sure relationships between your fact and dimension tables are active.</a:t>
+            </a:r>
+          </a:p>
+          <a:p>
+            <a:pPr marL="0" marR="0" lvl="0" indent="0" algn="l" defTabSz="914400" rtl="0" eaLnBrk="0" fontAlgn="base" latinLnBrk="0" hangingPunct="0">
+              <a:lnSpc>
+                <a:spcPct val="100000"/>
+              </a:lnSpc>
+              <a:spcBef>
+                <a:spcPct val="0"/>
+              </a:spcBef>
+              <a:spcAft>
+                <a:spcPct val="0"/>
+              </a:spcAft>
+              <a:buClrTx/>
+              <a:buSzTx/>
+              <a:buFontTx/>
+              <a:buChar char="•"/>
+              <a:tabLst/>
+            </a:pPr>
+            <a:endParaRPr kumimoji="0" lang="en-US" altLang="en-US" sz="1800" b="0" i="0" u="none" strike="noStrike" cap="none" normalizeH="0" baseline="0" dirty="0" smtClean="0">
+              <a:ln>
+                <a:noFill/>
+              </a:ln>
+              <a:solidFill>
+                <a:schemeClr val="tx1"/>
+              </a:solidFill>
+              <a:effectLst/>
+              <a:latin typeface="Segoe UI" panose="020B0502040204020203" pitchFamily="34" charset="0"/>
+              <a:cs typeface="Segoe UI" panose="020B0502040204020203" pitchFamily="34" charset="0"/>
+            </a:endParaRPr>
+          </a:p>
+          <a:p>
+            <a:pPr marL="0" marR="0" lvl="0" indent="0" algn="l" defTabSz="914400" rtl="0" eaLnBrk="0" fontAlgn="base" latinLnBrk="0" hangingPunct="0">
+              <a:lnSpc>
+                <a:spcPct val="100000"/>
+              </a:lnSpc>
+              <a:spcBef>
+                <a:spcPct val="0"/>
+              </a:spcBef>
+              <a:spcAft>
+                <a:spcPct val="0"/>
+              </a:spcAft>
+              <a:buClrTx/>
+              <a:buSzTx/>
+              <a:buFontTx/>
+              <a:buChar char="•"/>
+              <a:tabLst/>
+            </a:pPr>
+            <a:r>
+              <a:rPr kumimoji="0" lang="en-US" altLang="en-US" sz="1800" b="0" i="0" u="none" strike="noStrike" cap="none" normalizeH="0" baseline="0" dirty="0" smtClean="0">
+                <a:ln>
+                  <a:noFill/>
+                </a:ln>
+                <a:solidFill>
+                  <a:schemeClr val="tx1"/>
+                </a:solidFill>
+                <a:effectLst/>
+                <a:latin typeface="Segoe UI" panose="020B0502040204020203" pitchFamily="34" charset="0"/>
+                <a:cs typeface="Segoe UI" panose="020B0502040204020203" pitchFamily="34" charset="0"/>
+              </a:rPr>
+              <a:t>Clean field values</a:t>
+            </a:r>
+            <a:r>
+              <a:rPr kumimoji="0" lang="en-US" altLang="en-US" sz="1800" b="0" i="0" u="none" strike="noStrike" cap="none" normalizeH="0" dirty="0" smtClean="0">
+                <a:ln>
+                  <a:noFill/>
+                </a:ln>
+                <a:solidFill>
+                  <a:schemeClr val="tx1"/>
+                </a:solidFill>
+                <a:effectLst/>
+                <a:latin typeface="Segoe UI" panose="020B0502040204020203" pitchFamily="34" charset="0"/>
+                <a:cs typeface="Segoe UI" panose="020B0502040204020203" pitchFamily="34" charset="0"/>
+              </a:rPr>
+              <a:t> </a:t>
+            </a:r>
+            <a:r>
+              <a:rPr kumimoji="0" lang="en-US" altLang="en-US" sz="1800" b="0" i="0" u="none" strike="noStrike" cap="none" normalizeH="0" baseline="0" dirty="0" smtClean="0">
+                <a:ln>
+                  <a:noFill/>
+                </a:ln>
+                <a:solidFill>
+                  <a:schemeClr val="tx1"/>
+                </a:solidFill>
+                <a:effectLst/>
+                <a:latin typeface="Segoe UI" panose="020B0502040204020203" pitchFamily="34" charset="0"/>
+                <a:cs typeface="Segoe UI" panose="020B0502040204020203" pitchFamily="34" charset="0"/>
+              </a:rPr>
+              <a:t>long or unclear values will clutter the visual.</a:t>
+            </a:r>
+          </a:p>
+          <a:p>
+            <a:pPr marL="0" marR="0" lvl="0" indent="0" algn="l" defTabSz="914400" rtl="0" eaLnBrk="0" fontAlgn="base" latinLnBrk="0" hangingPunct="0">
+              <a:lnSpc>
+                <a:spcPct val="100000"/>
+              </a:lnSpc>
+              <a:spcBef>
+                <a:spcPct val="0"/>
+              </a:spcBef>
+              <a:spcAft>
+                <a:spcPct val="0"/>
+              </a:spcAft>
+              <a:buClrTx/>
+              <a:buSzTx/>
+              <a:buFontTx/>
+              <a:buChar char="•"/>
+              <a:tabLst/>
+            </a:pPr>
+            <a:endParaRPr kumimoji="0" lang="en-US" altLang="en-US" sz="1800" b="0" i="0" u="none" strike="noStrike" cap="none" normalizeH="0" baseline="0" dirty="0" smtClean="0">
+              <a:ln>
+                <a:noFill/>
+              </a:ln>
+              <a:solidFill>
+                <a:schemeClr val="tx1"/>
+              </a:solidFill>
+              <a:effectLst/>
+              <a:latin typeface="Segoe UI" panose="020B0502040204020203" pitchFamily="34" charset="0"/>
+              <a:cs typeface="Segoe UI" panose="020B0502040204020203" pitchFamily="34" charset="0"/>
+            </a:endParaRPr>
+          </a:p>
+          <a:p>
+            <a:pPr marL="0" marR="0" lvl="0" indent="0" algn="l" defTabSz="914400" rtl="0" eaLnBrk="0" fontAlgn="base" latinLnBrk="0" hangingPunct="0">
+              <a:lnSpc>
+                <a:spcPct val="100000"/>
+              </a:lnSpc>
+              <a:spcBef>
+                <a:spcPct val="0"/>
+              </a:spcBef>
+              <a:spcAft>
+                <a:spcPct val="0"/>
+              </a:spcAft>
+              <a:buClrTx/>
+              <a:buSzTx/>
+              <a:buFontTx/>
+              <a:buChar char="•"/>
+              <a:tabLst/>
+            </a:pPr>
+            <a:r>
+              <a:rPr kumimoji="0" lang="en-US" altLang="en-US" sz="1800" b="0" i="0" u="none" strike="noStrike" cap="none" normalizeH="0" baseline="0" dirty="0" smtClean="0">
+                <a:ln>
+                  <a:noFill/>
+                </a:ln>
+                <a:solidFill>
+                  <a:schemeClr val="tx1"/>
+                </a:solidFill>
+                <a:effectLst/>
+                <a:latin typeface="Segoe UI" panose="020B0502040204020203" pitchFamily="34" charset="0"/>
+                <a:cs typeface="Segoe UI" panose="020B0502040204020203" pitchFamily="34" charset="0"/>
+              </a:rPr>
+              <a:t>You can </a:t>
+            </a:r>
+            <a:r>
+              <a:rPr kumimoji="0" lang="en-US" altLang="en-US" sz="1800" b="1" i="0" u="none" strike="noStrike" cap="none" normalizeH="0" baseline="0" dirty="0" smtClean="0">
+                <a:ln>
+                  <a:noFill/>
+                </a:ln>
+                <a:solidFill>
+                  <a:schemeClr val="tx1"/>
+                </a:solidFill>
+                <a:effectLst/>
+                <a:latin typeface="Segoe UI" panose="020B0502040204020203" pitchFamily="34" charset="0"/>
+                <a:cs typeface="Segoe UI" panose="020B0502040204020203" pitchFamily="34" charset="0"/>
+              </a:rPr>
+              <a:t>hover</a:t>
+            </a:r>
+            <a:r>
+              <a:rPr kumimoji="0" lang="en-US" altLang="en-US" sz="1800" b="0" i="0" u="none" strike="noStrike" cap="none" normalizeH="0" baseline="0" dirty="0" smtClean="0">
+                <a:ln>
+                  <a:noFill/>
+                </a:ln>
+                <a:solidFill>
+                  <a:schemeClr val="tx1"/>
+                </a:solidFill>
+                <a:effectLst/>
+                <a:latin typeface="Segoe UI" panose="020B0502040204020203" pitchFamily="34" charset="0"/>
+                <a:cs typeface="Segoe UI" panose="020B0502040204020203" pitchFamily="34" charset="0"/>
+              </a:rPr>
+              <a:t> over each segment to see the exact contribution in the tooltip.</a:t>
+            </a:r>
+          </a:p>
+        </p:txBody>
+      </p:sp>
+    </p:spTree>
+    <p:extLst>
+      <p:ext uri="{BB962C8B-B14F-4D97-AF65-F5344CB8AC3E}">
+        <p14:creationId xmlns:p14="http://schemas.microsoft.com/office/powerpoint/2010/main" val="1544361065"/>
+      </p:ext>
+    </p:extLst>
+  </p:cSld>
+  <p:clrMapOvr>
+    <a:masterClrMapping/>
+  </p:clrMapOvr>
+</p:sld>
+</file>
+
+<file path=ppt/slides/slide8.xml><?xml version="1.0" encoding="utf-8"?>
+<p:sld xmlns:a="http://schemas.openxmlformats.org/drawingml/2006/main" xmlns:r="http://schemas.openxmlformats.org/officeDocument/2006/relationships" xmlns:p="http://schemas.openxmlformats.org/presentationml/2006/main">
+  <p:cSld>
+    <p:spTree>
+      <p:nvGrpSpPr>
+        <p:cNvPr id="1" name=""/>
+        <p:cNvGrpSpPr/>
+        <p:nvPr/>
+      </p:nvGrpSpPr>
+      <p:grpSpPr>
+        <a:xfrm>
+          <a:off x="0" y="0"/>
+          <a:ext cx="0" cy="0"/>
+          <a:chOff x="0" y="0"/>
+          <a:chExt cx="0" cy="0"/>
+        </a:xfrm>
+      </p:grpSpPr>
+      <p:sp>
+        <p:nvSpPr>
+          <p:cNvPr id="2" name="TextBox 1"/>
+          <p:cNvSpPr txBox="1"/>
+          <p:nvPr/>
+        </p:nvSpPr>
+        <p:spPr>
+          <a:xfrm>
+            <a:off x="323133" y="192505"/>
+            <a:ext cx="2100640" cy="461665"/>
+          </a:xfrm>
+          <a:prstGeom prst="rect">
+            <a:avLst/>
+          </a:prstGeom>
+          <a:noFill/>
+        </p:spPr>
+        <p:txBody>
+          <a:bodyPr wrap="none" rtlCol="0">
+            <a:spAutoFit/>
+          </a:bodyPr>
+          <a:lstStyle/>
+          <a:p>
+            <a:r>
+              <a:rPr lang="en" sz="2400" dirty="0" smtClean="0">
+                <a:latin typeface="Segoe UI" panose="020B0502040204020203" pitchFamily="34" charset="0"/>
+                <a:cs typeface="Segoe UI" panose="020B0502040204020203" pitchFamily="34" charset="0"/>
+              </a:rPr>
+              <a:t>The waterfall</a:t>
+            </a:r>
+            <a:endParaRPr lang="en-US" sz="2400" dirty="0">
+              <a:latin typeface="Segoe UI" panose="020B0502040204020203" pitchFamily="34" charset="0"/>
+              <a:cs typeface="Segoe UI" panose="020B0502040204020203" pitchFamily="34" charset="0"/>
+            </a:endParaRPr>
+          </a:p>
+        </p:txBody>
+      </p:sp>
+      <p:sp>
+        <p:nvSpPr>
+          <p:cNvPr id="5" name="Rectangle 4"/>
+          <p:cNvSpPr/>
+          <p:nvPr/>
+        </p:nvSpPr>
+        <p:spPr>
+          <a:xfrm>
+            <a:off x="505322" y="810517"/>
+            <a:ext cx="3803542" cy="369332"/>
+          </a:xfrm>
+          <a:prstGeom prst="rect">
+            <a:avLst/>
+          </a:prstGeom>
+        </p:spPr>
+        <p:txBody>
+          <a:bodyPr wrap="none">
+            <a:spAutoFit/>
+          </a:bodyPr>
+          <a:lstStyle/>
+          <a:p>
+            <a:r>
+              <a:rPr lang="en-US" dirty="0"/>
+              <a:t>Why Is </a:t>
+            </a:r>
+            <a:r>
+              <a:rPr lang="en-US" b="1" dirty="0" smtClean="0"/>
+              <a:t>Other</a:t>
+            </a:r>
+            <a:r>
+              <a:rPr lang="en-US" dirty="0" smtClean="0"/>
+              <a:t> </a:t>
+            </a:r>
+            <a:r>
+              <a:rPr lang="en-US" dirty="0"/>
+              <a:t>Appearing in Your Chart?</a:t>
+            </a:r>
+          </a:p>
+        </p:txBody>
+      </p:sp>
+      <p:sp>
+        <p:nvSpPr>
+          <p:cNvPr id="6" name="Rectangle 5"/>
+          <p:cNvSpPr/>
+          <p:nvPr/>
+        </p:nvSpPr>
+        <p:spPr>
+          <a:xfrm>
+            <a:off x="505322" y="1275044"/>
+            <a:ext cx="8212416" cy="923330"/>
+          </a:xfrm>
+          <a:prstGeom prst="rect">
+            <a:avLst/>
+          </a:prstGeom>
+        </p:spPr>
+        <p:txBody>
           <a:bodyPr wrap="square">
             <a:spAutoFit/>
           </a:bodyPr>
           <a:lstStyle/>
           <a:p>
-            <a:pPr marL="457200">
-              <a:lnSpc>
-                <a:spcPct val="107000"/>
-              </a:lnSpc>
-              <a:spcAft>
-                <a:spcPts val="800"/>
-              </a:spcAft>
+            <a:r>
+              <a:rPr lang="en-US" dirty="0">
+                <a:latin typeface="Segoe UI" panose="020B0502040204020203" pitchFamily="34" charset="0"/>
+                <a:cs typeface="Segoe UI" panose="020B0502040204020203" pitchFamily="34" charset="0"/>
+              </a:rPr>
+              <a:t>Power BI shows:</a:t>
+            </a:r>
+          </a:p>
+          <a:p>
+            <a:pPr lvl="1">
+              <a:buFont typeface="Arial" panose="020B0604020202020204" pitchFamily="34" charset="0"/>
+              <a:buChar char="•"/>
             </a:pPr>
             <a:r>
-              <a:rPr lang="en" dirty="0">
+              <a:rPr lang="en-US" dirty="0">
                 <a:latin typeface="Segoe UI" panose="020B0502040204020203" pitchFamily="34" charset="0"/>
-                <a:ea typeface="Calibri" panose="020F0502020204030204" pitchFamily="34" charset="0"/>
-                <a:cs typeface="Times New Roman" panose="02020603050405020304" pitchFamily="18" charset="0"/>
+                <a:cs typeface="Segoe UI" panose="020B0502040204020203" pitchFamily="34" charset="0"/>
               </a:rPr>
-              <a:t>If there is depreciation, </a:t>
-            </a:r>
-            <a:r>
-              <a:rPr lang="en" dirty="0" err="1">
+              <a:t>The top few </a:t>
+            </a:r>
+            <a:r>
+              <a:rPr lang="en-US" b="1" dirty="0" smtClean="0">
                 <a:latin typeface="Segoe UI" panose="020B0502040204020203" pitchFamily="34" charset="0"/>
-                <a:ea typeface="Calibri" panose="020F0502020204030204" pitchFamily="34" charset="0"/>
-                <a:cs typeface="Times New Roman" panose="02020603050405020304" pitchFamily="18" charset="0"/>
+                <a:cs typeface="Segoe UI" panose="020B0502040204020203" pitchFamily="34" charset="0"/>
               </a:rPr>
-              <a:t>the </a:t>
-            </a:r>
-            <a:r>
-              <a:rPr lang="en" dirty="0">
+              <a:t>months</a:t>
+            </a:r>
+            <a:r>
+              <a:rPr lang="en-US" dirty="0" smtClean="0">
                 <a:latin typeface="Segoe UI" panose="020B0502040204020203" pitchFamily="34" charset="0"/>
-                <a:ea typeface="Calibri" panose="020F0502020204030204" pitchFamily="34" charset="0"/>
-                <a:cs typeface="Times New Roman" panose="02020603050405020304" pitchFamily="18" charset="0"/>
-              </a:rPr>
-              <a:t>color </a:t>
-            </a:r>
-            <a:r>
-              <a:rPr lang="en" dirty="0" err="1">
-                <a:latin typeface="Segoe UI" panose="020B0502040204020203" pitchFamily="34" charset="0"/>
-                <a:ea typeface="Calibri" panose="020F0502020204030204" pitchFamily="34" charset="0"/>
-                <a:cs typeface="Times New Roman" panose="02020603050405020304" pitchFamily="18" charset="0"/>
-              </a:rPr>
-              <a:t>of </a:t>
-            </a:r>
-            <a:r>
-              <a:rPr lang="en" dirty="0">
-                <a:latin typeface="Segoe UI" panose="020B0502040204020203" pitchFamily="34" charset="0"/>
-                <a:ea typeface="Calibri" panose="020F0502020204030204" pitchFamily="34" charset="0"/>
-                <a:cs typeface="Times New Roman" panose="02020603050405020304" pitchFamily="18" charset="0"/>
-              </a:rPr>
-              <a:t>the rectangles turns </a:t>
-            </a:r>
-            <a:r>
-              <a:rPr lang="en" dirty="0" err="1">
-                <a:latin typeface="Segoe UI" panose="020B0502040204020203" pitchFamily="34" charset="0"/>
-                <a:ea typeface="Calibri" panose="020F0502020204030204" pitchFamily="34" charset="0"/>
-                <a:cs typeface="Times New Roman" panose="02020603050405020304" pitchFamily="18" charset="0"/>
-              </a:rPr>
-              <a:t>red.</a:t>
-            </a:r>
-            <a:endParaRPr lang="en-US" sz="1400" dirty="0">
-              <a:effectLst/>
-              <a:latin typeface="Calibri" panose="020F0502020204030204" pitchFamily="34" charset="0"/>
-              <a:ea typeface="Calibri" panose="020F0502020204030204" pitchFamily="34" charset="0"/>
-              <a:cs typeface="Times New Roman" panose="02020603050405020304" pitchFamily="18" charset="0"/>
-            </a:endParaRPr>
-          </a:p>
-        </p:txBody>
-      </p:sp>
-      <p:sp>
-        <p:nvSpPr>
-          <p:cNvPr id="4" name="Rectangle 3"/>
-          <p:cNvSpPr/>
-          <p:nvPr/>
-        </p:nvSpPr>
-        <p:spPr>
-          <a:xfrm>
-            <a:off x="753103" y="5685292"/>
-            <a:ext cx="9779010" cy="388696"/>
-          </a:xfrm>
-          <a:prstGeom prst="rect">
-            <a:avLst/>
-          </a:prstGeom>
-        </p:spPr>
-        <p:txBody>
-          <a:bodyPr wrap="square">
-            <a:spAutoFit/>
-          </a:bodyPr>
-          <a:lstStyle/>
-          <a:p>
-            <a:pPr lvl="0">
-              <a:lnSpc>
-                <a:spcPct val="107000"/>
-              </a:lnSpc>
-              <a:spcAft>
-                <a:spcPts val="800"/>
-              </a:spcAft>
-            </a:pPr>
-            <a:r>
-              <a:rPr lang="en" dirty="0">
-                <a:latin typeface="Segoe UI" panose="020B0502040204020203" pitchFamily="34" charset="0"/>
-                <a:ea typeface="Calibri" panose="020F0502020204030204" pitchFamily="34" charset="0"/>
-                <a:cs typeface="Times New Roman" panose="02020603050405020304" pitchFamily="18" charset="0"/>
-              </a:rPr>
-              <a:t>Replacement </a:t>
-            </a:r>
-            <a:r>
-              <a:rPr lang="en" b="1" dirty="0" err="1" smtClean="0">
-                <a:latin typeface="Segoe UI" panose="020B0502040204020203" pitchFamily="34" charset="0"/>
-                <a:ea typeface="Calibri" panose="020F0502020204030204" pitchFamily="34" charset="0"/>
-                <a:cs typeface="Times New Roman" panose="02020603050405020304" pitchFamily="18" charset="0"/>
-              </a:rPr>
-              <a:t>schedule Quarter</a:t>
-            </a:r>
-            <a:r>
-              <a:rPr lang="en" b="1" dirty="0" smtClean="0">
-                <a:latin typeface="Segoe UI" panose="020B0502040204020203" pitchFamily="34" charset="0"/>
-                <a:ea typeface="Calibri" panose="020F0502020204030204" pitchFamily="34" charset="0"/>
-                <a:cs typeface="Times New Roman" panose="02020603050405020304" pitchFamily="18" charset="0"/>
+                <a:cs typeface="Segoe UI" panose="020B0502040204020203" pitchFamily="34" charset="0"/>
               </a:rPr>
               <a:t> </a:t>
             </a:r>
             <a:r>
-              <a:rPr lang="en" dirty="0" err="1">
+              <a:rPr lang="en-US" dirty="0">
                 <a:latin typeface="Segoe UI" panose="020B0502040204020203" pitchFamily="34" charset="0"/>
-                <a:ea typeface="Calibri" panose="020F0502020204030204" pitchFamily="34" charset="0"/>
-                <a:cs typeface="Times New Roman" panose="02020603050405020304" pitchFamily="18" charset="0"/>
+                <a:cs typeface="Segoe UI" panose="020B0502040204020203" pitchFamily="34" charset="0"/>
               </a:rPr>
-              <a:t>with</a:t>
-            </a:r>
-            <a:r>
-              <a:rPr lang="en" dirty="0">
+              <a:t>that contributed most to the change between </a:t>
+            </a:r>
+            <a:r>
+              <a:rPr lang="en-US" dirty="0" smtClean="0">
                 <a:latin typeface="Segoe UI" panose="020B0502040204020203" pitchFamily="34" charset="0"/>
-                <a:ea typeface="Calibri" panose="020F0502020204030204" pitchFamily="34" charset="0"/>
-                <a:cs typeface="Times New Roman" panose="02020603050405020304" pitchFamily="18" charset="0"/>
+                <a:cs typeface="Segoe UI" panose="020B0502040204020203" pitchFamily="34" charset="0"/>
+              </a:rPr>
+              <a:t>years</a:t>
+            </a:r>
+            <a:endParaRPr lang="en-US" dirty="0">
+              <a:latin typeface="Segoe UI" panose="020B0502040204020203" pitchFamily="34" charset="0"/>
+              <a:cs typeface="Segoe UI" panose="020B0502040204020203" pitchFamily="34" charset="0"/>
+            </a:endParaRPr>
+          </a:p>
+          <a:p>
+            <a:pPr lvl="1">
+              <a:buFont typeface="Arial" panose="020B0604020202020204" pitchFamily="34" charset="0"/>
+              <a:buChar char="•"/>
+            </a:pPr>
+            <a:r>
+              <a:rPr lang="en-US" dirty="0">
+                <a:latin typeface="Segoe UI" panose="020B0502040204020203" pitchFamily="34" charset="0"/>
+                <a:cs typeface="Segoe UI" panose="020B0502040204020203" pitchFamily="34" charset="0"/>
+              </a:rPr>
+              <a:t>Remaining </a:t>
+            </a:r>
+            <a:r>
+              <a:rPr lang="en-US" b="1" dirty="0" smtClean="0">
+                <a:latin typeface="Segoe UI" panose="020B0502040204020203" pitchFamily="34" charset="0"/>
+                <a:cs typeface="Segoe UI" panose="020B0502040204020203" pitchFamily="34" charset="0"/>
+              </a:rPr>
+              <a:t>months</a:t>
+            </a:r>
+            <a:r>
+              <a:rPr lang="en-US" dirty="0" smtClean="0">
+                <a:latin typeface="Segoe UI" panose="020B0502040204020203" pitchFamily="34" charset="0"/>
+                <a:cs typeface="Segoe UI" panose="020B0502040204020203" pitchFamily="34" charset="0"/>
               </a:rPr>
               <a:t> </a:t>
             </a:r>
             <a:r>
-              <a:rPr lang="en" b="1" dirty="0" err="1" smtClean="0">
+              <a:rPr lang="en-US" dirty="0">
                 <a:latin typeface="Segoe UI" panose="020B0502040204020203" pitchFamily="34" charset="0"/>
-                <a:ea typeface="Calibri" panose="020F0502020204030204" pitchFamily="34" charset="0"/>
-                <a:cs typeface="Times New Roman" panose="02020603050405020304" pitchFamily="18" charset="0"/>
+                <a:cs typeface="Segoe UI" panose="020B0502040204020203" pitchFamily="34" charset="0"/>
               </a:rPr>
-              <a:t>CalendarSemester</a:t>
-            </a:r>
-            <a:r>
-              <a:rPr lang="en" b="1" dirty="0" smtClean="0">
+              <a:t>are grouped as </a:t>
+            </a:r>
+            <a:r>
+              <a:rPr lang="en-US" b="1" dirty="0">
                 <a:latin typeface="Segoe UI" panose="020B0502040204020203" pitchFamily="34" charset="0"/>
-                <a:ea typeface="Calibri" panose="020F0502020204030204" pitchFamily="34" charset="0"/>
-                <a:cs typeface="Times New Roman" panose="02020603050405020304" pitchFamily="18" charset="0"/>
+                <a:cs typeface="Segoe UI" panose="020B0502040204020203" pitchFamily="34" charset="0"/>
               </a:rPr>
-              <a:t> </a:t>
-            </a:r>
-            <a:r>
-              <a:rPr lang="en" dirty="0">
+              <a:t>"Other</a:t>
+            </a:r>
+            <a:r>
+              <a:rPr lang="en-US" b="1" dirty="0" smtClean="0">
                 <a:latin typeface="Segoe UI" panose="020B0502040204020203" pitchFamily="34" charset="0"/>
-                <a:ea typeface="Calibri" panose="020F0502020204030204" pitchFamily="34" charset="0"/>
-                <a:cs typeface="Times New Roman" panose="02020603050405020304" pitchFamily="18" charset="0"/>
+                <a:cs typeface="Segoe UI" panose="020B0502040204020203" pitchFamily="34" charset="0"/>
               </a:rPr>
-              <a:t>and </a:t>
-            </a:r>
-            <a:r>
-              <a:rPr lang="en" dirty="0" err="1">
-                <a:latin typeface="Segoe UI" panose="020B0502040204020203" pitchFamily="34" charset="0"/>
-                <a:ea typeface="Calibri" panose="020F0502020204030204" pitchFamily="34" charset="0"/>
-                <a:cs typeface="Times New Roman" panose="02020603050405020304" pitchFamily="18" charset="0"/>
-              </a:rPr>
-              <a:t>try </a:t>
-            </a:r>
-            <a:r>
-              <a:rPr lang="en" dirty="0">
-                <a:latin typeface="Segoe UI" panose="020B0502040204020203" pitchFamily="34" charset="0"/>
-                <a:ea typeface="Calibri" panose="020F0502020204030204" pitchFamily="34" charset="0"/>
-                <a:cs typeface="Times New Roman" panose="02020603050405020304" pitchFamily="18" charset="0"/>
-              </a:rPr>
-              <a:t>to </a:t>
-            </a:r>
-            <a:r>
-              <a:rPr lang="en" dirty="0" err="1">
-                <a:latin typeface="Segoe UI" panose="020B0502040204020203" pitchFamily="34" charset="0"/>
-                <a:ea typeface="Calibri" panose="020F0502020204030204" pitchFamily="34" charset="0"/>
-                <a:cs typeface="Times New Roman" panose="02020603050405020304" pitchFamily="18" charset="0"/>
-              </a:rPr>
-              <a:t>analyze </a:t>
-            </a:r>
-            <a:r>
-              <a:rPr lang="en" dirty="0">
-                <a:latin typeface="Segoe UI" panose="020B0502040204020203" pitchFamily="34" charset="0"/>
-                <a:ea typeface="Calibri" panose="020F0502020204030204" pitchFamily="34" charset="0"/>
-                <a:cs typeface="Times New Roman" panose="02020603050405020304" pitchFamily="18" charset="0"/>
-              </a:rPr>
-              <a:t>the data</a:t>
-            </a:r>
-            <a:endParaRPr lang="en-US" sz="1400" dirty="0">
-              <a:effectLst/>
-              <a:latin typeface="Calibri" panose="020F0502020204030204" pitchFamily="34" charset="0"/>
-              <a:ea typeface="Calibri" panose="020F0502020204030204" pitchFamily="34" charset="0"/>
-              <a:cs typeface="Times New Roman" panose="02020603050405020304" pitchFamily="18" charset="0"/>
+              <a:t>"</a:t>
+            </a:r>
+            <a:endParaRPr lang="en-US" dirty="0">
+              <a:latin typeface="Segoe UI" panose="020B0502040204020203" pitchFamily="34" charset="0"/>
+              <a:cs typeface="Segoe UI" panose="020B0502040204020203" pitchFamily="34" charset="0"/>
             </a:endParaRPr>
           </a:p>
         </p:txBody>
@@ -5289,28 +5951,110 @@
         </p:blipFill>
         <p:spPr>
           <a:xfrm>
-            <a:off x="753103" y="1444593"/>
-            <a:ext cx="5182323" cy="3705742"/>
+            <a:off x="1216908" y="2457691"/>
+            <a:ext cx="7096415" cy="3334561"/>
           </a:xfrm>
           <a:prstGeom prst="rect">
             <a:avLst/>
           </a:prstGeom>
-          <a:ln>
-            <a:noFill/>
+        </p:spPr>
+      </p:pic>
+      <p:sp>
+        <p:nvSpPr>
+          <p:cNvPr id="8" name="Rectangle 7"/>
+          <p:cNvSpPr/>
+          <p:nvPr/>
+        </p:nvSpPr>
+        <p:spPr>
+          <a:xfrm>
+            <a:off x="4461997" y="3389468"/>
+            <a:ext cx="412511" cy="199380"/>
+          </a:xfrm>
+          <a:prstGeom prst="rect">
+            <a:avLst/>
+          </a:prstGeom>
+          <a:noFill/>
+          <a:ln w="28575">
+            <a:solidFill>
+              <a:srgbClr val="FF0000"/>
+            </a:solidFill>
           </a:ln>
-          <a:effectLst>
-            <a:outerShdw blurRad="292100" dist="139700" dir="2700000" algn="tl" rotWithShape="0">
-              <a:srgbClr val="333333">
-                <a:alpha val="65000"/>
-              </a:srgbClr>
-            </a:outerShdw>
-          </a:effectLst>
-        </p:spPr>
-      </p:pic>
+        </p:spPr>
+        <p:style>
+          <a:lnRef idx="2">
+            <a:schemeClr val="accent1">
+              <a:shade val="50000"/>
+            </a:schemeClr>
+          </a:lnRef>
+          <a:fillRef idx="1">
+            <a:schemeClr val="accent1"/>
+          </a:fillRef>
+          <a:effectRef idx="0">
+            <a:schemeClr val="accent1"/>
+          </a:effectRef>
+          <a:fontRef idx="minor">
+            <a:schemeClr val="lt1"/>
+          </a:fontRef>
+        </p:style>
+        <p:txBody>
+          <a:bodyPr rtlCol="0" anchor="ctr"/>
+          <a:lstStyle/>
+          <a:p>
+            <a:pPr algn="ctr"/>
+            <a:endParaRPr lang="en-US"/>
+          </a:p>
+        </p:txBody>
+      </p:sp>
+      <p:sp>
+        <p:nvSpPr>
+          <p:cNvPr id="9" name="Rectangle 8"/>
+          <p:cNvSpPr/>
+          <p:nvPr/>
+        </p:nvSpPr>
+        <p:spPr>
+          <a:xfrm>
+            <a:off x="7013838" y="3489157"/>
+            <a:ext cx="412511" cy="299071"/>
+          </a:xfrm>
+          <a:prstGeom prst="rect">
+            <a:avLst/>
+          </a:prstGeom>
+          <a:noFill/>
+          <a:ln w="28575">
+            <a:solidFill>
+              <a:srgbClr val="FF0000"/>
+            </a:solidFill>
+          </a:ln>
+        </p:spPr>
+        <p:style>
+          <a:lnRef idx="2">
+            <a:schemeClr val="accent1">
+              <a:shade val="50000"/>
+            </a:schemeClr>
+          </a:lnRef>
+          <a:fillRef idx="1">
+            <a:schemeClr val="accent1"/>
+          </a:fillRef>
+          <a:effectRef idx="0">
+            <a:schemeClr val="accent1"/>
+          </a:effectRef>
+          <a:fontRef idx="minor">
+            <a:schemeClr val="lt1"/>
+          </a:fontRef>
+        </p:style>
+        <p:txBody>
+          <a:bodyPr rtlCol="0" anchor="ctr"/>
+          <a:lstStyle/>
+          <a:p>
+            <a:pPr algn="ctr"/>
+            <a:endParaRPr lang="en-US"/>
+          </a:p>
+        </p:txBody>
+      </p:sp>
     </p:spTree>
     <p:extLst>
       <p:ext uri="{BB962C8B-B14F-4D97-AF65-F5344CB8AC3E}">
-        <p14:creationId xmlns:p14="http://schemas.microsoft.com/office/powerpoint/2010/main" val="467989261"/>
+        <p14:creationId xmlns:p14="http://schemas.microsoft.com/office/powerpoint/2010/main" val="1715947950"/>
       </p:ext>
     </p:extLst>
   </p:cSld>
@@ -5320,17 +6064,9 @@
 </p:sld>
 </file>
 
-<file path=ppt/slides/slide8.xml><?xml version="1.0" encoding="utf-8"?>
+<file path=ppt/slides/slide9.xml><?xml version="1.0" encoding="utf-8"?>
 <p:sld xmlns:a="http://schemas.openxmlformats.org/drawingml/2006/main" xmlns:r="http://schemas.openxmlformats.org/officeDocument/2006/relationships" xmlns:p="http://schemas.openxmlformats.org/presentationml/2006/main">
   <p:cSld>
-    <p:bg>
-      <p:bgPr>
-        <a:solidFill>
-          <a:srgbClr val="FFC000"/>
-        </a:solidFill>
-        <a:effectLst/>
-      </p:bgPr>
-    </p:bg>
     <p:spTree>
       <p:nvGrpSpPr>
         <p:cNvPr id="1" name=""/>
@@ -5347,135 +6083,601 @@
       </p:grpSpPr>
       <p:sp>
         <p:nvSpPr>
-          <p:cNvPr id="2" name="AutoShape 2" descr="Minimalistic illustration in black and white on a white background with the text 'Thank You' elegantly styled below. The design features simple, clean icons such as a handshake or a ribbon to symbolize gratitude, with a professional and modern aesthetic suitable for a presentation closing slide."/>
-          <p:cNvSpPr>
-            <a:spLocks noChangeAspect="1" noChangeArrowheads="1"/>
-          </p:cNvSpPr>
+          <p:cNvPr id="2" name="TextBox 1"/>
+          <p:cNvSpPr txBox="1"/>
           <p:nvPr/>
         </p:nvSpPr>
-        <p:spPr bwMode="auto">
-          <a:xfrm>
-            <a:off x="155575" y="-144463"/>
-            <a:ext cx="304800" cy="304801"/>
+        <p:spPr>
+          <a:xfrm>
+            <a:off x="323133" y="192505"/>
+            <a:ext cx="2100640" cy="461665"/>
           </a:xfrm>
           <a:prstGeom prst="rect">
             <a:avLst/>
           </a:prstGeom>
           <a:noFill/>
+        </p:spPr>
+        <p:txBody>
+          <a:bodyPr wrap="none" rtlCol="0">
+            <a:spAutoFit/>
+          </a:bodyPr>
+          <a:lstStyle/>
+          <a:p>
+            <a:r>
+              <a:rPr lang="en" sz="2400" dirty="0" smtClean="0">
+                <a:latin typeface="Segoe UI" panose="020B0502040204020203" pitchFamily="34" charset="0"/>
+                <a:cs typeface="Segoe UI" panose="020B0502040204020203" pitchFamily="34" charset="0"/>
+              </a:rPr>
+              <a:t>The waterfall</a:t>
+            </a:r>
+            <a:endParaRPr lang="en-US" sz="2400" dirty="0">
+              <a:latin typeface="Segoe UI" panose="020B0502040204020203" pitchFamily="34" charset="0"/>
+              <a:cs typeface="Segoe UI" panose="020B0502040204020203" pitchFamily="34" charset="0"/>
+            </a:endParaRPr>
+          </a:p>
+        </p:txBody>
+      </p:sp>
+      <p:sp>
+        <p:nvSpPr>
+          <p:cNvPr id="9" name="Rectangle 8"/>
+          <p:cNvSpPr/>
+          <p:nvPr/>
+        </p:nvSpPr>
+        <p:spPr>
+          <a:xfrm>
+            <a:off x="10238302" y="470949"/>
+            <a:ext cx="412511" cy="299071"/>
+          </a:xfrm>
+          <a:prstGeom prst="rect">
+            <a:avLst/>
+          </a:prstGeom>
+          <a:noFill/>
+          <a:ln w="28575">
+            <a:solidFill>
+              <a:srgbClr val="FF0000"/>
+            </a:solidFill>
+          </a:ln>
+        </p:spPr>
+        <p:style>
+          <a:lnRef idx="2">
+            <a:schemeClr val="accent1">
+              <a:shade val="50000"/>
+            </a:schemeClr>
+          </a:lnRef>
+          <a:fillRef idx="1">
+            <a:schemeClr val="accent1"/>
+          </a:fillRef>
+          <a:effectRef idx="0">
+            <a:schemeClr val="accent1"/>
+          </a:effectRef>
+          <a:fontRef idx="minor">
+            <a:schemeClr val="lt1"/>
+          </a:fontRef>
+        </p:style>
+        <p:txBody>
+          <a:bodyPr rtlCol="0" anchor="ctr"/>
+          <a:lstStyle/>
+          <a:p>
+            <a:pPr algn="ctr"/>
+            <a:endParaRPr lang="en-US"/>
+          </a:p>
+        </p:txBody>
+      </p:sp>
+      <p:sp>
+        <p:nvSpPr>
+          <p:cNvPr id="3" name="Rectangle 2"/>
+          <p:cNvSpPr/>
+          <p:nvPr/>
+        </p:nvSpPr>
+        <p:spPr>
+          <a:xfrm>
+            <a:off x="437882" y="831061"/>
+            <a:ext cx="3231013" cy="369332"/>
+          </a:xfrm>
+          <a:prstGeom prst="rect">
+            <a:avLst/>
+          </a:prstGeom>
+        </p:spPr>
+        <p:txBody>
+          <a:bodyPr wrap="none">
+            <a:spAutoFit/>
+          </a:bodyPr>
+          <a:lstStyle/>
+          <a:p>
+            <a:r>
+              <a:rPr lang="en-US" dirty="0"/>
+              <a:t>How to Control or Avoid "Other"</a:t>
+            </a:r>
+          </a:p>
+        </p:txBody>
+      </p:sp>
+      <p:sp>
+        <p:nvSpPr>
+          <p:cNvPr id="4" name="Rectangle 1"/>
+          <p:cNvSpPr>
+            <a:spLocks noChangeArrowheads="1"/>
+          </p:cNvSpPr>
+          <p:nvPr/>
+        </p:nvSpPr>
+        <p:spPr bwMode="auto">
+          <a:xfrm>
+            <a:off x="427838" y="1377284"/>
+            <a:ext cx="6991850" cy="1754326"/>
+          </a:xfrm>
+          <a:prstGeom prst="rect">
+            <a:avLst/>
+          </a:prstGeom>
+          <a:noFill/>
+          <a:ln>
+            <a:noFill/>
+          </a:ln>
+          <a:effectLst/>
           <a:extLst>
             <a:ext uri="{909E8E84-426E-40DD-AFC4-6F175D3DCCD1}">
               <a14:hiddenFill xmlns:a14="http://schemas.microsoft.com/office/drawing/2010/main">
                 <a:solidFill>
-                  <a:srgbClr val="FFFFFF"/>
+                  <a:schemeClr val="accent1"/>
                 </a:solidFill>
               </a14:hiddenFill>
             </a:ext>
+            <a:ext uri="{91240B29-F687-4F45-9708-019B960494DF}">
+              <a14:hiddenLine xmlns:a14="http://schemas.microsoft.com/office/drawing/2010/main" w="9525">
+                <a:solidFill>
+                  <a:schemeClr val="tx1"/>
+                </a:solidFill>
+                <a:miter lim="800000"/>
+                <a:headEnd/>
+                <a:tailEnd/>
+              </a14:hiddenLine>
+            </a:ext>
+            <a:ext uri="{AF507438-7753-43E0-B8FC-AC1667EBCBE1}">
+              <a14:hiddenEffects xmlns:a14="http://schemas.microsoft.com/office/drawing/2010/main">
+                <a:effectLst>
+                  <a:outerShdw dist="35921" dir="2700000" algn="ctr" rotWithShape="0">
+                    <a:schemeClr val="bg2"/>
+                  </a:outerShdw>
+                </a:effectLst>
+              </a14:hiddenEffects>
+            </a:ext>
           </a:extLst>
         </p:spPr>
         <p:txBody>
-          <a:bodyPr vert="horz" wrap="square" lIns="91440" tIns="45720" rIns="91440" bIns="45720" numCol="1" anchor="t" anchorCtr="0" compatLnSpc="1">
+          <a:bodyPr vert="horz" wrap="none" lIns="91440" tIns="45720" rIns="91440" bIns="45720" numCol="1" anchor="ctr" anchorCtr="0" compatLnSpc="1">
             <a:prstTxWarp prst="textNoShape">
               <a:avLst/>
             </a:prstTxWarp>
+            <a:spAutoFit/>
           </a:bodyPr>
           <a:lstStyle/>
           <a:p>
-            <a:endParaRPr lang="en-US"/>
-          </a:p>
-        </p:txBody>
-      </p:sp>
-      <p:sp>
-        <p:nvSpPr>
-          <p:cNvPr id="5" name="TextBox 4"/>
-          <p:cNvSpPr txBox="1"/>
+            <a:pPr marL="0" marR="0" lvl="0" indent="0" algn="l" defTabSz="914400" rtl="0" eaLnBrk="0" fontAlgn="base" latinLnBrk="0" hangingPunct="0">
+              <a:lnSpc>
+                <a:spcPct val="100000"/>
+              </a:lnSpc>
+              <a:spcBef>
+                <a:spcPct val="0"/>
+              </a:spcBef>
+              <a:spcAft>
+                <a:spcPct val="0"/>
+              </a:spcAft>
+              <a:buClrTx/>
+              <a:buSzTx/>
+              <a:buFontTx/>
+              <a:buNone/>
+              <a:tabLst/>
+            </a:pPr>
+            <a:r>
+              <a:rPr kumimoji="0" lang="en-US" altLang="en-US" b="1" i="0" u="none" strike="noStrike" cap="none" normalizeH="0" baseline="0" dirty="0" smtClean="0">
+                <a:ln>
+                  <a:noFill/>
+                </a:ln>
+                <a:solidFill>
+                  <a:schemeClr val="tx1"/>
+                </a:solidFill>
+                <a:effectLst/>
+                <a:latin typeface="Segoe UI" panose="020B0502040204020203" pitchFamily="34" charset="0"/>
+                <a:cs typeface="Segoe UI" panose="020B0502040204020203" pitchFamily="34" charset="0"/>
+              </a:rPr>
+              <a:t>Change Maximum Breakdown Elements</a:t>
+            </a:r>
+          </a:p>
+          <a:p>
+            <a:pPr marL="742950" lvl="1" indent="-285750" eaLnBrk="0" fontAlgn="base" hangingPunct="0">
+              <a:spcBef>
+                <a:spcPct val="0"/>
+              </a:spcBef>
+              <a:spcAft>
+                <a:spcPct val="0"/>
+              </a:spcAft>
+              <a:buFont typeface="Arial" panose="020B0604020202020204" pitchFamily="34" charset="0"/>
+              <a:buChar char="•"/>
+            </a:pPr>
+            <a:r>
+              <a:rPr kumimoji="0" lang="en-US" altLang="en-US" b="0" i="0" u="none" strike="noStrike" cap="none" normalizeH="0" baseline="0" dirty="0" smtClean="0">
+                <a:ln>
+                  <a:noFill/>
+                </a:ln>
+                <a:solidFill>
+                  <a:schemeClr val="tx1"/>
+                </a:solidFill>
+                <a:effectLst/>
+                <a:latin typeface="Segoe UI" panose="020B0502040204020203" pitchFamily="34" charset="0"/>
+                <a:cs typeface="Segoe UI" panose="020B0502040204020203" pitchFamily="34" charset="0"/>
+              </a:rPr>
+              <a:t>Click on the Waterfall chart.</a:t>
+            </a:r>
+          </a:p>
+          <a:p>
+            <a:pPr marL="742950" lvl="1" indent="-285750" eaLnBrk="0" fontAlgn="base" hangingPunct="0">
+              <a:spcBef>
+                <a:spcPct val="0"/>
+              </a:spcBef>
+              <a:spcAft>
+                <a:spcPct val="0"/>
+              </a:spcAft>
+              <a:buFont typeface="Arial" panose="020B0604020202020204" pitchFamily="34" charset="0"/>
+              <a:buChar char="•"/>
+            </a:pPr>
+            <a:r>
+              <a:rPr kumimoji="0" lang="en-US" altLang="en-US" b="0" i="0" u="none" strike="noStrike" cap="none" normalizeH="0" baseline="0" dirty="0" smtClean="0">
+                <a:ln>
+                  <a:noFill/>
+                </a:ln>
+                <a:solidFill>
+                  <a:schemeClr val="tx1"/>
+                </a:solidFill>
+                <a:effectLst/>
+                <a:latin typeface="Segoe UI" panose="020B0502040204020203" pitchFamily="34" charset="0"/>
+                <a:cs typeface="Segoe UI" panose="020B0502040204020203" pitchFamily="34" charset="0"/>
+              </a:rPr>
+              <a:t>Go to the </a:t>
+            </a:r>
+            <a:r>
+              <a:rPr kumimoji="0" lang="en-US" altLang="en-US" b="1" i="0" u="none" strike="noStrike" cap="none" normalizeH="0" baseline="0" dirty="0" smtClean="0">
+                <a:ln>
+                  <a:noFill/>
+                </a:ln>
+                <a:solidFill>
+                  <a:schemeClr val="tx1"/>
+                </a:solidFill>
+                <a:effectLst/>
+                <a:latin typeface="Segoe UI" panose="020B0502040204020203" pitchFamily="34" charset="0"/>
+                <a:cs typeface="Segoe UI" panose="020B0502040204020203" pitchFamily="34" charset="0"/>
+              </a:rPr>
+              <a:t>Format pane</a:t>
+            </a:r>
+            <a:r>
+              <a:rPr kumimoji="0" lang="en-US" altLang="en-US" b="0" i="0" u="none" strike="noStrike" cap="none" normalizeH="0" baseline="0" dirty="0" smtClean="0">
+                <a:ln>
+                  <a:noFill/>
+                </a:ln>
+                <a:solidFill>
+                  <a:schemeClr val="tx1"/>
+                </a:solidFill>
+                <a:effectLst/>
+                <a:latin typeface="Segoe UI" panose="020B0502040204020203" pitchFamily="34" charset="0"/>
+                <a:cs typeface="Segoe UI" panose="020B0502040204020203" pitchFamily="34" charset="0"/>
+              </a:rPr>
+              <a:t>.</a:t>
+            </a:r>
+          </a:p>
+          <a:p>
+            <a:pPr marL="742950" lvl="1" indent="-285750" eaLnBrk="0" fontAlgn="base" hangingPunct="0">
+              <a:spcBef>
+                <a:spcPct val="0"/>
+              </a:spcBef>
+              <a:spcAft>
+                <a:spcPct val="0"/>
+              </a:spcAft>
+              <a:buFont typeface="Arial" panose="020B0604020202020204" pitchFamily="34" charset="0"/>
+              <a:buChar char="•"/>
+            </a:pPr>
+            <a:r>
+              <a:rPr kumimoji="0" lang="en-US" altLang="en-US" b="0" i="0" u="none" strike="noStrike" cap="none" normalizeH="0" baseline="0" dirty="0" smtClean="0">
+                <a:ln>
+                  <a:noFill/>
+                </a:ln>
+                <a:solidFill>
+                  <a:schemeClr val="tx1"/>
+                </a:solidFill>
+                <a:effectLst/>
+                <a:latin typeface="Segoe UI" panose="020B0502040204020203" pitchFamily="34" charset="0"/>
+                <a:cs typeface="Segoe UI" panose="020B0502040204020203" pitchFamily="34" charset="0"/>
+              </a:rPr>
+              <a:t>Expand </a:t>
+            </a:r>
+            <a:r>
+              <a:rPr kumimoji="0" lang="en-US" altLang="en-US" b="1" i="0" u="none" strike="noStrike" cap="none" normalizeH="0" baseline="0" dirty="0" smtClean="0">
+                <a:ln>
+                  <a:noFill/>
+                </a:ln>
+                <a:solidFill>
+                  <a:schemeClr val="tx1"/>
+                </a:solidFill>
+                <a:effectLst/>
+                <a:latin typeface="Segoe UI" panose="020B0502040204020203" pitchFamily="34" charset="0"/>
+                <a:cs typeface="Segoe UI" panose="020B0502040204020203" pitchFamily="34" charset="0"/>
+              </a:rPr>
+              <a:t>Breakdown</a:t>
+            </a:r>
+            <a:r>
+              <a:rPr kumimoji="0" lang="en-US" altLang="en-US" b="0" i="0" u="none" strike="noStrike" cap="none" normalizeH="0" baseline="0" dirty="0" smtClean="0">
+                <a:ln>
+                  <a:noFill/>
+                </a:ln>
+                <a:solidFill>
+                  <a:schemeClr val="tx1"/>
+                </a:solidFill>
+                <a:effectLst/>
+                <a:latin typeface="Segoe UI" panose="020B0502040204020203" pitchFamily="34" charset="0"/>
+                <a:cs typeface="Segoe UI" panose="020B0502040204020203" pitchFamily="34" charset="0"/>
+              </a:rPr>
+              <a:t> section.</a:t>
+            </a:r>
+          </a:p>
+          <a:p>
+            <a:pPr marL="742950" lvl="1" indent="-285750" eaLnBrk="0" fontAlgn="base" hangingPunct="0">
+              <a:spcBef>
+                <a:spcPct val="0"/>
+              </a:spcBef>
+              <a:spcAft>
+                <a:spcPct val="0"/>
+              </a:spcAft>
+              <a:buFont typeface="Arial" panose="020B0604020202020204" pitchFamily="34" charset="0"/>
+              <a:buChar char="•"/>
+            </a:pPr>
+            <a:r>
+              <a:rPr kumimoji="0" lang="en-US" altLang="en-US" b="0" i="0" u="none" strike="noStrike" cap="none" normalizeH="0" baseline="0" dirty="0" smtClean="0">
+                <a:ln>
+                  <a:noFill/>
+                </a:ln>
+                <a:solidFill>
+                  <a:schemeClr val="tx1"/>
+                </a:solidFill>
+                <a:effectLst/>
+                <a:latin typeface="Segoe UI" panose="020B0502040204020203" pitchFamily="34" charset="0"/>
+                <a:cs typeface="Segoe UI" panose="020B0502040204020203" pitchFamily="34" charset="0"/>
+              </a:rPr>
+              <a:t>Set Max number of breakdowns to a 12</a:t>
+            </a:r>
+            <a:r>
+              <a:rPr kumimoji="0" lang="en-US" altLang="en-US" b="0" i="0" u="none" strike="noStrike" cap="none" normalizeH="0" dirty="0" smtClean="0">
+                <a:ln>
+                  <a:noFill/>
+                </a:ln>
+                <a:solidFill>
+                  <a:schemeClr val="tx1"/>
+                </a:solidFill>
+                <a:effectLst/>
+                <a:latin typeface="Segoe UI" panose="020B0502040204020203" pitchFamily="34" charset="0"/>
+                <a:cs typeface="Segoe UI" panose="020B0502040204020203" pitchFamily="34" charset="0"/>
+              </a:rPr>
+              <a:t> </a:t>
+            </a:r>
+            <a:r>
+              <a:rPr kumimoji="0" lang="en-US" altLang="en-US" b="0" i="0" u="none" strike="noStrike" cap="none" normalizeH="0" baseline="0" dirty="0" smtClean="0">
+                <a:ln>
+                  <a:noFill/>
+                </a:ln>
+                <a:solidFill>
+                  <a:schemeClr val="tx1"/>
+                </a:solidFill>
+                <a:effectLst/>
+                <a:latin typeface="Segoe UI" panose="020B0502040204020203" pitchFamily="34" charset="0"/>
+                <a:cs typeface="Segoe UI" panose="020B0502040204020203" pitchFamily="34" charset="0"/>
+              </a:rPr>
+              <a:t>(default is usually 5).</a:t>
+            </a:r>
+          </a:p>
+          <a:p>
+            <a:pPr marL="0" marR="0" lvl="0" indent="0" algn="l" defTabSz="914400" rtl="0" eaLnBrk="0" fontAlgn="base" latinLnBrk="0" hangingPunct="0">
+              <a:lnSpc>
+                <a:spcPct val="100000"/>
+              </a:lnSpc>
+              <a:spcBef>
+                <a:spcPct val="0"/>
+              </a:spcBef>
+              <a:spcAft>
+                <a:spcPct val="0"/>
+              </a:spcAft>
+              <a:buClrTx/>
+              <a:buSzTx/>
+              <a:buFontTx/>
+              <a:buNone/>
+              <a:tabLst/>
+            </a:pPr>
+            <a:endParaRPr kumimoji="0" lang="en-US" altLang="en-US" b="0" i="0" u="none" strike="noStrike" cap="none" normalizeH="0" baseline="0" dirty="0" smtClean="0">
+              <a:ln>
+                <a:noFill/>
+              </a:ln>
+              <a:solidFill>
+                <a:schemeClr val="tx1"/>
+              </a:solidFill>
+              <a:effectLst/>
+              <a:latin typeface="Segoe UI" panose="020B0502040204020203" pitchFamily="34" charset="0"/>
+              <a:cs typeface="Segoe UI" panose="020B0502040204020203" pitchFamily="34" charset="0"/>
+            </a:endParaRPr>
+          </a:p>
+        </p:txBody>
+      </p:sp>
+      <p:pic>
+        <p:nvPicPr>
+          <p:cNvPr id="10" name="Picture 9"/>
+          <p:cNvPicPr>
+            <a:picLocks noChangeAspect="1"/>
+          </p:cNvPicPr>
           <p:nvPr/>
-        </p:nvSpPr>
-        <p:spPr>
-          <a:xfrm>
-            <a:off x="2579315" y="2403064"/>
-            <a:ext cx="6230360" cy="1569660"/>
+        </p:nvPicPr>
+        <p:blipFill>
+          <a:blip r:embed="rId2"/>
+          <a:stretch>
+            <a:fillRect/>
+          </a:stretch>
+        </p:blipFill>
+        <p:spPr>
+          <a:xfrm>
+            <a:off x="8310855" y="1015727"/>
+            <a:ext cx="2981741" cy="5582429"/>
           </a:xfrm>
           <a:prstGeom prst="rect">
             <a:avLst/>
           </a:prstGeom>
-          <a:noFill/>
-        </p:spPr>
-        <p:txBody>
-          <a:bodyPr wrap="none" rtlCol="0">
-            <a:spAutoFit/>
-          </a:bodyPr>
-          <a:lstStyle/>
-          <a:p>
-            <a:r>
-              <a:rPr lang="en-US" sz="9600" b="1" dirty="0" smtClean="0">
-                <a:solidFill>
-                  <a:srgbClr val="7030A0"/>
-                </a:solidFill>
-                <a:latin typeface="Segoe UI" panose="020B0502040204020203" pitchFamily="34" charset="0"/>
-                <a:ea typeface="Verdana" panose="020B0604030504040204" pitchFamily="34" charset="0"/>
-                <a:cs typeface="Segoe UI" panose="020B0502040204020203" pitchFamily="34" charset="0"/>
-              </a:rPr>
-              <a:t>Thank you</a:t>
-            </a:r>
-            <a:endParaRPr lang="en-US" sz="9600" b="1" dirty="0">
-              <a:solidFill>
-                <a:srgbClr val="7030A0"/>
-              </a:solidFill>
-              <a:latin typeface="Segoe UI" panose="020B0502040204020203" pitchFamily="34" charset="0"/>
-              <a:ea typeface="Verdana" panose="020B0604030504040204" pitchFamily="34" charset="0"/>
-              <a:cs typeface="Segoe UI" panose="020B0502040204020203" pitchFamily="34" charset="0"/>
-            </a:endParaRPr>
-          </a:p>
-        </p:txBody>
-      </p:sp>
-      <p:sp>
-        <p:nvSpPr>
-          <p:cNvPr id="6" name="TextBox 5"/>
-          <p:cNvSpPr txBox="1"/>
+        </p:spPr>
+      </p:pic>
+      <p:sp>
+        <p:nvSpPr>
+          <p:cNvPr id="11" name="Oval 10"/>
+          <p:cNvSpPr/>
           <p:nvPr/>
         </p:nvSpPr>
         <p:spPr>
           <a:xfrm>
-            <a:off x="2653452" y="2458492"/>
-            <a:ext cx="6230360" cy="1569660"/>
-          </a:xfrm>
-          <a:prstGeom prst="rect">
+            <a:off x="8813990" y="1136719"/>
+            <a:ext cx="385011" cy="364385"/>
+          </a:xfrm>
+          <a:prstGeom prst="ellipse">
             <a:avLst/>
           </a:prstGeom>
-          <a:noFill/>
-        </p:spPr>
-        <p:txBody>
-          <a:bodyPr wrap="none" rtlCol="0">
-            <a:spAutoFit/>
-          </a:bodyPr>
-          <a:lstStyle/>
-          <a:p>
-            <a:r>
-              <a:rPr lang="en-US" sz="9600" b="1" dirty="0" smtClean="0">
-                <a:solidFill>
-                  <a:schemeClr val="bg1"/>
-                </a:solidFill>
-                <a:latin typeface="Segoe UI" panose="020B0502040204020203" pitchFamily="34" charset="0"/>
-                <a:ea typeface="Verdana" panose="020B0604030504040204" pitchFamily="34" charset="0"/>
-                <a:cs typeface="Segoe UI" panose="020B0502040204020203" pitchFamily="34" charset="0"/>
-              </a:rPr>
-              <a:t>Thank you</a:t>
-            </a:r>
-            <a:endParaRPr lang="en-US" sz="9600" b="1" dirty="0">
-              <a:solidFill>
-                <a:schemeClr val="bg1"/>
-              </a:solidFill>
-              <a:latin typeface="Segoe UI" panose="020B0502040204020203" pitchFamily="34" charset="0"/>
-              <a:ea typeface="Verdana" panose="020B0604030504040204" pitchFamily="34" charset="0"/>
-              <a:cs typeface="Segoe UI" panose="020B0502040204020203" pitchFamily="34" charset="0"/>
-            </a:endParaRPr>
+          <a:solidFill>
+            <a:srgbClr val="FF0000"/>
+          </a:solidFill>
+          <a:ln>
+            <a:noFill/>
+          </a:ln>
+        </p:spPr>
+        <p:style>
+          <a:lnRef idx="2">
+            <a:schemeClr val="accent1">
+              <a:shade val="50000"/>
+            </a:schemeClr>
+          </a:lnRef>
+          <a:fillRef idx="1">
+            <a:schemeClr val="accent1"/>
+          </a:fillRef>
+          <a:effectRef idx="0">
+            <a:schemeClr val="accent1"/>
+          </a:effectRef>
+          <a:fontRef idx="minor">
+            <a:schemeClr val="lt1"/>
+          </a:fontRef>
+        </p:style>
+        <p:txBody>
+          <a:bodyPr rtlCol="0" anchor="ctr"/>
+          <a:lstStyle/>
+          <a:p>
+            <a:pPr algn="ctr"/>
+            <a:r>
+              <a:rPr lang="fr-FR" b="1" dirty="0" smtClean="0"/>
+              <a:t>1</a:t>
+            </a:r>
+            <a:endParaRPr lang="en-US" b="1" dirty="0"/>
+          </a:p>
+        </p:txBody>
+      </p:sp>
+      <p:sp>
+        <p:nvSpPr>
+          <p:cNvPr id="12" name="Oval 11"/>
+          <p:cNvSpPr/>
+          <p:nvPr/>
+        </p:nvSpPr>
+        <p:spPr>
+          <a:xfrm>
+            <a:off x="9097019" y="4579026"/>
+            <a:ext cx="385011" cy="364385"/>
+          </a:xfrm>
+          <a:prstGeom prst="ellipse">
+            <a:avLst/>
+          </a:prstGeom>
+          <a:solidFill>
+            <a:srgbClr val="FF0000"/>
+          </a:solidFill>
+          <a:ln>
+            <a:noFill/>
+          </a:ln>
+        </p:spPr>
+        <p:style>
+          <a:lnRef idx="2">
+            <a:schemeClr val="accent1">
+              <a:shade val="50000"/>
+            </a:schemeClr>
+          </a:lnRef>
+          <a:fillRef idx="1">
+            <a:schemeClr val="accent1"/>
+          </a:fillRef>
+          <a:effectRef idx="0">
+            <a:schemeClr val="accent1"/>
+          </a:effectRef>
+          <a:fontRef idx="minor">
+            <a:schemeClr val="lt1"/>
+          </a:fontRef>
+        </p:style>
+        <p:txBody>
+          <a:bodyPr rtlCol="0" anchor="ctr"/>
+          <a:lstStyle/>
+          <a:p>
+            <a:pPr algn="ctr"/>
+            <a:r>
+              <a:rPr lang="fr-FR" b="1" dirty="0" smtClean="0"/>
+              <a:t>2</a:t>
+            </a:r>
+            <a:endParaRPr lang="en-US" b="1" dirty="0"/>
+          </a:p>
+        </p:txBody>
+      </p:sp>
+      <p:sp>
+        <p:nvSpPr>
+          <p:cNvPr id="13" name="Oval 12"/>
+          <p:cNvSpPr/>
+          <p:nvPr/>
+        </p:nvSpPr>
+        <p:spPr>
+          <a:xfrm>
+            <a:off x="9001910" y="5406398"/>
+            <a:ext cx="385011" cy="364385"/>
+          </a:xfrm>
+          <a:prstGeom prst="ellipse">
+            <a:avLst/>
+          </a:prstGeom>
+          <a:solidFill>
+            <a:srgbClr val="FF0000"/>
+          </a:solidFill>
+          <a:ln>
+            <a:noFill/>
+          </a:ln>
+        </p:spPr>
+        <p:style>
+          <a:lnRef idx="2">
+            <a:schemeClr val="accent1">
+              <a:shade val="50000"/>
+            </a:schemeClr>
+          </a:lnRef>
+          <a:fillRef idx="1">
+            <a:schemeClr val="accent1"/>
+          </a:fillRef>
+          <a:effectRef idx="0">
+            <a:schemeClr val="accent1"/>
+          </a:effectRef>
+          <a:fontRef idx="minor">
+            <a:schemeClr val="lt1"/>
+          </a:fontRef>
+        </p:style>
+        <p:txBody>
+          <a:bodyPr rtlCol="0" anchor="ctr"/>
+          <a:lstStyle/>
+          <a:p>
+            <a:pPr algn="ctr"/>
+            <a:r>
+              <a:rPr lang="fr-FR" b="1" dirty="0" smtClean="0"/>
+              <a:t>3</a:t>
+            </a:r>
+            <a:endParaRPr lang="en-US" b="1" dirty="0"/>
           </a:p>
         </p:txBody>
       </p:sp>
     </p:spTree>
     <p:extLst>
       <p:ext uri="{BB962C8B-B14F-4D97-AF65-F5344CB8AC3E}">
-        <p14:creationId xmlns:p14="http://schemas.microsoft.com/office/powerpoint/2010/main" val="3494127604"/>
+        <p14:creationId xmlns:p14="http://schemas.microsoft.com/office/powerpoint/2010/main" val="2903948390"/>
       </p:ext>
     </p:extLst>
   </p:cSld>
